--- a/Teaching/Bài 01 - Giới thiệu về Android, LibGdx.pptx
+++ b/Teaching/Bài 01 - Giới thiệu về Android, LibGdx.pptx
@@ -27,7 +27,74 @@
     <p:sldId id="274" r:id="rId21"/>
     <p:sldId id="265" r:id="rId22"/>
     <p:sldId id="264" r:id="rId23"/>
-    <p:sldId id="262" r:id="rId24"/>
+    <p:sldId id="281" r:id="rId24"/>
+    <p:sldId id="283" r:id="rId25"/>
+    <p:sldId id="282" r:id="rId26"/>
+    <p:sldId id="280" r:id="rId27"/>
+    <p:sldId id="279" r:id="rId28"/>
+    <p:sldId id="284" r:id="rId29"/>
+    <p:sldId id="262" r:id="rId30"/>
+    <p:sldId id="285" r:id="rId31"/>
+    <p:sldId id="296" r:id="rId32"/>
+    <p:sldId id="295" r:id="rId33"/>
+    <p:sldId id="294" r:id="rId34"/>
+    <p:sldId id="293" r:id="rId35"/>
+    <p:sldId id="292" r:id="rId36"/>
+    <p:sldId id="291" r:id="rId37"/>
+    <p:sldId id="290" r:id="rId38"/>
+    <p:sldId id="289" r:id="rId39"/>
+    <p:sldId id="288" r:id="rId40"/>
+    <p:sldId id="286" r:id="rId41"/>
+    <p:sldId id="287" r:id="rId42"/>
+    <p:sldId id="300" r:id="rId43"/>
+    <p:sldId id="299" r:id="rId44"/>
+    <p:sldId id="298" r:id="rId45"/>
+    <p:sldId id="297" r:id="rId46"/>
+    <p:sldId id="301" r:id="rId47"/>
+    <p:sldId id="302" r:id="rId48"/>
+    <p:sldId id="303" r:id="rId49"/>
+    <p:sldId id="304" r:id="rId50"/>
+    <p:sldId id="305" r:id="rId51"/>
+    <p:sldId id="306" r:id="rId52"/>
+    <p:sldId id="307" r:id="rId53"/>
+    <p:sldId id="308" r:id="rId54"/>
+    <p:sldId id="309" r:id="rId55"/>
+    <p:sldId id="310" r:id="rId56"/>
+    <p:sldId id="311" r:id="rId57"/>
+    <p:sldId id="312" r:id="rId58"/>
+    <p:sldId id="313" r:id="rId59"/>
+    <p:sldId id="314" r:id="rId60"/>
+    <p:sldId id="315" r:id="rId61"/>
+    <p:sldId id="316" r:id="rId62"/>
+    <p:sldId id="317" r:id="rId63"/>
+    <p:sldId id="318" r:id="rId64"/>
+    <p:sldId id="319" r:id="rId65"/>
+    <p:sldId id="320" r:id="rId66"/>
+    <p:sldId id="321" r:id="rId67"/>
+    <p:sldId id="322" r:id="rId68"/>
+    <p:sldId id="323" r:id="rId69"/>
+    <p:sldId id="324" r:id="rId70"/>
+    <p:sldId id="325" r:id="rId71"/>
+    <p:sldId id="326" r:id="rId72"/>
+    <p:sldId id="327" r:id="rId73"/>
+    <p:sldId id="328" r:id="rId74"/>
+    <p:sldId id="329" r:id="rId75"/>
+    <p:sldId id="330" r:id="rId76"/>
+    <p:sldId id="331" r:id="rId77"/>
+    <p:sldId id="332" r:id="rId78"/>
+    <p:sldId id="333" r:id="rId79"/>
+    <p:sldId id="334" r:id="rId80"/>
+    <p:sldId id="335" r:id="rId81"/>
+    <p:sldId id="336" r:id="rId82"/>
+    <p:sldId id="337" r:id="rId83"/>
+    <p:sldId id="338" r:id="rId84"/>
+    <p:sldId id="339" r:id="rId85"/>
+    <p:sldId id="340" r:id="rId86"/>
+    <p:sldId id="341" r:id="rId87"/>
+    <p:sldId id="342" r:id="rId88"/>
+    <p:sldId id="343" r:id="rId89"/>
+    <p:sldId id="344" r:id="rId90"/>
+    <p:sldId id="345" r:id="rId91"/>
   </p:sldIdLst>
   <p:sldSz cx="9144000" cy="6858000" type="screen4x3"/>
   <p:notesSz cx="6858000" cy="9144000"/>
@@ -311,7 +378,7 @@
             <a:fld id="{1D8BD707-D9CF-40AE-B4C6-C98DA3205C09}" type="datetimeFigureOut">
               <a:rPr lang="en-US" smtClean="0"/>
               <a:pPr/>
-              <a:t>9/28/2012</a:t>
+              <a:t>10/1/2012</a:t>
             </a:fld>
             <a:endParaRPr lang="en-US"/>
           </a:p>
@@ -478,7 +545,7 @@
             <a:fld id="{1D8BD707-D9CF-40AE-B4C6-C98DA3205C09}" type="datetimeFigureOut">
               <a:rPr lang="en-US" smtClean="0"/>
               <a:pPr/>
-              <a:t>9/28/2012</a:t>
+              <a:t>10/1/2012</a:t>
             </a:fld>
             <a:endParaRPr lang="en-US"/>
           </a:p>
@@ -655,7 +722,7 @@
             <a:fld id="{1D8BD707-D9CF-40AE-B4C6-C98DA3205C09}" type="datetimeFigureOut">
               <a:rPr lang="en-US" smtClean="0"/>
               <a:pPr/>
-              <a:t>9/28/2012</a:t>
+              <a:t>10/1/2012</a:t>
             </a:fld>
             <a:endParaRPr lang="en-US"/>
           </a:p>
@@ -822,7 +889,7 @@
             <a:fld id="{1D8BD707-D9CF-40AE-B4C6-C98DA3205C09}" type="datetimeFigureOut">
               <a:rPr lang="en-US" smtClean="0"/>
               <a:pPr/>
-              <a:t>9/28/2012</a:t>
+              <a:t>10/1/2012</a:t>
             </a:fld>
             <a:endParaRPr lang="en-US"/>
           </a:p>
@@ -1065,7 +1132,7 @@
             <a:fld id="{1D8BD707-D9CF-40AE-B4C6-C98DA3205C09}" type="datetimeFigureOut">
               <a:rPr lang="en-US" smtClean="0"/>
               <a:pPr/>
-              <a:t>9/28/2012</a:t>
+              <a:t>10/1/2012</a:t>
             </a:fld>
             <a:endParaRPr lang="en-US"/>
           </a:p>
@@ -1350,7 +1417,7 @@
             <a:fld id="{1D8BD707-D9CF-40AE-B4C6-C98DA3205C09}" type="datetimeFigureOut">
               <a:rPr lang="en-US" smtClean="0"/>
               <a:pPr/>
-              <a:t>9/28/2012</a:t>
+              <a:t>10/1/2012</a:t>
             </a:fld>
             <a:endParaRPr lang="en-US"/>
           </a:p>
@@ -1769,7 +1836,7 @@
             <a:fld id="{1D8BD707-D9CF-40AE-B4C6-C98DA3205C09}" type="datetimeFigureOut">
               <a:rPr lang="en-US" smtClean="0"/>
               <a:pPr/>
-              <a:t>9/28/2012</a:t>
+              <a:t>10/1/2012</a:t>
             </a:fld>
             <a:endParaRPr lang="en-US"/>
           </a:p>
@@ -1884,7 +1951,7 @@
             <a:fld id="{1D8BD707-D9CF-40AE-B4C6-C98DA3205C09}" type="datetimeFigureOut">
               <a:rPr lang="en-US" smtClean="0"/>
               <a:pPr/>
-              <a:t>9/28/2012</a:t>
+              <a:t>10/1/2012</a:t>
             </a:fld>
             <a:endParaRPr lang="en-US"/>
           </a:p>
@@ -1976,7 +2043,7 @@
             <a:fld id="{1D8BD707-D9CF-40AE-B4C6-C98DA3205C09}" type="datetimeFigureOut">
               <a:rPr lang="en-US" smtClean="0"/>
               <a:pPr/>
-              <a:t>9/28/2012</a:t>
+              <a:t>10/1/2012</a:t>
             </a:fld>
             <a:endParaRPr lang="en-US"/>
           </a:p>
@@ -2250,7 +2317,7 @@
             <a:fld id="{1D8BD707-D9CF-40AE-B4C6-C98DA3205C09}" type="datetimeFigureOut">
               <a:rPr lang="en-US" smtClean="0"/>
               <a:pPr/>
-              <a:t>9/28/2012</a:t>
+              <a:t>10/1/2012</a:t>
             </a:fld>
             <a:endParaRPr lang="en-US"/>
           </a:p>
@@ -2500,7 +2567,7 @@
             <a:fld id="{1D8BD707-D9CF-40AE-B4C6-C98DA3205C09}" type="datetimeFigureOut">
               <a:rPr lang="en-US" smtClean="0"/>
               <a:pPr/>
-              <a:t>9/28/2012</a:t>
+              <a:t>10/1/2012</a:t>
             </a:fld>
             <a:endParaRPr lang="en-US"/>
           </a:p>
@@ -2710,7 +2777,7 @@
             <a:fld id="{1D8BD707-D9CF-40AE-B4C6-C98DA3205C09}" type="datetimeFigureOut">
               <a:rPr lang="en-US" smtClean="0"/>
               <a:pPr/>
-              <a:t>9/28/2012</a:t>
+              <a:t>10/1/2012</a:t>
             </a:fld>
             <a:endParaRPr lang="en-US"/>
           </a:p>
@@ -3206,46 +3273,29 @@
             <a:pPr lvl="1"/>
             <a:r>
               <a:rPr lang="en-US" dirty="0" smtClean="0"/>
-              <a:t>Specify your project's </a:t>
-            </a:r>
-            <a:r>
-              <a:rPr lang="en-US" dirty="0" smtClean="0"/>
-              <a:t>configuration</a:t>
+              <a:t>Specify your project's configuration</a:t>
             </a:r>
           </a:p>
           <a:p>
             <a:pPr lvl="1"/>
             <a:r>
               <a:rPr lang="en-US" dirty="0" smtClean="0"/>
-              <a:t>Specify the libgdx stable/nightly release zip </a:t>
-            </a:r>
-            <a:r>
-              <a:rPr lang="en-US" dirty="0" smtClean="0"/>
-              <a:t>file</a:t>
+              <a:t>Specify the libgdx stable/nightly release zip file</a:t>
             </a:r>
           </a:p>
           <a:p>
             <a:pPr lvl="1"/>
             <a:r>
               <a:rPr lang="en-US" dirty="0" smtClean="0"/>
-              <a:t>Hit the "Generate projects" </a:t>
-            </a:r>
-            <a:r>
-              <a:rPr lang="en-US" dirty="0" smtClean="0"/>
-              <a:t>button</a:t>
+              <a:t>Hit the "Generate projects" button</a:t>
             </a:r>
           </a:p>
           <a:p>
             <a:pPr lvl="1"/>
             <a:r>
               <a:rPr lang="en-US" dirty="0" smtClean="0"/>
-              <a:t>Import project to Eclipse: </a:t>
-            </a:r>
-            <a:r>
-              <a:rPr lang="en-US" dirty="0" smtClean="0"/>
-              <a:t>File -&gt; Import -&gt; Existing Projects into Workspace</a:t>
-            </a:r>
-            <a:endParaRPr lang="en-US" dirty="0" smtClean="0"/>
+              <a:t>Import project to Eclipse: File -&gt; Import -&gt; Existing Projects into Workspace</a:t>
+            </a:r>
           </a:p>
           <a:p>
             <a:pPr lvl="1">
@@ -3320,36 +3370,20 @@
           <a:p>
             <a:r>
               <a:rPr lang="en-US" b="1" dirty="0" smtClean="0"/>
-              <a:t>Core project ("my-gdx-game") </a:t>
-            </a:r>
+              <a:t>Core project ("my-gdx-game") Android </a:t>
+            </a:r>
+          </a:p>
+          <a:p>
             <a:r>
               <a:rPr lang="en-US" b="1" dirty="0" smtClean="0"/>
-              <a:t>Android </a:t>
-            </a:r>
+              <a:t>project ("my-gdx-game-android")</a:t>
+            </a:r>
+            <a:endParaRPr lang="en-US" dirty="0" smtClean="0"/>
           </a:p>
           <a:p>
             <a:r>
               <a:rPr lang="en-US" b="1" dirty="0" smtClean="0"/>
-              <a:t>project </a:t>
-            </a:r>
-            <a:r>
-              <a:rPr lang="en-US" b="1" dirty="0" smtClean="0"/>
-              <a:t>("my-gdx-game-android</a:t>
-            </a:r>
-            <a:r>
-              <a:rPr lang="en-US" b="1" dirty="0" smtClean="0"/>
-              <a:t>")</a:t>
-            </a:r>
-            <a:endParaRPr lang="en-US" dirty="0" smtClean="0"/>
-          </a:p>
-          <a:p>
-            <a:r>
-              <a:rPr lang="en-US" b="1" dirty="0" smtClean="0"/>
-              <a:t>Desktop </a:t>
-            </a:r>
-            <a:r>
-              <a:rPr lang="en-US" b="1" dirty="0" smtClean="0"/>
-              <a:t>project ("my-gdx-game-desktop")</a:t>
+              <a:t>Desktop project ("my-gdx-game-desktop")</a:t>
             </a:r>
             <a:endParaRPr lang="en-US" dirty="0" smtClean="0"/>
           </a:p>
@@ -3446,11 +3480,7 @@
             <a:pPr lvl="1"/>
             <a:r>
               <a:rPr lang="en-US" dirty="0" smtClean="0"/>
-              <a:t>Select the desktop starter </a:t>
-            </a:r>
-            <a:r>
-              <a:rPr lang="en-US" dirty="0" smtClean="0"/>
-              <a:t>class</a:t>
+              <a:t>Select the desktop starter class</a:t>
             </a:r>
           </a:p>
           <a:p>
@@ -3463,15 +3493,7 @@
             <a:pPr lvl="1"/>
             <a:r>
               <a:rPr lang="en-US" dirty="0" smtClean="0"/>
-              <a:t> Right click </a:t>
-            </a:r>
-            <a:r>
-              <a:rPr lang="en-US" dirty="0" smtClean="0"/>
-              <a:t>Android </a:t>
-            </a:r>
-            <a:r>
-              <a:rPr lang="en-US" dirty="0" smtClean="0"/>
-              <a:t>project, Run As -&gt; Android Application</a:t>
+              <a:t> Right click Android project, Run As -&gt; Android Application</a:t>
             </a:r>
             <a:endParaRPr lang="en-US" dirty="0"/>
           </a:p>
@@ -3630,11 +3652,7 @@
           <a:p>
             <a:r>
               <a:rPr lang="en-US" b="1" dirty="0" smtClean="0"/>
-              <a:t>Creating a </a:t>
-            </a:r>
-            <a:r>
-              <a:rPr lang="en-US" b="1" dirty="0" smtClean="0"/>
-              <a:t>game</a:t>
+              <a:t>Creating a game</a:t>
             </a:r>
             <a:endParaRPr lang="en-US" dirty="0"/>
           </a:p>
@@ -3662,11 +3680,7 @@
           <a:p>
             <a:r>
               <a:rPr lang="en-US" dirty="0" smtClean="0"/>
-              <a:t>Implements </a:t>
-            </a:r>
-            <a:r>
-              <a:rPr lang="en-US" dirty="0" smtClean="0"/>
-              <a:t>ApplicationListener</a:t>
+              <a:t>Implements ApplicationListener</a:t>
             </a:r>
             <a:endParaRPr lang="en-US" dirty="0"/>
           </a:p>
@@ -3819,7 +3833,6 @@
               <a:rPr lang="en-US" dirty="0" smtClean="0"/>
               <a:t>Use LwjglApplication or JoglApplication</a:t>
             </a:r>
-            <a:endParaRPr lang="en-US" dirty="0" smtClean="0"/>
           </a:p>
           <a:p>
             <a:pPr lvl="1">
@@ -4076,29 +4089,47 @@
           <a:bodyPr/>
           <a:lstStyle/>
           <a:p>
-            <a:endParaRPr lang="en-US"/>
-          </a:p>
-        </p:txBody>
-      </p:sp>
-      <p:sp>
-        <p:nvSpPr>
-          <p:cNvPr id="3" name="Content Placeholder 2"/>
-          <p:cNvSpPr>
-            <a:spLocks noGrp="1"/>
-          </p:cNvSpPr>
-          <p:nvPr>
-            <p:ph idx="1"/>
-          </p:nvPr>
-        </p:nvSpPr>
-        <p:spPr/>
-        <p:txBody>
-          <a:bodyPr/>
-          <a:lstStyle/>
-          <a:p>
-            <a:endParaRPr lang="en-US"/>
-          </a:p>
-        </p:txBody>
-      </p:sp>
+            <a:r>
+              <a:rPr lang="en-US" dirty="0" smtClean="0"/>
+              <a:t>Life cycle</a:t>
+            </a:r>
+            <a:endParaRPr lang="en-US" dirty="0"/>
+          </a:p>
+        </p:txBody>
+      </p:sp>
+      <p:pic>
+        <p:nvPicPr>
+          <p:cNvPr id="1026" name="Picture 2"/>
+          <p:cNvPicPr>
+            <a:picLocks noChangeAspect="1" noChangeArrowheads="1"/>
+          </p:cNvPicPr>
+          <p:nvPr/>
+        </p:nvPicPr>
+        <p:blipFill>
+          <a:blip r:embed="rId2"/>
+          <a:srcRect/>
+          <a:stretch>
+            <a:fillRect/>
+          </a:stretch>
+        </p:blipFill>
+        <p:spPr bwMode="auto">
+          <a:xfrm>
+            <a:off x="1524000" y="1371600"/>
+            <a:ext cx="5972175" cy="4924425"/>
+          </a:xfrm>
+          <a:prstGeom prst="rect">
+            <a:avLst/>
+          </a:prstGeom>
+          <a:noFill/>
+          <a:ln w="9525">
+            <a:noFill/>
+            <a:miter lim="800000"/>
+            <a:headEnd/>
+            <a:tailEnd/>
+          </a:ln>
+          <a:effectLst/>
+        </p:spPr>
+      </p:pic>
     </p:spTree>
   </p:cSld>
   <p:clrMapOvr>
@@ -4139,26 +4170,91 @@
           <a:bodyPr/>
           <a:lstStyle/>
           <a:p>
-            <a:endParaRPr lang="en-US"/>
-          </a:p>
-        </p:txBody>
-      </p:sp>
-      <p:sp>
-        <p:nvSpPr>
-          <p:cNvPr id="3" name="Content Placeholder 2"/>
-          <p:cNvSpPr>
-            <a:spLocks noGrp="1"/>
-          </p:cNvSpPr>
-          <p:nvPr>
-            <p:ph idx="1"/>
-          </p:nvPr>
-        </p:nvSpPr>
-        <p:spPr/>
-        <p:txBody>
-          <a:bodyPr/>
-          <a:lstStyle/>
-          <a:p>
-            <a:endParaRPr lang="en-US"/>
+            <a:r>
+              <a:rPr lang="en-US" dirty="0" smtClean="0"/>
+              <a:t>OnCreate()</a:t>
+            </a:r>
+            <a:endParaRPr lang="en-US" dirty="0"/>
+          </a:p>
+        </p:txBody>
+      </p:sp>
+      <p:pic>
+        <p:nvPicPr>
+          <p:cNvPr id="2051" name="Picture 3"/>
+          <p:cNvPicPr>
+            <a:picLocks noChangeAspect="1" noChangeArrowheads="1"/>
+          </p:cNvPicPr>
+          <p:nvPr/>
+        </p:nvPicPr>
+        <p:blipFill>
+          <a:blip r:embed="rId2"/>
+          <a:srcRect/>
+          <a:stretch>
+            <a:fillRect/>
+          </a:stretch>
+        </p:blipFill>
+        <p:spPr bwMode="auto">
+          <a:xfrm>
+            <a:off x="838200" y="1752600"/>
+            <a:ext cx="7798837" cy="4495800"/>
+          </a:xfrm>
+          <a:prstGeom prst="rect">
+            <a:avLst/>
+          </a:prstGeom>
+          <a:noFill/>
+          <a:ln w="9525">
+            <a:noFill/>
+            <a:miter lim="800000"/>
+            <a:headEnd/>
+            <a:tailEnd/>
+          </a:ln>
+          <a:effectLst/>
+        </p:spPr>
+      </p:pic>
+      <p:sp>
+        <p:nvSpPr>
+          <p:cNvPr id="7" name="Rectangular Callout 6"/>
+          <p:cNvSpPr/>
+          <p:nvPr/>
+        </p:nvSpPr>
+        <p:spPr>
+          <a:xfrm>
+            <a:off x="6324600" y="990600"/>
+            <a:ext cx="1981200" cy="838200"/>
+          </a:xfrm>
+          <a:prstGeom prst="wedgeRectCallout">
+            <a:avLst>
+              <a:gd name="adj1" fmla="val -99650"/>
+              <a:gd name="adj2" fmla="val 112850"/>
+            </a:avLst>
+          </a:prstGeom>
+        </p:spPr>
+        <p:style>
+          <a:lnRef idx="2">
+            <a:schemeClr val="accent1">
+              <a:shade val="50000"/>
+            </a:schemeClr>
+          </a:lnRef>
+          <a:fillRef idx="1">
+            <a:schemeClr val="accent1"/>
+          </a:fillRef>
+          <a:effectRef idx="0">
+            <a:schemeClr val="accent1"/>
+          </a:effectRef>
+          <a:fontRef idx="minor">
+            <a:schemeClr val="lt1"/>
+          </a:fontRef>
+        </p:style>
+        <p:txBody>
+          <a:bodyPr rtlCol="0" anchor="ctr"/>
+          <a:lstStyle/>
+          <a:p>
+            <a:pPr algn="ctr"/>
+            <a:r>
+              <a:rPr lang="en-US" dirty="0" smtClean="0"/>
+              <a:t>Get width, height of game’s screen</a:t>
+            </a:r>
+            <a:endParaRPr lang="en-US" dirty="0"/>
           </a:p>
         </p:txBody>
       </p:sp>
@@ -4269,7 +4365,11 @@
           <a:bodyPr/>
           <a:lstStyle/>
           <a:p>
-            <a:endParaRPr lang="en-US"/>
+            <a:r>
+              <a:rPr lang="en-US" dirty="0" smtClean="0"/>
+              <a:t>Explain code</a:t>
+            </a:r>
+            <a:endParaRPr lang="en-US" dirty="0"/>
           </a:p>
         </p:txBody>
       </p:sp>
@@ -4285,10 +4385,178 @@
         </p:nvSpPr>
         <p:spPr/>
         <p:txBody>
-          <a:bodyPr/>
-          <a:lstStyle/>
-          <a:p>
-            <a:endParaRPr lang="en-US"/>
+          <a:bodyPr>
+            <a:normAutofit/>
+          </a:bodyPr>
+          <a:lstStyle/>
+          <a:p>
+            <a:pPr>
+              <a:buNone/>
+            </a:pPr>
+            <a:r>
+              <a:rPr lang="en-US" sz="2800" b="1" dirty="0" smtClean="0">
+                <a:solidFill>
+                  <a:srgbClr val="7F0055"/>
+                </a:solidFill>
+                <a:latin typeface="+mj-lt"/>
+              </a:rPr>
+              <a:t>float</a:t>
+            </a:r>
+            <a:r>
+              <a:rPr lang="en-US" sz="2800" b="1" dirty="0" smtClean="0">
+                <a:solidFill>
+                  <a:srgbClr val="000000"/>
+                </a:solidFill>
+                <a:latin typeface="+mj-lt"/>
+              </a:rPr>
+              <a:t> </a:t>
+            </a:r>
+            <a:r>
+              <a:rPr lang="en-US" sz="2800" b="1" dirty="0" smtClean="0">
+                <a:solidFill>
+                  <a:srgbClr val="000000"/>
+                </a:solidFill>
+                <a:latin typeface="+mj-lt"/>
+              </a:rPr>
+              <a:t>w = Gdx.</a:t>
+            </a:r>
+            <a:r>
+              <a:rPr lang="en-US" sz="2800" b="1" i="1" dirty="0" smtClean="0">
+                <a:solidFill>
+                  <a:srgbClr val="0000C0"/>
+                </a:solidFill>
+                <a:latin typeface="+mj-lt"/>
+              </a:rPr>
+              <a:t>graphics</a:t>
+            </a:r>
+            <a:r>
+              <a:rPr lang="en-US" sz="2800" b="1" i="1" dirty="0" smtClean="0">
+                <a:solidFill>
+                  <a:srgbClr val="000000"/>
+                </a:solidFill>
+                <a:latin typeface="+mj-lt"/>
+              </a:rPr>
+              <a:t>.getWidth();</a:t>
+            </a:r>
+          </a:p>
+          <a:p>
+            <a:pPr>
+              <a:buNone/>
+            </a:pPr>
+            <a:r>
+              <a:rPr lang="en-US" sz="2800" b="1" dirty="0" smtClean="0">
+                <a:solidFill>
+                  <a:srgbClr val="7F0055"/>
+                </a:solidFill>
+                <a:latin typeface="+mj-lt"/>
+              </a:rPr>
+              <a:t>float</a:t>
+            </a:r>
+            <a:r>
+              <a:rPr lang="en-US" sz="2800" b="1" dirty="0" smtClean="0">
+                <a:solidFill>
+                  <a:srgbClr val="000000"/>
+                </a:solidFill>
+                <a:latin typeface="+mj-lt"/>
+              </a:rPr>
+              <a:t> h = Gdx.</a:t>
+            </a:r>
+            <a:r>
+              <a:rPr lang="en-US" sz="2800" b="1" i="1" dirty="0" smtClean="0">
+                <a:solidFill>
+                  <a:srgbClr val="0000C0"/>
+                </a:solidFill>
+                <a:latin typeface="+mj-lt"/>
+              </a:rPr>
+              <a:t>graphics</a:t>
+            </a:r>
+            <a:r>
+              <a:rPr lang="en-US" sz="2800" b="1" i="1" dirty="0" smtClean="0">
+                <a:solidFill>
+                  <a:srgbClr val="000000"/>
+                </a:solidFill>
+                <a:latin typeface="+mj-lt"/>
+              </a:rPr>
+              <a:t>.getHeight</a:t>
+            </a:r>
+            <a:r>
+              <a:rPr lang="en-US" sz="2800" b="1" i="1" dirty="0" smtClean="0">
+                <a:solidFill>
+                  <a:srgbClr val="000000"/>
+                </a:solidFill>
+                <a:latin typeface="+mj-lt"/>
+              </a:rPr>
+              <a:t>();</a:t>
+            </a:r>
+          </a:p>
+          <a:p>
+            <a:r>
+              <a:rPr lang="en-US" sz="2800" b="1" i="1" dirty="0" smtClean="0">
+                <a:solidFill>
+                  <a:srgbClr val="000000"/>
+                </a:solidFill>
+                <a:latin typeface="+mj-lt"/>
+              </a:rPr>
+              <a:t>Get size of game’s screen</a:t>
+            </a:r>
+          </a:p>
+          <a:p>
+            <a:r>
+              <a:rPr lang="en-US" sz="2800" b="1" i="1" dirty="0" smtClean="0">
+                <a:solidFill>
+                  <a:srgbClr val="000000"/>
+                </a:solidFill>
+                <a:latin typeface="+mj-lt"/>
+              </a:rPr>
+              <a:t>Other propertis of Gdx class:</a:t>
+            </a:r>
+          </a:p>
+          <a:p>
+            <a:pPr lvl="1"/>
+            <a:r>
+              <a:rPr lang="en-US" sz="2400" b="1" i="1" dirty="0" smtClean="0">
+                <a:solidFill>
+                  <a:srgbClr val="000000"/>
+                </a:solidFill>
+                <a:latin typeface="+mj-lt"/>
+              </a:rPr>
+              <a:t>Gdx.app</a:t>
+            </a:r>
+          </a:p>
+          <a:p>
+            <a:pPr lvl="1"/>
+            <a:r>
+              <a:rPr lang="en-US" sz="2400" b="1" i="1" dirty="0" smtClean="0">
+                <a:solidFill>
+                  <a:srgbClr val="000000"/>
+                </a:solidFill>
+                <a:latin typeface="+mj-lt"/>
+              </a:rPr>
+              <a:t>Gdx.log</a:t>
+            </a:r>
+          </a:p>
+          <a:p>
+            <a:pPr lvl="1"/>
+            <a:r>
+              <a:rPr lang="en-US" sz="2400" b="1" i="1" dirty="0" smtClean="0">
+                <a:solidFill>
+                  <a:srgbClr val="000000"/>
+                </a:solidFill>
+                <a:latin typeface="+mj-lt"/>
+              </a:rPr>
+              <a:t>Gdx.files</a:t>
+            </a:r>
+            <a:endParaRPr lang="en-US" sz="2400" b="1" i="1" dirty="0" smtClean="0">
+              <a:solidFill>
+                <a:srgbClr val="000000"/>
+              </a:solidFill>
+              <a:latin typeface="+mj-lt"/>
+            </a:endParaRPr>
+          </a:p>
+          <a:p>
+            <a:endParaRPr lang="en-US" sz="2800" dirty="0">
+              <a:latin typeface="+mj-lt"/>
+            </a:endParaRPr>
           </a:p>
         </p:txBody>
       </p:sp>
@@ -4332,7 +4600,11 @@
           <a:bodyPr/>
           <a:lstStyle/>
           <a:p>
-            <a:endParaRPr lang="en-US"/>
+            <a:r>
+              <a:rPr lang="en-US" dirty="0" smtClean="0"/>
+              <a:t>Explain code</a:t>
+            </a:r>
+            <a:endParaRPr lang="en-US" dirty="0"/>
           </a:p>
         </p:txBody>
       </p:sp>
@@ -4351,7 +4623,43 @@
           <a:bodyPr/>
           <a:lstStyle/>
           <a:p>
-            <a:endParaRPr lang="en-US"/>
+            <a:r>
+              <a:rPr lang="en-US" dirty="0" smtClean="0"/>
+              <a:t>camera </a:t>
+            </a:r>
+            <a:r>
+              <a:rPr lang="en-US" dirty="0" smtClean="0"/>
+              <a:t>= </a:t>
+            </a:r>
+            <a:r>
+              <a:rPr lang="en-US" b="1" dirty="0" smtClean="0"/>
+              <a:t>new OrthographicCamera(w, h);</a:t>
+            </a:r>
+          </a:p>
+          <a:p>
+            <a:pPr>
+              <a:buNone/>
+            </a:pPr>
+            <a:r>
+              <a:rPr lang="en-US" dirty="0" smtClean="0"/>
+              <a:t>Create camera with specify size.</a:t>
+            </a:r>
+          </a:p>
+          <a:p>
+            <a:r>
+              <a:rPr lang="en-US" dirty="0" smtClean="0"/>
+              <a:t>camera.position.set(0.5f * w, h/2, 0);</a:t>
+            </a:r>
+          </a:p>
+          <a:p>
+            <a:pPr>
+              <a:buNone/>
+            </a:pPr>
+            <a:r>
+              <a:rPr lang="en-US" dirty="0" smtClean="0"/>
+              <a:t>Set Camera position</a:t>
+            </a:r>
+            <a:endParaRPr lang="en-US" dirty="0"/>
           </a:p>
         </p:txBody>
       </p:sp>
@@ -4395,7 +4703,11 @@
           <a:bodyPr/>
           <a:lstStyle/>
           <a:p>
-            <a:endParaRPr lang="en-US"/>
+            <a:r>
+              <a:rPr lang="en-US" dirty="0" smtClean="0"/>
+              <a:t>Camera</a:t>
+            </a:r>
+            <a:endParaRPr lang="en-US" dirty="0"/>
           </a:p>
         </p:txBody>
       </p:sp>
@@ -4414,7 +4726,7 @@
           <a:bodyPr/>
           <a:lstStyle/>
           <a:p>
-            <a:endParaRPr lang="en-US"/>
+            <a:endParaRPr lang="en-US" dirty="0"/>
           </a:p>
         </p:txBody>
       </p:sp>
@@ -4458,7 +4770,11 @@
           <a:bodyPr/>
           <a:lstStyle/>
           <a:p>
-            <a:endParaRPr lang="en-US"/>
+            <a:r>
+              <a:rPr lang="en-US" dirty="0" smtClean="0"/>
+              <a:t>Texture Region, Sprite</a:t>
+            </a:r>
+            <a:endParaRPr lang="en-US" dirty="0"/>
           </a:p>
         </p:txBody>
       </p:sp>
@@ -4474,10 +4790,867 @@
         </p:nvSpPr>
         <p:spPr/>
         <p:txBody>
-          <a:bodyPr/>
-          <a:lstStyle/>
-          <a:p>
-            <a:endParaRPr lang="en-US"/>
+          <a:bodyPr>
+            <a:normAutofit/>
+          </a:bodyPr>
+          <a:lstStyle/>
+          <a:p>
+            <a:r>
+              <a:rPr lang="en-US" sz="2800" dirty="0" smtClean="0"/>
+              <a:t>texture = </a:t>
+            </a:r>
+            <a:r>
+              <a:rPr lang="en-US" sz="2800" b="1" dirty="0" smtClean="0"/>
+              <a:t>new Texture(Gdx.</a:t>
+            </a:r>
+            <a:r>
+              <a:rPr lang="en-US" sz="2800" b="1" i="1" dirty="0" smtClean="0"/>
+              <a:t>files.internal("data/libgdx.png</a:t>
+            </a:r>
+            <a:r>
+              <a:rPr lang="en-US" sz="2800" b="1" i="1" dirty="0" smtClean="0"/>
+              <a:t>"));</a:t>
+            </a:r>
+          </a:p>
+          <a:p>
+            <a:pPr>
+              <a:buNone/>
+            </a:pPr>
+            <a:r>
+              <a:rPr lang="en-US" sz="2800" b="1" i="1" dirty="0" smtClean="0"/>
+              <a:t>Create Texture from file</a:t>
+            </a:r>
+            <a:endParaRPr lang="en-US" sz="2800" b="1" i="1" dirty="0" smtClean="0"/>
+          </a:p>
+          <a:p>
+            <a:r>
+              <a:rPr lang="en-US" sz="2800" dirty="0" smtClean="0"/>
+              <a:t>texture.setFilter(TextureFilter.</a:t>
+            </a:r>
+            <a:r>
+              <a:rPr lang="en-US" sz="2800" i="1" dirty="0" smtClean="0"/>
+              <a:t>Linear, TextureFilter.Linear</a:t>
+            </a:r>
+            <a:r>
+              <a:rPr lang="en-US" sz="2800" i="1" dirty="0" smtClean="0"/>
+              <a:t>);</a:t>
+            </a:r>
+          </a:p>
+          <a:p>
+            <a:pPr>
+              <a:buNone/>
+            </a:pPr>
+            <a:r>
+              <a:rPr lang="en-US" sz="2800" i="1" dirty="0" smtClean="0"/>
+              <a:t>Set filter</a:t>
+            </a:r>
+            <a:endParaRPr lang="en-US" sz="2800" dirty="0"/>
+          </a:p>
+        </p:txBody>
+      </p:sp>
+    </p:spTree>
+  </p:cSld>
+  <p:clrMapOvr>
+    <a:masterClrMapping/>
+  </p:clrMapOvr>
+</p:sld>
+</file>
+
+<file path=ppt/slides/slide24.xml><?xml version="1.0" encoding="utf-8"?>
+<p:sld xmlns:a="http://schemas.openxmlformats.org/drawingml/2006/main" xmlns:r="http://schemas.openxmlformats.org/officeDocument/2006/relationships" xmlns:p="http://schemas.openxmlformats.org/presentationml/2006/main">
+  <p:cSld>
+    <p:spTree>
+      <p:nvGrpSpPr>
+        <p:cNvPr id="1" name=""/>
+        <p:cNvGrpSpPr/>
+        <p:nvPr/>
+      </p:nvGrpSpPr>
+      <p:grpSpPr>
+        <a:xfrm>
+          <a:off x="0" y="0"/>
+          <a:ext cx="0" cy="0"/>
+          <a:chOff x="0" y="0"/>
+          <a:chExt cx="0" cy="0"/>
+        </a:xfrm>
+      </p:grpSpPr>
+      <p:sp>
+        <p:nvSpPr>
+          <p:cNvPr id="2" name="Title 1"/>
+          <p:cNvSpPr>
+            <a:spLocks noGrp="1"/>
+          </p:cNvSpPr>
+          <p:nvPr>
+            <p:ph type="title"/>
+          </p:nvPr>
+        </p:nvSpPr>
+        <p:spPr/>
+        <p:txBody>
+          <a:bodyPr/>
+          <a:lstStyle/>
+          <a:p>
+            <a:r>
+              <a:rPr lang="en-US" dirty="0" smtClean="0"/>
+              <a:t>Texture</a:t>
+            </a:r>
+            <a:endParaRPr lang="en-US" dirty="0"/>
+          </a:p>
+        </p:txBody>
+      </p:sp>
+      <p:sp>
+        <p:nvSpPr>
+          <p:cNvPr id="3" name="Content Placeholder 2"/>
+          <p:cNvSpPr>
+            <a:spLocks noGrp="1"/>
+          </p:cNvSpPr>
+          <p:nvPr>
+            <p:ph idx="1"/>
+          </p:nvPr>
+        </p:nvSpPr>
+        <p:spPr/>
+        <p:txBody>
+          <a:bodyPr/>
+          <a:lstStyle/>
+          <a:p>
+            <a:r>
+              <a:rPr lang="en-US" dirty="0" smtClean="0"/>
+              <a:t>ecodes </a:t>
+            </a:r>
+            <a:r>
+              <a:rPr lang="en-US" dirty="0" smtClean="0"/>
+              <a:t>an image file and loads it into GPU memory. </a:t>
+            </a:r>
+          </a:p>
+          <a:p>
+            <a:r>
+              <a:rPr lang="en-US" dirty="0" smtClean="0"/>
+              <a:t>image </a:t>
+            </a:r>
+            <a:r>
+              <a:rPr lang="en-US" dirty="0" smtClean="0"/>
+              <a:t>file should be placed in the "assets" </a:t>
+            </a:r>
+            <a:r>
+              <a:rPr lang="en-US" dirty="0" smtClean="0"/>
+              <a:t>folder</a:t>
+            </a:r>
+          </a:p>
+          <a:p>
+            <a:r>
+              <a:rPr lang="en-US" dirty="0" smtClean="0"/>
+              <a:t>The </a:t>
+            </a:r>
+            <a:r>
+              <a:rPr lang="en-US" dirty="0" smtClean="0"/>
+              <a:t>image's dimensions must be a power of two (16x16, 64x256, etc</a:t>
+            </a:r>
+            <a:r>
+              <a:rPr lang="en-US" dirty="0" smtClean="0"/>
+              <a:t>).</a:t>
+            </a:r>
+          </a:p>
+          <a:p>
+            <a:endParaRPr lang="en-US" dirty="0" smtClean="0"/>
+          </a:p>
+          <a:p>
+            <a:endParaRPr lang="en-US" dirty="0"/>
+          </a:p>
+        </p:txBody>
+      </p:sp>
+      <p:pic>
+        <p:nvPicPr>
+          <p:cNvPr id="3077" name="Picture 5"/>
+          <p:cNvPicPr>
+            <a:picLocks noChangeAspect="1" noChangeArrowheads="1"/>
+          </p:cNvPicPr>
+          <p:nvPr/>
+        </p:nvPicPr>
+        <p:blipFill>
+          <a:blip r:embed="rId2"/>
+          <a:srcRect/>
+          <a:stretch>
+            <a:fillRect/>
+          </a:stretch>
+        </p:blipFill>
+        <p:spPr bwMode="auto">
+          <a:xfrm>
+            <a:off x="710514" y="5105400"/>
+            <a:ext cx="8433486" cy="685800"/>
+          </a:xfrm>
+          <a:prstGeom prst="rect">
+            <a:avLst/>
+          </a:prstGeom>
+          <a:noFill/>
+          <a:ln w="9525">
+            <a:noFill/>
+            <a:miter lim="800000"/>
+            <a:headEnd/>
+            <a:tailEnd/>
+          </a:ln>
+          <a:effectLst/>
+        </p:spPr>
+      </p:pic>
+    </p:spTree>
+  </p:cSld>
+  <p:clrMapOvr>
+    <a:masterClrMapping/>
+  </p:clrMapOvr>
+</p:sld>
+</file>
+
+<file path=ppt/slides/slide25.xml><?xml version="1.0" encoding="utf-8"?>
+<p:sld xmlns:a="http://schemas.openxmlformats.org/drawingml/2006/main" xmlns:r="http://schemas.openxmlformats.org/officeDocument/2006/relationships" xmlns:p="http://schemas.openxmlformats.org/presentationml/2006/main">
+  <p:cSld>
+    <p:spTree>
+      <p:nvGrpSpPr>
+        <p:cNvPr id="1" name=""/>
+        <p:cNvGrpSpPr/>
+        <p:nvPr/>
+      </p:nvGrpSpPr>
+      <p:grpSpPr>
+        <a:xfrm>
+          <a:off x="0" y="0"/>
+          <a:ext cx="0" cy="0"/>
+          <a:chOff x="0" y="0"/>
+          <a:chExt cx="0" cy="0"/>
+        </a:xfrm>
+      </p:grpSpPr>
+      <p:sp>
+        <p:nvSpPr>
+          <p:cNvPr id="2" name="Title 1"/>
+          <p:cNvSpPr>
+            <a:spLocks noGrp="1"/>
+          </p:cNvSpPr>
+          <p:nvPr>
+            <p:ph type="title"/>
+          </p:nvPr>
+        </p:nvSpPr>
+        <p:spPr/>
+        <p:txBody>
+          <a:bodyPr/>
+          <a:lstStyle/>
+          <a:p>
+            <a:r>
+              <a:rPr lang="en-US" dirty="0" smtClean="0"/>
+              <a:t>Texture Region</a:t>
+            </a:r>
+            <a:endParaRPr lang="en-US" dirty="0"/>
+          </a:p>
+        </p:txBody>
+      </p:sp>
+      <p:sp>
+        <p:nvSpPr>
+          <p:cNvPr id="3" name="Content Placeholder 2"/>
+          <p:cNvSpPr>
+            <a:spLocks noGrp="1"/>
+          </p:cNvSpPr>
+          <p:nvPr>
+            <p:ph idx="1"/>
+          </p:nvPr>
+        </p:nvSpPr>
+        <p:spPr/>
+        <p:txBody>
+          <a:bodyPr/>
+          <a:lstStyle/>
+          <a:p>
+            <a:r>
+              <a:rPr lang="en-US" dirty="0" smtClean="0"/>
+              <a:t>describes </a:t>
+            </a:r>
+            <a:r>
+              <a:rPr lang="en-US" dirty="0" smtClean="0"/>
+              <a:t>a rectangle inside a </a:t>
+            </a:r>
+            <a:r>
+              <a:rPr lang="en-US" dirty="0" smtClean="0"/>
+              <a:t>texture</a:t>
+            </a:r>
+          </a:p>
+          <a:p>
+            <a:r>
+              <a:rPr lang="en-US" dirty="0" smtClean="0"/>
+              <a:t> </a:t>
+            </a:r>
+            <a:r>
+              <a:rPr lang="en-US" dirty="0" smtClean="0"/>
+              <a:t>useful for drawing only a portion of the texture</a:t>
+            </a:r>
+            <a:r>
+              <a:rPr lang="en-US" dirty="0" smtClean="0"/>
+              <a:t>.</a:t>
+            </a:r>
+          </a:p>
+          <a:p>
+            <a:r>
+              <a:rPr lang="en-US" dirty="0" smtClean="0"/>
+              <a:t>Ex : </a:t>
+            </a:r>
+          </a:p>
+          <a:p>
+            <a:pPr>
+              <a:buNone/>
+            </a:pPr>
+            <a:r>
+              <a:rPr lang="en-US" dirty="0" smtClean="0"/>
+              <a:t>	</a:t>
+            </a:r>
+            <a:r>
+              <a:rPr lang="en-US" dirty="0" smtClean="0"/>
+              <a:t>TextureRegion </a:t>
+            </a:r>
+            <a:r>
+              <a:rPr lang="en-US" dirty="0" smtClean="0"/>
+              <a:t>region = </a:t>
+            </a:r>
+            <a:r>
+              <a:rPr lang="en-US" b="1" dirty="0" smtClean="0"/>
+              <a:t>new TextureRegion(texture, 0, 0, 512, 275);</a:t>
+            </a:r>
+            <a:endParaRPr lang="en-US" dirty="0"/>
+          </a:p>
+        </p:txBody>
+      </p:sp>
+    </p:spTree>
+  </p:cSld>
+  <p:clrMapOvr>
+    <a:masterClrMapping/>
+  </p:clrMapOvr>
+</p:sld>
+</file>
+
+<file path=ppt/slides/slide26.xml><?xml version="1.0" encoding="utf-8"?>
+<p:sld xmlns:a="http://schemas.openxmlformats.org/drawingml/2006/main" xmlns:r="http://schemas.openxmlformats.org/officeDocument/2006/relationships" xmlns:p="http://schemas.openxmlformats.org/presentationml/2006/main">
+  <p:cSld>
+    <p:spTree>
+      <p:nvGrpSpPr>
+        <p:cNvPr id="1" name=""/>
+        <p:cNvGrpSpPr/>
+        <p:nvPr/>
+      </p:nvGrpSpPr>
+      <p:grpSpPr>
+        <a:xfrm>
+          <a:off x="0" y="0"/>
+          <a:ext cx="0" cy="0"/>
+          <a:chOff x="0" y="0"/>
+          <a:chExt cx="0" cy="0"/>
+        </a:xfrm>
+      </p:grpSpPr>
+      <p:sp>
+        <p:nvSpPr>
+          <p:cNvPr id="2" name="Title 1"/>
+          <p:cNvSpPr>
+            <a:spLocks noGrp="1"/>
+          </p:cNvSpPr>
+          <p:nvPr>
+            <p:ph type="title"/>
+          </p:nvPr>
+        </p:nvSpPr>
+        <p:spPr/>
+        <p:txBody>
+          <a:bodyPr/>
+          <a:lstStyle/>
+          <a:p>
+            <a:r>
+              <a:rPr lang="en-US" dirty="0" smtClean="0"/>
+              <a:t>Spirte</a:t>
+            </a:r>
+            <a:endParaRPr lang="en-US" dirty="0"/>
+          </a:p>
+        </p:txBody>
+      </p:sp>
+      <p:sp>
+        <p:nvSpPr>
+          <p:cNvPr id="3" name="Content Placeholder 2"/>
+          <p:cNvSpPr>
+            <a:spLocks noGrp="1"/>
+          </p:cNvSpPr>
+          <p:nvPr>
+            <p:ph idx="1"/>
+          </p:nvPr>
+        </p:nvSpPr>
+        <p:spPr/>
+        <p:txBody>
+          <a:bodyPr/>
+          <a:lstStyle/>
+          <a:p>
+            <a:r>
+              <a:rPr lang="en-US" dirty="0" smtClean="0"/>
+              <a:t>describes </a:t>
+            </a:r>
+            <a:r>
+              <a:rPr lang="en-US" dirty="0" smtClean="0"/>
+              <a:t>both a texture region, the geometry where it will be drawn, and the color it will be drawn</a:t>
+            </a:r>
+            <a:r>
+              <a:rPr lang="en-US" dirty="0" smtClean="0"/>
+              <a:t>.</a:t>
+            </a:r>
+          </a:p>
+          <a:p>
+            <a:r>
+              <a:rPr lang="en-US" dirty="0" smtClean="0"/>
+              <a:t>Ex:</a:t>
+            </a:r>
+          </a:p>
+          <a:p>
+            <a:pPr lvl="1">
+              <a:buNone/>
+            </a:pPr>
+            <a:r>
+              <a:rPr lang="en-US" dirty="0" smtClean="0"/>
+              <a:t>	sprite </a:t>
+            </a:r>
+            <a:r>
+              <a:rPr lang="en-US" dirty="0" smtClean="0"/>
+              <a:t>= </a:t>
+            </a:r>
+            <a:r>
+              <a:rPr lang="en-US" b="1" dirty="0" smtClean="0"/>
+              <a:t>new Sprite(region);</a:t>
+            </a:r>
+          </a:p>
+          <a:p>
+            <a:pPr lvl="1">
+              <a:buNone/>
+            </a:pPr>
+            <a:r>
+              <a:rPr lang="en-US" dirty="0" smtClean="0"/>
+              <a:t>	sprite.setSize(0.9f </a:t>
+            </a:r>
+            <a:r>
+              <a:rPr lang="en-US" dirty="0" smtClean="0"/>
+              <a:t>* w, 0.9f * h);</a:t>
+            </a:r>
+          </a:p>
+          <a:p>
+            <a:pPr lvl="1">
+              <a:buNone/>
+            </a:pPr>
+            <a:r>
+              <a:rPr lang="en-US" dirty="0" smtClean="0"/>
+              <a:t>	sprite.setPosition</a:t>
+            </a:r>
+            <a:r>
+              <a:rPr lang="en-US" dirty="0" smtClean="0"/>
+              <a:t>(-sprite.getWidth()/2 , -sprite.getHeight()/2 );</a:t>
+            </a:r>
+            <a:endParaRPr lang="en-US" dirty="0" smtClean="0"/>
+          </a:p>
+        </p:txBody>
+      </p:sp>
+    </p:spTree>
+  </p:cSld>
+  <p:clrMapOvr>
+    <a:masterClrMapping/>
+  </p:clrMapOvr>
+</p:sld>
+</file>
+
+<file path=ppt/slides/slide27.xml><?xml version="1.0" encoding="utf-8"?>
+<p:sld xmlns:a="http://schemas.openxmlformats.org/drawingml/2006/main" xmlns:r="http://schemas.openxmlformats.org/officeDocument/2006/relationships" xmlns:p="http://schemas.openxmlformats.org/presentationml/2006/main">
+  <p:cSld>
+    <p:spTree>
+      <p:nvGrpSpPr>
+        <p:cNvPr id="1" name=""/>
+        <p:cNvGrpSpPr/>
+        <p:nvPr/>
+      </p:nvGrpSpPr>
+      <p:grpSpPr>
+        <a:xfrm>
+          <a:off x="0" y="0"/>
+          <a:ext cx="0" cy="0"/>
+          <a:chOff x="0" y="0"/>
+          <a:chExt cx="0" cy="0"/>
+        </a:xfrm>
+      </p:grpSpPr>
+      <p:sp>
+        <p:nvSpPr>
+          <p:cNvPr id="2" name="Title 1"/>
+          <p:cNvSpPr>
+            <a:spLocks noGrp="1"/>
+          </p:cNvSpPr>
+          <p:nvPr>
+            <p:ph type="title"/>
+          </p:nvPr>
+        </p:nvSpPr>
+        <p:spPr/>
+        <p:txBody>
+          <a:bodyPr/>
+          <a:lstStyle/>
+          <a:p>
+            <a:r>
+              <a:rPr lang="en-US" dirty="0" smtClean="0"/>
+              <a:t>render()</a:t>
+            </a:r>
+            <a:endParaRPr lang="en-US" dirty="0"/>
+          </a:p>
+        </p:txBody>
+      </p:sp>
+      <p:pic>
+        <p:nvPicPr>
+          <p:cNvPr id="4098" name="Picture 2"/>
+          <p:cNvPicPr>
+            <a:picLocks noChangeAspect="1" noChangeArrowheads="1"/>
+          </p:cNvPicPr>
+          <p:nvPr/>
+        </p:nvPicPr>
+        <p:blipFill>
+          <a:blip r:embed="rId2"/>
+          <a:srcRect/>
+          <a:stretch>
+            <a:fillRect/>
+          </a:stretch>
+        </p:blipFill>
+        <p:spPr bwMode="auto">
+          <a:xfrm>
+            <a:off x="762000" y="1828800"/>
+            <a:ext cx="7770962" cy="3581400"/>
+          </a:xfrm>
+          <a:prstGeom prst="rect">
+            <a:avLst/>
+          </a:prstGeom>
+          <a:noFill/>
+          <a:ln w="9525">
+            <a:noFill/>
+            <a:miter lim="800000"/>
+            <a:headEnd/>
+            <a:tailEnd/>
+          </a:ln>
+          <a:effectLst/>
+        </p:spPr>
+      </p:pic>
+    </p:spTree>
+  </p:cSld>
+  <p:clrMapOvr>
+    <a:masterClrMapping/>
+  </p:clrMapOvr>
+</p:sld>
+</file>
+
+<file path=ppt/slides/slide28.xml><?xml version="1.0" encoding="utf-8"?>
+<p:sld xmlns:a="http://schemas.openxmlformats.org/drawingml/2006/main" xmlns:r="http://schemas.openxmlformats.org/officeDocument/2006/relationships" xmlns:p="http://schemas.openxmlformats.org/presentationml/2006/main">
+  <p:cSld>
+    <p:spTree>
+      <p:nvGrpSpPr>
+        <p:cNvPr id="1" name=""/>
+        <p:cNvGrpSpPr/>
+        <p:nvPr/>
+      </p:nvGrpSpPr>
+      <p:grpSpPr>
+        <a:xfrm>
+          <a:off x="0" y="0"/>
+          <a:ext cx="0" cy="0"/>
+          <a:chOff x="0" y="0"/>
+          <a:chExt cx="0" cy="0"/>
+        </a:xfrm>
+      </p:grpSpPr>
+      <p:sp>
+        <p:nvSpPr>
+          <p:cNvPr id="2" name="Title 1"/>
+          <p:cNvSpPr>
+            <a:spLocks noGrp="1"/>
+          </p:cNvSpPr>
+          <p:nvPr>
+            <p:ph type="title"/>
+          </p:nvPr>
+        </p:nvSpPr>
+        <p:spPr/>
+        <p:txBody>
+          <a:bodyPr>
+            <a:normAutofit/>
+          </a:bodyPr>
+          <a:lstStyle/>
+          <a:p>
+            <a:r>
+              <a:rPr lang="en-US" b="1" dirty="0" smtClean="0"/>
+              <a:t>Clearing The </a:t>
+            </a:r>
+            <a:r>
+              <a:rPr lang="en-US" b="1" dirty="0" smtClean="0"/>
+              <a:t>Screen</a:t>
+            </a:r>
+            <a:endParaRPr lang="en-US" dirty="0"/>
+          </a:p>
+        </p:txBody>
+      </p:sp>
+      <p:sp>
+        <p:nvSpPr>
+          <p:cNvPr id="3" name="Content Placeholder 2"/>
+          <p:cNvSpPr>
+            <a:spLocks noGrp="1"/>
+          </p:cNvSpPr>
+          <p:nvPr>
+            <p:ph idx="1"/>
+          </p:nvPr>
+        </p:nvSpPr>
+        <p:spPr/>
+        <p:txBody>
+          <a:bodyPr/>
+          <a:lstStyle/>
+          <a:p>
+            <a:r>
+              <a:rPr lang="en-US" dirty="0" smtClean="0"/>
+              <a:t>Gdx.</a:t>
+            </a:r>
+            <a:r>
+              <a:rPr lang="en-US" i="1" dirty="0" smtClean="0"/>
+              <a:t>gl.glClearColor(1</a:t>
+            </a:r>
+            <a:r>
+              <a:rPr lang="en-US" i="1" dirty="0" smtClean="0"/>
+              <a:t>, 1, 1, 1</a:t>
+            </a:r>
+            <a:r>
+              <a:rPr lang="en-US" i="1" dirty="0" smtClean="0"/>
+              <a:t>);  </a:t>
+            </a:r>
+          </a:p>
+          <a:p>
+            <a:pPr>
+              <a:buNone/>
+            </a:pPr>
+            <a:r>
+              <a:rPr lang="en-US" dirty="0" smtClean="0"/>
+              <a:t> </a:t>
+            </a:r>
+            <a:r>
+              <a:rPr lang="en-US" dirty="0" smtClean="0"/>
+              <a:t>set color </a:t>
+            </a:r>
+            <a:r>
+              <a:rPr lang="en-US" dirty="0" smtClean="0"/>
+              <a:t>buffer to a solid </a:t>
+            </a:r>
+            <a:r>
+              <a:rPr lang="en-US" dirty="0" smtClean="0"/>
+              <a:t>white color</a:t>
+            </a:r>
+            <a:r>
+              <a:rPr lang="en-US" dirty="0" smtClean="0"/>
+              <a:t>:</a:t>
+            </a:r>
+            <a:endParaRPr lang="en-US" i="1" dirty="0" smtClean="0"/>
+          </a:p>
+          <a:p>
+            <a:r>
+              <a:rPr lang="en-US" dirty="0" smtClean="0"/>
+              <a:t>Gdx.</a:t>
+            </a:r>
+            <a:r>
+              <a:rPr lang="en-US" i="1" dirty="0" smtClean="0"/>
+              <a:t>gl.glClear(GL10.GL_COLOR_BUFFER_BIT);</a:t>
+            </a:r>
+          </a:p>
+          <a:p>
+            <a:pPr>
+              <a:buNone/>
+            </a:pPr>
+            <a:r>
+              <a:rPr lang="en-US" i="1" dirty="0" smtClean="0"/>
+              <a:t>Clear buffer bit</a:t>
+            </a:r>
+          </a:p>
+          <a:p>
+            <a:pPr>
+              <a:buNone/>
+            </a:pPr>
+            <a:endParaRPr lang="en-US" i="1" dirty="0" smtClean="0"/>
+          </a:p>
+          <a:p>
+            <a:pPr>
+              <a:buNone/>
+            </a:pPr>
+            <a:r>
+              <a:rPr lang="en-US" dirty="0" smtClean="0"/>
+              <a:t>	</a:t>
+            </a:r>
+            <a:endParaRPr lang="en-US" dirty="0"/>
+          </a:p>
+        </p:txBody>
+      </p:sp>
+    </p:spTree>
+  </p:cSld>
+  <p:clrMapOvr>
+    <a:masterClrMapping/>
+  </p:clrMapOvr>
+</p:sld>
+</file>
+
+<file path=ppt/slides/slide29.xml><?xml version="1.0" encoding="utf-8"?>
+<p:sld xmlns:a="http://schemas.openxmlformats.org/drawingml/2006/main" xmlns:r="http://schemas.openxmlformats.org/officeDocument/2006/relationships" xmlns:p="http://schemas.openxmlformats.org/presentationml/2006/main">
+  <p:cSld>
+    <p:spTree>
+      <p:nvGrpSpPr>
+        <p:cNvPr id="1" name=""/>
+        <p:cNvGrpSpPr/>
+        <p:nvPr/>
+      </p:nvGrpSpPr>
+      <p:grpSpPr>
+        <a:xfrm>
+          <a:off x="0" y="0"/>
+          <a:ext cx="0" cy="0"/>
+          <a:chOff x="0" y="0"/>
+          <a:chExt cx="0" cy="0"/>
+        </a:xfrm>
+      </p:grpSpPr>
+      <p:sp>
+        <p:nvSpPr>
+          <p:cNvPr id="2" name="Title 1"/>
+          <p:cNvSpPr>
+            <a:spLocks noGrp="1"/>
+          </p:cNvSpPr>
+          <p:nvPr>
+            <p:ph type="title"/>
+          </p:nvPr>
+        </p:nvSpPr>
+        <p:spPr/>
+        <p:txBody>
+          <a:bodyPr/>
+          <a:lstStyle/>
+          <a:p>
+            <a:r>
+              <a:rPr lang="en-US" dirty="0" smtClean="0"/>
+              <a:t>SpriteBatch</a:t>
+            </a:r>
+            <a:endParaRPr lang="en-US" dirty="0"/>
+          </a:p>
+        </p:txBody>
+      </p:sp>
+      <p:sp>
+        <p:nvSpPr>
+          <p:cNvPr id="3" name="Content Placeholder 2"/>
+          <p:cNvSpPr>
+            <a:spLocks noGrp="1"/>
+          </p:cNvSpPr>
+          <p:nvPr>
+            <p:ph idx="1"/>
+          </p:nvPr>
+        </p:nvSpPr>
+        <p:spPr/>
+        <p:txBody>
+          <a:bodyPr>
+            <a:normAutofit fontScale="85000" lnSpcReduction="20000"/>
+          </a:bodyPr>
+          <a:lstStyle/>
+          <a:p>
+            <a:r>
+              <a:rPr lang="en-US" dirty="0" smtClean="0"/>
+              <a:t> </a:t>
+            </a:r>
+            <a:r>
+              <a:rPr lang="en-US" dirty="0" smtClean="0"/>
+              <a:t>takes </a:t>
+            </a:r>
+            <a:r>
+              <a:rPr lang="en-US" dirty="0" smtClean="0"/>
+              <a:t>care of all the steps needed to achieve texture mapping and displaying texture mapped rectangles on the screen</a:t>
+            </a:r>
+            <a:r>
+              <a:rPr lang="en-US" dirty="0" smtClean="0"/>
+              <a:t>.</a:t>
+            </a:r>
+          </a:p>
+          <a:p>
+            <a:r>
+              <a:rPr lang="en-US" dirty="0" smtClean="0"/>
+              <a:t>Ex:</a:t>
+            </a:r>
+          </a:p>
+          <a:p>
+            <a:pPr>
+              <a:buNone/>
+            </a:pPr>
+            <a:r>
+              <a:rPr lang="en-US" dirty="0" smtClean="0"/>
+              <a:t>	</a:t>
+            </a:r>
+            <a:r>
+              <a:rPr lang="en-US" dirty="0" smtClean="0"/>
+              <a:t>	</a:t>
+            </a:r>
+            <a:r>
+              <a:rPr lang="en-US" dirty="0" smtClean="0"/>
+              <a:t>batch = </a:t>
+            </a:r>
+            <a:r>
+              <a:rPr lang="en-US" b="1" dirty="0" smtClean="0"/>
+              <a:t>new SpriteBatch</a:t>
+            </a:r>
+            <a:r>
+              <a:rPr lang="en-US" b="1" dirty="0" smtClean="0"/>
+              <a:t>();// create</a:t>
+            </a:r>
+          </a:p>
+          <a:p>
+            <a:pPr>
+              <a:buNone/>
+            </a:pPr>
+            <a:r>
+              <a:rPr lang="en-US" b="1" dirty="0" smtClean="0"/>
+              <a:t>		</a:t>
+            </a:r>
+            <a:r>
+              <a:rPr lang="en-US" dirty="0" smtClean="0"/>
+              <a:t>batch.begin</a:t>
+            </a:r>
+            <a:r>
+              <a:rPr lang="en-US" dirty="0" smtClean="0"/>
+              <a:t>();</a:t>
+            </a:r>
+          </a:p>
+          <a:p>
+            <a:pPr>
+              <a:buNone/>
+            </a:pPr>
+            <a:r>
+              <a:rPr lang="en-US" dirty="0" smtClean="0"/>
+              <a:t>		sprite.draw(batch);</a:t>
+            </a:r>
+          </a:p>
+          <a:p>
+            <a:pPr>
+              <a:buNone/>
+            </a:pPr>
+            <a:r>
+              <a:rPr lang="en-US" dirty="0" smtClean="0"/>
+              <a:t>	</a:t>
+            </a:r>
+            <a:r>
+              <a:rPr lang="en-US" dirty="0" smtClean="0"/>
+              <a:t>	....</a:t>
+            </a:r>
+          </a:p>
+          <a:p>
+            <a:pPr>
+              <a:buNone/>
+            </a:pPr>
+            <a:r>
+              <a:rPr lang="en-US" dirty="0" smtClean="0"/>
+              <a:t>	</a:t>
+            </a:r>
+            <a:r>
+              <a:rPr lang="en-US" dirty="0" smtClean="0"/>
+              <a:t>	batch.end(); </a:t>
+            </a:r>
+          </a:p>
+          <a:p>
+            <a:r>
+              <a:rPr lang="en-US" b="1" dirty="0" smtClean="0"/>
+              <a:t>Source bai 1.7z</a:t>
+            </a:r>
+          </a:p>
+          <a:p>
+            <a:pPr>
+              <a:buNone/>
+            </a:pPr>
+            <a:r>
+              <a:rPr lang="en-US" b="1" dirty="0" smtClean="0"/>
+              <a:t>	</a:t>
+            </a:r>
+            <a:r>
+              <a:rPr lang="en-US" b="1" dirty="0" smtClean="0"/>
+              <a:t>	</a:t>
+            </a:r>
+            <a:endParaRPr lang="en-US" dirty="0"/>
           </a:p>
         </p:txBody>
       </p:sp>
@@ -4523,11 +5696,7 @@
           <a:p>
             <a:r>
               <a:rPr lang="en-US" dirty="0" smtClean="0"/>
-              <a:t>Introduce </a:t>
-            </a:r>
-            <a:r>
-              <a:rPr lang="en-US" dirty="0" smtClean="0"/>
-              <a:t>libGDX</a:t>
+              <a:t>Introduce libGDX</a:t>
             </a:r>
             <a:endParaRPr lang="en-US" dirty="0"/>
           </a:p>
@@ -4587,6 +5756,1267 @@
       </p:par>
     </p:tnLst>
   </p:timing>
+</p:sld>
+</file>
+
+<file path=ppt/slides/slide30.xml><?xml version="1.0" encoding="utf-8"?>
+<p:sld xmlns:a="http://schemas.openxmlformats.org/drawingml/2006/main" xmlns:r="http://schemas.openxmlformats.org/officeDocument/2006/relationships" xmlns:p="http://schemas.openxmlformats.org/presentationml/2006/main">
+  <p:cSld>
+    <p:spTree>
+      <p:nvGrpSpPr>
+        <p:cNvPr id="1" name=""/>
+        <p:cNvGrpSpPr/>
+        <p:nvPr/>
+      </p:nvGrpSpPr>
+      <p:grpSpPr>
+        <a:xfrm>
+          <a:off x="0" y="0"/>
+          <a:ext cx="0" cy="0"/>
+          <a:chOff x="0" y="0"/>
+          <a:chExt cx="0" cy="0"/>
+        </a:xfrm>
+      </p:grpSpPr>
+      <p:sp>
+        <p:nvSpPr>
+          <p:cNvPr id="2" name="Title 1"/>
+          <p:cNvSpPr>
+            <a:spLocks noGrp="1"/>
+          </p:cNvSpPr>
+          <p:nvPr>
+            <p:ph type="title"/>
+          </p:nvPr>
+        </p:nvSpPr>
+        <p:spPr/>
+        <p:txBody>
+          <a:bodyPr>
+            <a:normAutofit/>
+          </a:bodyPr>
+          <a:lstStyle/>
+          <a:p>
+            <a:r>
+              <a:rPr lang="en-US" dirty="0" smtClean="0"/>
+              <a:t>Lesson 2: Fundamental</a:t>
+            </a:r>
+            <a:endParaRPr lang="en-US" dirty="0"/>
+          </a:p>
+        </p:txBody>
+      </p:sp>
+      <p:sp>
+        <p:nvSpPr>
+          <p:cNvPr id="3" name="Content Placeholder 2"/>
+          <p:cNvSpPr>
+            <a:spLocks noGrp="1"/>
+          </p:cNvSpPr>
+          <p:nvPr>
+            <p:ph idx="1"/>
+          </p:nvPr>
+        </p:nvSpPr>
+        <p:spPr/>
+        <p:txBody>
+          <a:bodyPr/>
+          <a:lstStyle/>
+          <a:p>
+            <a:r>
+              <a:rPr lang="en-US" dirty="0" smtClean="0"/>
+              <a:t>SpriteBatch, TextureRegions, Sprite</a:t>
+            </a:r>
+          </a:p>
+          <a:p>
+            <a:r>
+              <a:rPr lang="en-US" dirty="0" smtClean="0"/>
+              <a:t>NinePathes</a:t>
+            </a:r>
+          </a:p>
+          <a:p>
+            <a:r>
+              <a:rPr lang="en-US" dirty="0" smtClean="0"/>
+              <a:t>Bitmap Font</a:t>
+            </a:r>
+          </a:p>
+          <a:p>
+            <a:r>
+              <a:rPr lang="en-US" dirty="0" smtClean="0"/>
+              <a:t>Texture Atlases</a:t>
+            </a:r>
+          </a:p>
+          <a:p>
+            <a:r>
+              <a:rPr lang="en-US" dirty="0" smtClean="0"/>
+              <a:t>Packing Atlases</a:t>
+            </a:r>
+            <a:endParaRPr lang="en-US" dirty="0"/>
+          </a:p>
+        </p:txBody>
+      </p:sp>
+    </p:spTree>
+  </p:cSld>
+  <p:clrMapOvr>
+    <a:masterClrMapping/>
+  </p:clrMapOvr>
+</p:sld>
+</file>
+
+<file path=ppt/slides/slide31.xml><?xml version="1.0" encoding="utf-8"?>
+<p:sld xmlns:a="http://schemas.openxmlformats.org/drawingml/2006/main" xmlns:r="http://schemas.openxmlformats.org/officeDocument/2006/relationships" xmlns:p="http://schemas.openxmlformats.org/presentationml/2006/main">
+  <p:cSld>
+    <p:spTree>
+      <p:nvGrpSpPr>
+        <p:cNvPr id="1" name=""/>
+        <p:cNvGrpSpPr/>
+        <p:nvPr/>
+      </p:nvGrpSpPr>
+      <p:grpSpPr>
+        <a:xfrm>
+          <a:off x="0" y="0"/>
+          <a:ext cx="0" cy="0"/>
+          <a:chOff x="0" y="0"/>
+          <a:chExt cx="0" cy="0"/>
+        </a:xfrm>
+      </p:grpSpPr>
+      <p:sp>
+        <p:nvSpPr>
+          <p:cNvPr id="2" name="Title 1"/>
+          <p:cNvSpPr>
+            <a:spLocks noGrp="1"/>
+          </p:cNvSpPr>
+          <p:nvPr>
+            <p:ph type="title"/>
+          </p:nvPr>
+        </p:nvSpPr>
+        <p:spPr/>
+        <p:txBody>
+          <a:bodyPr/>
+          <a:lstStyle/>
+          <a:p>
+            <a:r>
+              <a:rPr lang="en-US" dirty="0" smtClean="0"/>
+              <a:t>SpriteBatch</a:t>
+            </a:r>
+            <a:endParaRPr lang="en-US" dirty="0"/>
+          </a:p>
+        </p:txBody>
+      </p:sp>
+      <p:sp>
+        <p:nvSpPr>
+          <p:cNvPr id="3" name="Content Placeholder 2"/>
+          <p:cNvSpPr>
+            <a:spLocks noGrp="1"/>
+          </p:cNvSpPr>
+          <p:nvPr>
+            <p:ph idx="1"/>
+          </p:nvPr>
+        </p:nvSpPr>
+        <p:spPr/>
+        <p:txBody>
+          <a:bodyPr>
+            <a:normAutofit fontScale="77500" lnSpcReduction="20000"/>
+          </a:bodyPr>
+          <a:lstStyle/>
+          <a:p>
+            <a:r>
+              <a:rPr lang="en-US" dirty="0" smtClean="0"/>
+              <a:t>Ex:</a:t>
+            </a:r>
+          </a:p>
+          <a:p>
+            <a:pPr>
+              <a:buNone/>
+            </a:pPr>
+            <a:r>
+              <a:rPr lang="en-US" dirty="0" smtClean="0"/>
+              <a:t>		public </a:t>
+            </a:r>
+            <a:r>
+              <a:rPr lang="en-US" dirty="0" smtClean="0"/>
+              <a:t>void create () {</a:t>
+            </a:r>
+            <a:br>
+              <a:rPr lang="en-US" dirty="0" smtClean="0"/>
+            </a:br>
+            <a:r>
+              <a:rPr lang="en-US" dirty="0" smtClean="0"/>
+              <a:t>                batch = new SpriteBatch();</a:t>
+            </a:r>
+            <a:br>
+              <a:rPr lang="en-US" dirty="0" smtClean="0"/>
+            </a:br>
+            <a:r>
+              <a:rPr lang="en-US" dirty="0" smtClean="0"/>
+              <a:t>        }</a:t>
+            </a:r>
+            <a:br>
+              <a:rPr lang="en-US" dirty="0" smtClean="0"/>
+            </a:br>
+            <a:r>
+              <a:rPr lang="en-US" dirty="0" smtClean="0"/>
+              <a:t/>
+            </a:r>
+            <a:br>
+              <a:rPr lang="en-US" dirty="0" smtClean="0"/>
+            </a:br>
+            <a:r>
+              <a:rPr lang="en-US" dirty="0" smtClean="0"/>
+              <a:t>        public void render () {</a:t>
+            </a:r>
+            <a:br>
+              <a:rPr lang="en-US" dirty="0" smtClean="0"/>
+            </a:br>
+            <a:r>
+              <a:rPr lang="en-US" dirty="0" smtClean="0"/>
+              <a:t>                Gdx.gl.glClear(GL10.GL_COLOR_BUFFER_BIT); </a:t>
+            </a:r>
+            <a:br>
+              <a:rPr lang="en-US" dirty="0" smtClean="0"/>
+            </a:br>
+            <a:r>
+              <a:rPr lang="en-US" dirty="0" smtClean="0"/>
+              <a:t>                batch.begin();</a:t>
+            </a:r>
+            <a:br>
+              <a:rPr lang="en-US" dirty="0" smtClean="0"/>
+            </a:br>
+            <a:r>
+              <a:rPr lang="en-US" dirty="0" smtClean="0"/>
+              <a:t>                // Drawing goes here!</a:t>
+            </a:r>
+            <a:br>
+              <a:rPr lang="en-US" dirty="0" smtClean="0"/>
+            </a:br>
+            <a:r>
+              <a:rPr lang="en-US" dirty="0" smtClean="0"/>
+              <a:t>                batch.end();</a:t>
+            </a:r>
+            <a:br>
+              <a:rPr lang="en-US" dirty="0" smtClean="0"/>
+            </a:br>
+            <a:r>
+              <a:rPr lang="en-US" dirty="0" smtClean="0"/>
+              <a:t>        }</a:t>
+            </a:r>
+            <a:endParaRPr lang="en-US" dirty="0" smtClean="0"/>
+          </a:p>
+          <a:p>
+            <a:r>
+              <a:rPr lang="en-US" dirty="0" smtClean="0"/>
+              <a:t>All SpriteBatch drawing calls must be made between the begin and end methods</a:t>
+            </a:r>
+            <a:r>
+              <a:rPr lang="en-US" dirty="0" smtClean="0"/>
+              <a:t>.</a:t>
+            </a:r>
+            <a:endParaRPr lang="en-US" dirty="0"/>
+          </a:p>
+        </p:txBody>
+      </p:sp>
+    </p:spTree>
+  </p:cSld>
+  <p:clrMapOvr>
+    <a:masterClrMapping/>
+  </p:clrMapOvr>
+</p:sld>
+</file>
+
+<file path=ppt/slides/slide32.xml><?xml version="1.0" encoding="utf-8"?>
+<p:sld xmlns:a="http://schemas.openxmlformats.org/drawingml/2006/main" xmlns:r="http://schemas.openxmlformats.org/officeDocument/2006/relationships" xmlns:p="http://schemas.openxmlformats.org/presentationml/2006/main">
+  <p:cSld>
+    <p:spTree>
+      <p:nvGrpSpPr>
+        <p:cNvPr id="1" name=""/>
+        <p:cNvGrpSpPr/>
+        <p:nvPr/>
+      </p:nvGrpSpPr>
+      <p:grpSpPr>
+        <a:xfrm>
+          <a:off x="0" y="0"/>
+          <a:ext cx="0" cy="0"/>
+          <a:chOff x="0" y="0"/>
+          <a:chExt cx="0" cy="0"/>
+        </a:xfrm>
+      </p:grpSpPr>
+      <p:sp>
+        <p:nvSpPr>
+          <p:cNvPr id="2" name="Title 1"/>
+          <p:cNvSpPr>
+            <a:spLocks noGrp="1"/>
+          </p:cNvSpPr>
+          <p:nvPr>
+            <p:ph type="title"/>
+          </p:nvPr>
+        </p:nvSpPr>
+        <p:spPr/>
+        <p:txBody>
+          <a:bodyPr>
+            <a:normAutofit/>
+          </a:bodyPr>
+          <a:lstStyle/>
+          <a:p>
+            <a:r>
+              <a:rPr lang="en-US" b="1" dirty="0" smtClean="0"/>
+              <a:t>Texture</a:t>
+            </a:r>
+            <a:endParaRPr lang="en-US" dirty="0"/>
+          </a:p>
+        </p:txBody>
+      </p:sp>
+      <p:sp>
+        <p:nvSpPr>
+          <p:cNvPr id="3" name="Content Placeholder 2"/>
+          <p:cNvSpPr>
+            <a:spLocks noGrp="1"/>
+          </p:cNvSpPr>
+          <p:nvPr>
+            <p:ph idx="1"/>
+          </p:nvPr>
+        </p:nvSpPr>
+        <p:spPr/>
+        <p:txBody>
+          <a:bodyPr/>
+          <a:lstStyle/>
+          <a:p>
+            <a:r>
+              <a:rPr lang="en-US" dirty="0" smtClean="0"/>
+              <a:t>decodes </a:t>
+            </a:r>
+            <a:r>
+              <a:rPr lang="en-US" dirty="0" smtClean="0"/>
+              <a:t>an image file and loads it into GPU memory. </a:t>
+            </a:r>
+            <a:r>
+              <a:rPr lang="en-US" dirty="0" smtClean="0"/>
+              <a:t>T</a:t>
+            </a:r>
+          </a:p>
+          <a:p>
+            <a:r>
+              <a:rPr lang="en-US" dirty="0" smtClean="0"/>
+              <a:t>image </a:t>
+            </a:r>
+            <a:r>
+              <a:rPr lang="en-US" dirty="0" smtClean="0"/>
+              <a:t>file should be placed in the "assets" </a:t>
+            </a:r>
+            <a:r>
+              <a:rPr lang="en-US" dirty="0" smtClean="0"/>
+              <a:t>folder.</a:t>
+            </a:r>
+          </a:p>
+          <a:p>
+            <a:r>
+              <a:rPr lang="en-US" dirty="0" smtClean="0"/>
+              <a:t>The </a:t>
+            </a:r>
+            <a:r>
+              <a:rPr lang="en-US" dirty="0" smtClean="0"/>
+              <a:t>image's dimensions must be a power of two (16x16, 64x256, etc).</a:t>
+            </a:r>
+            <a:endParaRPr lang="en-US" dirty="0"/>
+          </a:p>
+        </p:txBody>
+      </p:sp>
+    </p:spTree>
+  </p:cSld>
+  <p:clrMapOvr>
+    <a:masterClrMapping/>
+  </p:clrMapOvr>
+</p:sld>
+</file>
+
+<file path=ppt/slides/slide33.xml><?xml version="1.0" encoding="utf-8"?>
+<p:sld xmlns:a="http://schemas.openxmlformats.org/drawingml/2006/main" xmlns:r="http://schemas.openxmlformats.org/officeDocument/2006/relationships" xmlns:p="http://schemas.openxmlformats.org/presentationml/2006/main">
+  <p:cSld>
+    <p:spTree>
+      <p:nvGrpSpPr>
+        <p:cNvPr id="1" name=""/>
+        <p:cNvGrpSpPr/>
+        <p:nvPr/>
+      </p:nvGrpSpPr>
+      <p:grpSpPr>
+        <a:xfrm>
+          <a:off x="0" y="0"/>
+          <a:ext cx="0" cy="0"/>
+          <a:chOff x="0" y="0"/>
+          <a:chExt cx="0" cy="0"/>
+        </a:xfrm>
+      </p:grpSpPr>
+      <p:sp>
+        <p:nvSpPr>
+          <p:cNvPr id="2" name="Title 1"/>
+          <p:cNvSpPr>
+            <a:spLocks noGrp="1"/>
+          </p:cNvSpPr>
+          <p:nvPr>
+            <p:ph type="title"/>
+          </p:nvPr>
+        </p:nvSpPr>
+        <p:spPr/>
+        <p:txBody>
+          <a:bodyPr/>
+          <a:lstStyle/>
+          <a:p>
+            <a:r>
+              <a:rPr lang="en-US" dirty="0" smtClean="0"/>
+              <a:t>Texture</a:t>
+            </a:r>
+            <a:endParaRPr lang="en-US" dirty="0"/>
+          </a:p>
+        </p:txBody>
+      </p:sp>
+      <p:sp>
+        <p:nvSpPr>
+          <p:cNvPr id="3" name="Content Placeholder 2"/>
+          <p:cNvSpPr>
+            <a:spLocks noGrp="1"/>
+          </p:cNvSpPr>
+          <p:nvPr>
+            <p:ph idx="1"/>
+          </p:nvPr>
+        </p:nvSpPr>
+        <p:spPr/>
+        <p:txBody>
+          <a:bodyPr>
+            <a:normAutofit fontScale="92500" lnSpcReduction="10000"/>
+          </a:bodyPr>
+          <a:lstStyle/>
+          <a:p>
+            <a:r>
+              <a:rPr lang="en-US" dirty="0" smtClean="0"/>
+              <a:t>Draw Texture:</a:t>
+            </a:r>
+          </a:p>
+          <a:p>
+            <a:pPr>
+              <a:buNone/>
+            </a:pPr>
+            <a:r>
+              <a:rPr lang="en-US" dirty="0" smtClean="0"/>
+              <a:t>	private Texture texture;</a:t>
+            </a:r>
+            <a:br>
+              <a:rPr lang="en-US" dirty="0" smtClean="0"/>
+            </a:br>
+            <a:r>
+              <a:rPr lang="en-US" dirty="0" smtClean="0"/>
+              <a:t>...</a:t>
+            </a:r>
+            <a:br>
+              <a:rPr lang="en-US" dirty="0" smtClean="0"/>
+            </a:br>
+            <a:r>
+              <a:rPr lang="en-US" dirty="0" smtClean="0"/>
+              <a:t>texture = new Texture(Gdx.files.internal("image.png"));</a:t>
+            </a:r>
+            <a:br>
+              <a:rPr lang="en-US" dirty="0" smtClean="0"/>
+            </a:br>
+            <a:r>
+              <a:rPr lang="en-US" dirty="0" smtClean="0"/>
+              <a:t>...</a:t>
+            </a:r>
+            <a:br>
+              <a:rPr lang="en-US" dirty="0" smtClean="0"/>
+            </a:br>
+            <a:r>
+              <a:rPr lang="en-US" dirty="0" smtClean="0"/>
+              <a:t>batch.begin();</a:t>
+            </a:r>
+            <a:br>
+              <a:rPr lang="en-US" dirty="0" smtClean="0"/>
+            </a:br>
+            <a:r>
+              <a:rPr lang="en-US" dirty="0" smtClean="0"/>
+              <a:t>batch.draw(texture, 10, 10);</a:t>
+            </a:r>
+            <a:br>
+              <a:rPr lang="en-US" dirty="0" smtClean="0"/>
+            </a:br>
+            <a:r>
+              <a:rPr lang="en-US" dirty="0" smtClean="0"/>
+              <a:t>batch.end();</a:t>
+            </a:r>
+          </a:p>
+          <a:p>
+            <a:r>
+              <a:rPr lang="en-US" dirty="0" smtClean="0"/>
+              <a:t>Should use draw texture by Sprite</a:t>
+            </a:r>
+            <a:endParaRPr lang="en-US" dirty="0"/>
+          </a:p>
+        </p:txBody>
+      </p:sp>
+    </p:spTree>
+  </p:cSld>
+  <p:clrMapOvr>
+    <a:masterClrMapping/>
+  </p:clrMapOvr>
+</p:sld>
+</file>
+
+<file path=ppt/slides/slide34.xml><?xml version="1.0" encoding="utf-8"?>
+<p:sld xmlns:a="http://schemas.openxmlformats.org/drawingml/2006/main" xmlns:r="http://schemas.openxmlformats.org/officeDocument/2006/relationships" xmlns:p="http://schemas.openxmlformats.org/presentationml/2006/main">
+  <p:cSld>
+    <p:spTree>
+      <p:nvGrpSpPr>
+        <p:cNvPr id="1" name=""/>
+        <p:cNvGrpSpPr/>
+        <p:nvPr/>
+      </p:nvGrpSpPr>
+      <p:grpSpPr>
+        <a:xfrm>
+          <a:off x="0" y="0"/>
+          <a:ext cx="0" cy="0"/>
+          <a:chOff x="0" y="0"/>
+          <a:chExt cx="0" cy="0"/>
+        </a:xfrm>
+      </p:grpSpPr>
+      <p:sp>
+        <p:nvSpPr>
+          <p:cNvPr id="2" name="Title 1"/>
+          <p:cNvSpPr>
+            <a:spLocks noGrp="1"/>
+          </p:cNvSpPr>
+          <p:nvPr>
+            <p:ph type="title"/>
+          </p:nvPr>
+        </p:nvSpPr>
+        <p:spPr/>
+        <p:txBody>
+          <a:bodyPr/>
+          <a:lstStyle/>
+          <a:p>
+            <a:r>
+              <a:rPr lang="en-US" dirty="0" smtClean="0"/>
+              <a:t>TextureRegion</a:t>
+            </a:r>
+            <a:endParaRPr lang="en-US" dirty="0"/>
+          </a:p>
+        </p:txBody>
+      </p:sp>
+      <p:sp>
+        <p:nvSpPr>
+          <p:cNvPr id="3" name="Content Placeholder 2"/>
+          <p:cNvSpPr>
+            <a:spLocks noGrp="1"/>
+          </p:cNvSpPr>
+          <p:nvPr>
+            <p:ph idx="1"/>
+          </p:nvPr>
+        </p:nvSpPr>
+        <p:spPr/>
+        <p:txBody>
+          <a:bodyPr>
+            <a:normAutofit fontScale="85000" lnSpcReduction="20000"/>
+          </a:bodyPr>
+          <a:lstStyle/>
+          <a:p>
+            <a:r>
+              <a:rPr lang="en-US" dirty="0" smtClean="0"/>
+              <a:t>describes a rectangle inside a texture and is useful for drawing only a portion of the </a:t>
+            </a:r>
+            <a:r>
+              <a:rPr lang="en-US" dirty="0" smtClean="0"/>
+              <a:t>texture</a:t>
+            </a:r>
+          </a:p>
+          <a:p>
+            <a:r>
+              <a:rPr lang="en-US" dirty="0" smtClean="0"/>
+              <a:t>Ex:</a:t>
+            </a:r>
+          </a:p>
+          <a:p>
+            <a:pPr>
+              <a:buNone/>
+            </a:pPr>
+            <a:r>
+              <a:rPr lang="en-US" dirty="0" smtClean="0"/>
+              <a:t>	private </a:t>
+            </a:r>
+            <a:r>
+              <a:rPr lang="en-US" dirty="0" smtClean="0"/>
+              <a:t>TextureRegion region;</a:t>
+            </a:r>
+            <a:br>
+              <a:rPr lang="en-US" dirty="0" smtClean="0"/>
+            </a:br>
+            <a:r>
+              <a:rPr lang="en-US" dirty="0" smtClean="0"/>
+              <a:t>...</a:t>
+            </a:r>
+            <a:br>
+              <a:rPr lang="en-US" dirty="0" smtClean="0"/>
+            </a:br>
+            <a:r>
+              <a:rPr lang="en-US" dirty="0" smtClean="0"/>
+              <a:t>texture = new Texture(Gdx.files.internal("image.png"));</a:t>
+            </a:r>
+            <a:br>
+              <a:rPr lang="en-US" dirty="0" smtClean="0"/>
+            </a:br>
+            <a:r>
+              <a:rPr lang="en-US" dirty="0" smtClean="0"/>
+              <a:t>region = new TextureRegion(texture, 20, 20, 50, 50);</a:t>
+            </a:r>
+            <a:br>
+              <a:rPr lang="en-US" dirty="0" smtClean="0"/>
+            </a:br>
+            <a:r>
+              <a:rPr lang="en-US" dirty="0" smtClean="0"/>
+              <a:t>...</a:t>
+            </a:r>
+            <a:br>
+              <a:rPr lang="en-US" dirty="0" smtClean="0"/>
+            </a:br>
+            <a:r>
+              <a:rPr lang="en-US" dirty="0" smtClean="0"/>
+              <a:t>batch.begin();</a:t>
+            </a:r>
+            <a:br>
+              <a:rPr lang="en-US" dirty="0" smtClean="0"/>
+            </a:br>
+            <a:r>
+              <a:rPr lang="en-US" dirty="0" smtClean="0"/>
+              <a:t>batch.draw(region, 10, 10);</a:t>
+            </a:r>
+            <a:br>
+              <a:rPr lang="en-US" dirty="0" smtClean="0"/>
+            </a:br>
+            <a:r>
+              <a:rPr lang="en-US" dirty="0" smtClean="0"/>
+              <a:t>batch.end();</a:t>
+            </a:r>
+            <a:endParaRPr lang="en-US" dirty="0" smtClean="0"/>
+          </a:p>
+          <a:p>
+            <a:r>
+              <a:rPr lang="en-US" dirty="0" smtClean="0"/>
+              <a:t>Should use Texture Atlas to create Texture Region</a:t>
+            </a:r>
+            <a:endParaRPr lang="en-US" dirty="0"/>
+          </a:p>
+        </p:txBody>
+      </p:sp>
+    </p:spTree>
+  </p:cSld>
+  <p:clrMapOvr>
+    <a:masterClrMapping/>
+  </p:clrMapOvr>
+  <p:timing>
+    <p:tnLst>
+      <p:par>
+        <p:cTn id="1" dur="indefinite" restart="never" nodeType="tmRoot"/>
+      </p:par>
+    </p:tnLst>
+  </p:timing>
+</p:sld>
+</file>
+
+<file path=ppt/slides/slide35.xml><?xml version="1.0" encoding="utf-8"?>
+<p:sld xmlns:a="http://schemas.openxmlformats.org/drawingml/2006/main" xmlns:r="http://schemas.openxmlformats.org/officeDocument/2006/relationships" xmlns:p="http://schemas.openxmlformats.org/presentationml/2006/main">
+  <p:cSld>
+    <p:spTree>
+      <p:nvGrpSpPr>
+        <p:cNvPr id="1" name=""/>
+        <p:cNvGrpSpPr/>
+        <p:nvPr/>
+      </p:nvGrpSpPr>
+      <p:grpSpPr>
+        <a:xfrm>
+          <a:off x="0" y="0"/>
+          <a:ext cx="0" cy="0"/>
+          <a:chOff x="0" y="0"/>
+          <a:chExt cx="0" cy="0"/>
+        </a:xfrm>
+      </p:grpSpPr>
+      <p:sp>
+        <p:nvSpPr>
+          <p:cNvPr id="2" name="Title 1"/>
+          <p:cNvSpPr>
+            <a:spLocks noGrp="1"/>
+          </p:cNvSpPr>
+          <p:nvPr>
+            <p:ph type="title"/>
+          </p:nvPr>
+        </p:nvSpPr>
+        <p:spPr/>
+        <p:txBody>
+          <a:bodyPr/>
+          <a:lstStyle/>
+          <a:p>
+            <a:r>
+              <a:rPr lang="en-US" dirty="0" smtClean="0"/>
+              <a:t>Sprite</a:t>
+            </a:r>
+            <a:endParaRPr lang="en-US" dirty="0"/>
+          </a:p>
+        </p:txBody>
+      </p:sp>
+      <p:sp>
+        <p:nvSpPr>
+          <p:cNvPr id="3" name="Content Placeholder 2"/>
+          <p:cNvSpPr>
+            <a:spLocks noGrp="1"/>
+          </p:cNvSpPr>
+          <p:nvPr>
+            <p:ph idx="1"/>
+          </p:nvPr>
+        </p:nvSpPr>
+        <p:spPr/>
+        <p:txBody>
+          <a:bodyPr>
+            <a:normAutofit fontScale="77500" lnSpcReduction="20000"/>
+          </a:bodyPr>
+          <a:lstStyle/>
+          <a:p>
+            <a:r>
+              <a:rPr lang="en-US" dirty="0" smtClean="0"/>
+              <a:t>describes </a:t>
+            </a:r>
+            <a:r>
+              <a:rPr lang="en-US" dirty="0" smtClean="0"/>
+              <a:t>both a texture region, the geometry where it will be drawn, and the color it will be drawn</a:t>
+            </a:r>
+            <a:r>
+              <a:rPr lang="en-US" dirty="0" smtClean="0"/>
+              <a:t>.</a:t>
+            </a:r>
+          </a:p>
+          <a:p>
+            <a:r>
+              <a:rPr lang="en-US" dirty="0" smtClean="0"/>
+              <a:t>Use:</a:t>
+            </a:r>
+          </a:p>
+          <a:p>
+            <a:r>
+              <a:rPr lang="en-US" dirty="0" smtClean="0"/>
+              <a:t>private Sprite sprite;</a:t>
+            </a:r>
+            <a:br>
+              <a:rPr lang="en-US" dirty="0" smtClean="0"/>
+            </a:br>
+            <a:r>
+              <a:rPr lang="en-US" dirty="0" smtClean="0"/>
+              <a:t>...</a:t>
+            </a:r>
+            <a:br>
+              <a:rPr lang="en-US" dirty="0" smtClean="0"/>
+            </a:br>
+            <a:r>
+              <a:rPr lang="en-US" dirty="0" smtClean="0"/>
+              <a:t>texture = new Texture(Gdx.files.internal("image.png"));</a:t>
+            </a:r>
+            <a:br>
+              <a:rPr lang="en-US" dirty="0" smtClean="0"/>
+            </a:br>
+            <a:r>
+              <a:rPr lang="en-US" dirty="0" smtClean="0"/>
+              <a:t>sprite = new Sprite(texture, 20, 20, 50, 50);</a:t>
+            </a:r>
+            <a:br>
+              <a:rPr lang="en-US" dirty="0" smtClean="0"/>
+            </a:br>
+            <a:r>
+              <a:rPr lang="en-US" dirty="0" smtClean="0"/>
+              <a:t>sprite.setPosition(10, 10);</a:t>
+            </a:r>
+            <a:br>
+              <a:rPr lang="en-US" dirty="0" smtClean="0"/>
+            </a:br>
+            <a:r>
+              <a:rPr lang="en-US" dirty="0" smtClean="0"/>
+              <a:t>sprite.setRotation(45);</a:t>
+            </a:r>
+            <a:br>
+              <a:rPr lang="en-US" dirty="0" smtClean="0"/>
+            </a:br>
+            <a:r>
+              <a:rPr lang="en-US" dirty="0" smtClean="0"/>
+              <a:t>...</a:t>
+            </a:r>
+            <a:br>
+              <a:rPr lang="en-US" dirty="0" smtClean="0"/>
+            </a:br>
+            <a:r>
+              <a:rPr lang="en-US" dirty="0" smtClean="0"/>
+              <a:t>batch.begin();</a:t>
+            </a:r>
+            <a:br>
+              <a:rPr lang="en-US" dirty="0" smtClean="0"/>
+            </a:br>
+            <a:r>
+              <a:rPr lang="en-US" dirty="0" smtClean="0"/>
+              <a:t>sprite.draw(batch);</a:t>
+            </a:r>
+            <a:br>
+              <a:rPr lang="en-US" dirty="0" smtClean="0"/>
+            </a:br>
+            <a:r>
+              <a:rPr lang="en-US" dirty="0" smtClean="0"/>
+              <a:t>batch.end</a:t>
+            </a:r>
+            <a:r>
+              <a:rPr lang="en-US" dirty="0" smtClean="0"/>
+              <a:t>();</a:t>
+            </a:r>
+          </a:p>
+        </p:txBody>
+      </p:sp>
+    </p:spTree>
+  </p:cSld>
+  <p:clrMapOvr>
+    <a:masterClrMapping/>
+  </p:clrMapOvr>
+  <p:timing>
+    <p:tnLst>
+      <p:par>
+        <p:cTn id="1" dur="indefinite" restart="never" nodeType="tmRoot"/>
+      </p:par>
+    </p:tnLst>
+  </p:timing>
+</p:sld>
+</file>
+
+<file path=ppt/slides/slide36.xml><?xml version="1.0" encoding="utf-8"?>
+<p:sld xmlns:a="http://schemas.openxmlformats.org/drawingml/2006/main" xmlns:r="http://schemas.openxmlformats.org/officeDocument/2006/relationships" xmlns:p="http://schemas.openxmlformats.org/presentationml/2006/main">
+  <p:cSld>
+    <p:spTree>
+      <p:nvGrpSpPr>
+        <p:cNvPr id="1" name=""/>
+        <p:cNvGrpSpPr/>
+        <p:nvPr/>
+      </p:nvGrpSpPr>
+      <p:grpSpPr>
+        <a:xfrm>
+          <a:off x="0" y="0"/>
+          <a:ext cx="0" cy="0"/>
+          <a:chOff x="0" y="0"/>
+          <a:chExt cx="0" cy="0"/>
+        </a:xfrm>
+      </p:grpSpPr>
+      <p:sp>
+        <p:nvSpPr>
+          <p:cNvPr id="2" name="Title 1"/>
+          <p:cNvSpPr>
+            <a:spLocks noGrp="1"/>
+          </p:cNvSpPr>
+          <p:nvPr>
+            <p:ph type="title"/>
+          </p:nvPr>
+        </p:nvSpPr>
+        <p:spPr/>
+        <p:txBody>
+          <a:bodyPr/>
+          <a:lstStyle/>
+          <a:p>
+            <a:r>
+              <a:rPr lang="en-US" b="1" dirty="0" smtClean="0"/>
+              <a:t>Tinting</a:t>
+            </a:r>
+            <a:endParaRPr lang="en-US" b="1" dirty="0"/>
+          </a:p>
+        </p:txBody>
+      </p:sp>
+      <p:sp>
+        <p:nvSpPr>
+          <p:cNvPr id="3" name="Content Placeholder 2"/>
+          <p:cNvSpPr>
+            <a:spLocks noGrp="1"/>
+          </p:cNvSpPr>
+          <p:nvPr>
+            <p:ph idx="1"/>
+          </p:nvPr>
+        </p:nvSpPr>
+        <p:spPr/>
+        <p:txBody>
+          <a:bodyPr/>
+          <a:lstStyle/>
+          <a:p>
+            <a:r>
+              <a:rPr lang="en-US" dirty="0" smtClean="0"/>
+              <a:t>Use: </a:t>
+            </a:r>
+          </a:p>
+          <a:p>
+            <a:pPr>
+              <a:buNone/>
+            </a:pPr>
+            <a:r>
+              <a:rPr lang="en-US" dirty="0" smtClean="0"/>
+              <a:t>	</a:t>
+            </a:r>
+            <a:r>
+              <a:rPr lang="en-US" dirty="0" smtClean="0"/>
+              <a:t>sprite.setColor(0</a:t>
+            </a:r>
+            <a:r>
+              <a:rPr lang="en-US" dirty="0" smtClean="0"/>
+              <a:t>, 0, 1, 1</a:t>
+            </a:r>
+            <a:r>
+              <a:rPr lang="en-US" dirty="0" smtClean="0"/>
+              <a:t>);</a:t>
+            </a:r>
+          </a:p>
+          <a:p>
+            <a:pPr>
+              <a:buNone/>
+            </a:pPr>
+            <a:r>
+              <a:rPr lang="en-US" dirty="0" smtClean="0"/>
+              <a:t>	batch.setColor(1</a:t>
+            </a:r>
+            <a:r>
+              <a:rPr lang="en-US" dirty="0" smtClean="0"/>
+              <a:t>, 0, 0, 1</a:t>
+            </a:r>
+            <a:r>
+              <a:rPr lang="en-US" dirty="0" smtClean="0"/>
+              <a:t>);</a:t>
+            </a:r>
+          </a:p>
+          <a:p>
+            <a:r>
+              <a:rPr lang="en-US" dirty="0" smtClean="0"/>
+              <a:t>Color using RGBA values between 1 and 0</a:t>
+            </a:r>
+            <a:endParaRPr lang="en-US" dirty="0"/>
+          </a:p>
+        </p:txBody>
+      </p:sp>
+    </p:spTree>
+  </p:cSld>
+  <p:clrMapOvr>
+    <a:masterClrMapping/>
+  </p:clrMapOvr>
+</p:sld>
+</file>
+
+<file path=ppt/slides/slide37.xml><?xml version="1.0" encoding="utf-8"?>
+<p:sld xmlns:a="http://schemas.openxmlformats.org/drawingml/2006/main" xmlns:r="http://schemas.openxmlformats.org/officeDocument/2006/relationships" xmlns:p="http://schemas.openxmlformats.org/presentationml/2006/main">
+  <p:cSld>
+    <p:spTree>
+      <p:nvGrpSpPr>
+        <p:cNvPr id="1" name=""/>
+        <p:cNvGrpSpPr/>
+        <p:nvPr/>
+      </p:nvGrpSpPr>
+      <p:grpSpPr>
+        <a:xfrm>
+          <a:off x="0" y="0"/>
+          <a:ext cx="0" cy="0"/>
+          <a:chOff x="0" y="0"/>
+          <a:chExt cx="0" cy="0"/>
+        </a:xfrm>
+      </p:grpSpPr>
+      <p:sp>
+        <p:nvSpPr>
+          <p:cNvPr id="2" name="Title 1"/>
+          <p:cNvSpPr>
+            <a:spLocks noGrp="1"/>
+          </p:cNvSpPr>
+          <p:nvPr>
+            <p:ph type="title"/>
+          </p:nvPr>
+        </p:nvSpPr>
+        <p:spPr/>
+        <p:txBody>
+          <a:bodyPr/>
+          <a:lstStyle/>
+          <a:p>
+            <a:r>
+              <a:rPr lang="en-US" dirty="0" smtClean="0"/>
+              <a:t>Blending</a:t>
+            </a:r>
+            <a:endParaRPr lang="en-US" dirty="0"/>
+          </a:p>
+        </p:txBody>
+      </p:sp>
+      <p:sp>
+        <p:nvSpPr>
+          <p:cNvPr id="3" name="Content Placeholder 2"/>
+          <p:cNvSpPr>
+            <a:spLocks noGrp="1"/>
+          </p:cNvSpPr>
+          <p:nvPr>
+            <p:ph idx="1"/>
+          </p:nvPr>
+        </p:nvSpPr>
+        <p:spPr/>
+        <p:txBody>
+          <a:bodyPr>
+            <a:normAutofit lnSpcReduction="10000"/>
+          </a:bodyPr>
+          <a:lstStyle/>
+          <a:p>
+            <a:r>
+              <a:rPr lang="en-US" dirty="0" smtClean="0"/>
+              <a:t>Blending is enabled by default. </a:t>
+            </a:r>
+            <a:endParaRPr lang="en-US" dirty="0" smtClean="0"/>
+          </a:p>
+          <a:p>
+            <a:r>
+              <a:rPr lang="en-US" dirty="0" smtClean="0"/>
+              <a:t>Blending: is translucent </a:t>
+            </a:r>
+            <a:r>
+              <a:rPr lang="en-US" dirty="0" smtClean="0"/>
+              <a:t>portions of the texture are merged with pixels already on the screen at that location</a:t>
+            </a:r>
+            <a:r>
+              <a:rPr lang="en-US" dirty="0" smtClean="0"/>
+              <a:t>.</a:t>
+            </a:r>
+          </a:p>
+          <a:p>
+            <a:r>
+              <a:rPr lang="en-US" dirty="0" smtClean="0"/>
+              <a:t>a </a:t>
+            </a:r>
+            <a:r>
+              <a:rPr lang="en-US" dirty="0" smtClean="0"/>
+              <a:t>performance increase by disabling blending</a:t>
+            </a:r>
+          </a:p>
+          <a:p>
+            <a:r>
+              <a:rPr lang="en-US" dirty="0" smtClean="0"/>
+              <a:t>Use</a:t>
+            </a:r>
+          </a:p>
+          <a:p>
+            <a:pPr>
+              <a:buNone/>
+            </a:pPr>
+            <a:r>
+              <a:rPr lang="en-US" dirty="0" smtClean="0"/>
+              <a:t>	batch.disableBlending</a:t>
+            </a:r>
+            <a:r>
+              <a:rPr lang="en-US" dirty="0" smtClean="0"/>
+              <a:t>();</a:t>
+            </a:r>
+            <a:br>
+              <a:rPr lang="en-US" dirty="0" smtClean="0"/>
+            </a:br>
+            <a:r>
+              <a:rPr lang="en-US" dirty="0" smtClean="0"/>
+              <a:t>backgroundSprite.draw(batch);</a:t>
+            </a:r>
+            <a:br>
+              <a:rPr lang="en-US" dirty="0" smtClean="0"/>
+            </a:br>
+            <a:r>
+              <a:rPr lang="en-US" dirty="0" smtClean="0"/>
+              <a:t>batch.enableBlending();</a:t>
+            </a:r>
+            <a:endParaRPr lang="en-US" dirty="0"/>
+          </a:p>
+        </p:txBody>
+      </p:sp>
+    </p:spTree>
+  </p:cSld>
+  <p:clrMapOvr>
+    <a:masterClrMapping/>
+  </p:clrMapOvr>
+</p:sld>
+</file>
+
+<file path=ppt/slides/slide38.xml><?xml version="1.0" encoding="utf-8"?>
+<p:sld xmlns:a="http://schemas.openxmlformats.org/drawingml/2006/main" xmlns:r="http://schemas.openxmlformats.org/officeDocument/2006/relationships" xmlns:p="http://schemas.openxmlformats.org/presentationml/2006/main">
+  <p:cSld>
+    <p:spTree>
+      <p:nvGrpSpPr>
+        <p:cNvPr id="1" name=""/>
+        <p:cNvGrpSpPr/>
+        <p:nvPr/>
+      </p:nvGrpSpPr>
+      <p:grpSpPr>
+        <a:xfrm>
+          <a:off x="0" y="0"/>
+          <a:ext cx="0" cy="0"/>
+          <a:chOff x="0" y="0"/>
+          <a:chExt cx="0" cy="0"/>
+        </a:xfrm>
+      </p:grpSpPr>
+      <p:sp>
+        <p:nvSpPr>
+          <p:cNvPr id="2" name="Title 1"/>
+          <p:cNvSpPr>
+            <a:spLocks noGrp="1"/>
+          </p:cNvSpPr>
+          <p:nvPr>
+            <p:ph type="title"/>
+          </p:nvPr>
+        </p:nvSpPr>
+        <p:spPr/>
+        <p:txBody>
+          <a:bodyPr/>
+          <a:lstStyle/>
+          <a:p>
+            <a:r>
+              <a:rPr lang="en-US" dirty="0" smtClean="0"/>
+              <a:t>NinePatch</a:t>
+            </a:r>
+            <a:endParaRPr lang="en-US" dirty="0"/>
+          </a:p>
+        </p:txBody>
+      </p:sp>
+      <p:sp>
+        <p:nvSpPr>
+          <p:cNvPr id="3" name="Content Placeholder 2"/>
+          <p:cNvSpPr>
+            <a:spLocks noGrp="1"/>
+          </p:cNvSpPr>
+          <p:nvPr>
+            <p:ph idx="1"/>
+          </p:nvPr>
+        </p:nvSpPr>
+        <p:spPr/>
+        <p:txBody>
+          <a:bodyPr>
+            <a:normAutofit/>
+          </a:bodyPr>
+          <a:lstStyle/>
+          <a:p>
+            <a:r>
+              <a:rPr lang="en-US" dirty="0" smtClean="0"/>
+              <a:t>an </a:t>
+            </a:r>
+            <a:r>
+              <a:rPr lang="en-US" dirty="0" smtClean="0"/>
+              <a:t>image with defined "stretchable" areas. </a:t>
+            </a:r>
+            <a:endParaRPr lang="en-US" dirty="0" smtClean="0"/>
+          </a:p>
+          <a:p>
+            <a:r>
+              <a:rPr lang="en-US" dirty="0" smtClean="0"/>
+              <a:t>A </a:t>
+            </a:r>
+            <a:r>
+              <a:rPr lang="en-US" dirty="0" smtClean="0"/>
+              <a:t>NinePatch is used in </a:t>
+            </a:r>
+            <a:r>
+              <a:rPr lang="en-US" dirty="0" smtClean="0"/>
+              <a:t>Scene2d, </a:t>
+            </a:r>
+            <a:r>
+              <a:rPr lang="en-US" dirty="0" smtClean="0"/>
+              <a:t>including</a:t>
+            </a:r>
+            <a:r>
+              <a:rPr lang="en-US" dirty="0" smtClean="0"/>
+              <a:t>:</a:t>
+            </a:r>
+          </a:p>
+          <a:p>
+            <a:pPr lvl="1"/>
+            <a:r>
+              <a:rPr lang="en-US" dirty="0" smtClean="0"/>
+              <a:t>Image</a:t>
+            </a:r>
+            <a:endParaRPr lang="en-US" dirty="0" smtClean="0"/>
+          </a:p>
+          <a:p>
+            <a:pPr lvl="1"/>
+            <a:r>
+              <a:rPr lang="en-US" dirty="0" smtClean="0"/>
+              <a:t>Buttons</a:t>
+            </a:r>
+          </a:p>
+          <a:p>
+            <a:pPr lvl="1"/>
+            <a:r>
+              <a:rPr lang="en-US" dirty="0" smtClean="0"/>
+              <a:t>ScrollPanes</a:t>
+            </a:r>
+          </a:p>
+          <a:p>
+            <a:pPr lvl="1"/>
+            <a:r>
+              <a:rPr lang="en-US" dirty="0" smtClean="0"/>
+              <a:t>Textfields</a:t>
+            </a:r>
+          </a:p>
+          <a:p>
+            <a:endParaRPr lang="en-US" dirty="0"/>
+          </a:p>
+        </p:txBody>
+      </p:sp>
+    </p:spTree>
+  </p:cSld>
+  <p:clrMapOvr>
+    <a:masterClrMapping/>
+  </p:clrMapOvr>
+</p:sld>
+</file>
+
+<file path=ppt/slides/slide39.xml><?xml version="1.0" encoding="utf-8"?>
+<p:sld xmlns:a="http://schemas.openxmlformats.org/drawingml/2006/main" xmlns:r="http://schemas.openxmlformats.org/officeDocument/2006/relationships" xmlns:p="http://schemas.openxmlformats.org/presentationml/2006/main">
+  <p:cSld>
+    <p:spTree>
+      <p:nvGrpSpPr>
+        <p:cNvPr id="1" name=""/>
+        <p:cNvGrpSpPr/>
+        <p:nvPr/>
+      </p:nvGrpSpPr>
+      <p:grpSpPr>
+        <a:xfrm>
+          <a:off x="0" y="0"/>
+          <a:ext cx="0" cy="0"/>
+          <a:chOff x="0" y="0"/>
+          <a:chExt cx="0" cy="0"/>
+        </a:xfrm>
+      </p:grpSpPr>
+      <p:sp>
+        <p:nvSpPr>
+          <p:cNvPr id="2" name="Title 1"/>
+          <p:cNvSpPr>
+            <a:spLocks noGrp="1"/>
+          </p:cNvSpPr>
+          <p:nvPr>
+            <p:ph type="title"/>
+          </p:nvPr>
+        </p:nvSpPr>
+        <p:spPr/>
+        <p:txBody>
+          <a:bodyPr/>
+          <a:lstStyle/>
+          <a:p>
+            <a:r>
+              <a:rPr lang="en-US" dirty="0" smtClean="0"/>
+              <a:t>NinePatch</a:t>
+            </a:r>
+            <a:endParaRPr lang="en-US" dirty="0"/>
+          </a:p>
+        </p:txBody>
+      </p:sp>
+      <p:sp>
+        <p:nvSpPr>
+          <p:cNvPr id="3" name="Content Placeholder 2"/>
+          <p:cNvSpPr>
+            <a:spLocks noGrp="1"/>
+          </p:cNvSpPr>
+          <p:nvPr>
+            <p:ph idx="1"/>
+          </p:nvPr>
+        </p:nvSpPr>
+        <p:spPr/>
+        <p:txBody>
+          <a:bodyPr/>
+          <a:lstStyle/>
+          <a:p>
+            <a:endParaRPr lang="en-US" dirty="0"/>
+          </a:p>
+        </p:txBody>
+      </p:sp>
+    </p:spTree>
+  </p:cSld>
+  <p:clrMapOvr>
+    <a:masterClrMapping/>
+  </p:clrMapOvr>
 </p:sld>
 </file>
 
@@ -4694,6 +7124,789 @@
       </p:par>
     </p:tnLst>
   </p:timing>
+</p:sld>
+</file>
+
+<file path=ppt/slides/slide40.xml><?xml version="1.0" encoding="utf-8"?>
+<p:sld xmlns:a="http://schemas.openxmlformats.org/drawingml/2006/main" xmlns:r="http://schemas.openxmlformats.org/officeDocument/2006/relationships" xmlns:p="http://schemas.openxmlformats.org/presentationml/2006/main">
+  <p:cSld>
+    <p:spTree>
+      <p:nvGrpSpPr>
+        <p:cNvPr id="1" name=""/>
+        <p:cNvGrpSpPr/>
+        <p:nvPr/>
+      </p:nvGrpSpPr>
+      <p:grpSpPr>
+        <a:xfrm>
+          <a:off x="0" y="0"/>
+          <a:ext cx="0" cy="0"/>
+          <a:chOff x="0" y="0"/>
+          <a:chExt cx="0" cy="0"/>
+        </a:xfrm>
+      </p:grpSpPr>
+      <p:sp>
+        <p:nvSpPr>
+          <p:cNvPr id="2" name="Title 1"/>
+          <p:cNvSpPr>
+            <a:spLocks noGrp="1"/>
+          </p:cNvSpPr>
+          <p:nvPr>
+            <p:ph type="title"/>
+          </p:nvPr>
+        </p:nvSpPr>
+        <p:spPr/>
+        <p:txBody>
+          <a:bodyPr/>
+          <a:lstStyle/>
+          <a:p>
+            <a:r>
+              <a:rPr lang="en-US" dirty="0" smtClean="0"/>
+              <a:t>Bitmap Font</a:t>
+            </a:r>
+            <a:endParaRPr lang="en-US" dirty="0"/>
+          </a:p>
+        </p:txBody>
+      </p:sp>
+      <p:sp>
+        <p:nvSpPr>
+          <p:cNvPr id="3" name="Content Placeholder 2"/>
+          <p:cNvSpPr>
+            <a:spLocks noGrp="1"/>
+          </p:cNvSpPr>
+          <p:nvPr>
+            <p:ph idx="1"/>
+          </p:nvPr>
+        </p:nvSpPr>
+        <p:spPr/>
+        <p:txBody>
+          <a:bodyPr/>
+          <a:lstStyle/>
+          <a:p>
+            <a:r>
+              <a:rPr lang="en-US" dirty="0" smtClean="0"/>
+              <a:t>Texture for Text</a:t>
+            </a:r>
+          </a:p>
+          <a:p>
+            <a:r>
+              <a:rPr lang="en-US" dirty="0" smtClean="0"/>
+              <a:t>likes a texture atlas</a:t>
+            </a:r>
+          </a:p>
+          <a:p>
+            <a:r>
+              <a:rPr lang="en-US" dirty="0" smtClean="0"/>
+              <a:t>Created by Hiero</a:t>
+            </a:r>
+            <a:endParaRPr lang="en-US" dirty="0"/>
+          </a:p>
+        </p:txBody>
+      </p:sp>
+    </p:spTree>
+  </p:cSld>
+  <p:clrMapOvr>
+    <a:masterClrMapping/>
+  </p:clrMapOvr>
+</p:sld>
+</file>
+
+<file path=ppt/slides/slide41.xml><?xml version="1.0" encoding="utf-8"?>
+<p:sld xmlns:a="http://schemas.openxmlformats.org/drawingml/2006/main" xmlns:r="http://schemas.openxmlformats.org/officeDocument/2006/relationships" xmlns:p="http://schemas.openxmlformats.org/presentationml/2006/main">
+  <p:cSld>
+    <p:spTree>
+      <p:nvGrpSpPr>
+        <p:cNvPr id="1" name=""/>
+        <p:cNvGrpSpPr/>
+        <p:nvPr/>
+      </p:nvGrpSpPr>
+      <p:grpSpPr>
+        <a:xfrm>
+          <a:off x="0" y="0"/>
+          <a:ext cx="0" cy="0"/>
+          <a:chOff x="0" y="0"/>
+          <a:chExt cx="0" cy="0"/>
+        </a:xfrm>
+      </p:grpSpPr>
+      <p:sp>
+        <p:nvSpPr>
+          <p:cNvPr id="2" name="Title 1"/>
+          <p:cNvSpPr>
+            <a:spLocks noGrp="1"/>
+          </p:cNvSpPr>
+          <p:nvPr>
+            <p:ph type="title"/>
+          </p:nvPr>
+        </p:nvSpPr>
+        <p:spPr/>
+        <p:txBody>
+          <a:bodyPr/>
+          <a:lstStyle/>
+          <a:p>
+            <a:r>
+              <a:rPr lang="en-US" dirty="0" smtClean="0"/>
+              <a:t>Texture Atlas</a:t>
+            </a:r>
+            <a:endParaRPr lang="en-US" dirty="0"/>
+          </a:p>
+        </p:txBody>
+      </p:sp>
+      <p:sp>
+        <p:nvSpPr>
+          <p:cNvPr id="3" name="Content Placeholder 2"/>
+          <p:cNvSpPr>
+            <a:spLocks noGrp="1"/>
+          </p:cNvSpPr>
+          <p:nvPr>
+            <p:ph idx="1"/>
+          </p:nvPr>
+        </p:nvSpPr>
+        <p:spPr/>
+        <p:txBody>
+          <a:bodyPr/>
+          <a:lstStyle/>
+          <a:p>
+            <a:r>
+              <a:rPr lang="en-US" dirty="0" smtClean="0"/>
+              <a:t>store many smaller images on a larger </a:t>
+            </a:r>
+            <a:r>
+              <a:rPr lang="en-US" dirty="0" smtClean="0"/>
+              <a:t>image</a:t>
+            </a:r>
+          </a:p>
+          <a:p>
+            <a:r>
+              <a:rPr lang="en-US" dirty="0" smtClean="0"/>
+              <a:t>Use Texture Packer to create.</a:t>
+            </a:r>
+          </a:p>
+          <a:p>
+            <a:r>
+              <a:rPr lang="en-US" dirty="0" smtClean="0"/>
+              <a:t>Output: file “pack” and other PNG file</a:t>
+            </a:r>
+          </a:p>
+          <a:p>
+            <a:endParaRPr lang="en-US" dirty="0"/>
+          </a:p>
+        </p:txBody>
+      </p:sp>
+    </p:spTree>
+  </p:cSld>
+  <p:clrMapOvr>
+    <a:masterClrMapping/>
+  </p:clrMapOvr>
+</p:sld>
+</file>
+
+<file path=ppt/slides/slide42.xml><?xml version="1.0" encoding="utf-8"?>
+<p:sld xmlns:a="http://schemas.openxmlformats.org/drawingml/2006/main" xmlns:r="http://schemas.openxmlformats.org/officeDocument/2006/relationships" xmlns:p="http://schemas.openxmlformats.org/presentationml/2006/main">
+  <p:cSld>
+    <p:spTree>
+      <p:nvGrpSpPr>
+        <p:cNvPr id="1" name=""/>
+        <p:cNvGrpSpPr/>
+        <p:nvPr/>
+      </p:nvGrpSpPr>
+      <p:grpSpPr>
+        <a:xfrm>
+          <a:off x="0" y="0"/>
+          <a:ext cx="0" cy="0"/>
+          <a:chOff x="0" y="0"/>
+          <a:chExt cx="0" cy="0"/>
+        </a:xfrm>
+      </p:grpSpPr>
+      <p:sp>
+        <p:nvSpPr>
+          <p:cNvPr id="2" name="Title 1"/>
+          <p:cNvSpPr>
+            <a:spLocks noGrp="1"/>
+          </p:cNvSpPr>
+          <p:nvPr>
+            <p:ph type="title"/>
+          </p:nvPr>
+        </p:nvSpPr>
+        <p:spPr/>
+        <p:txBody>
+          <a:bodyPr/>
+          <a:lstStyle/>
+          <a:p>
+            <a:r>
+              <a:rPr lang="en-US" dirty="0" smtClean="0"/>
+              <a:t>Pack file-example</a:t>
+            </a:r>
+            <a:endParaRPr lang="en-US" dirty="0"/>
+          </a:p>
+        </p:txBody>
+      </p:sp>
+      <p:pic>
+        <p:nvPicPr>
+          <p:cNvPr id="5122" name="Picture 2"/>
+          <p:cNvPicPr>
+            <a:picLocks noChangeAspect="1" noChangeArrowheads="1"/>
+          </p:cNvPicPr>
+          <p:nvPr/>
+        </p:nvPicPr>
+        <p:blipFill>
+          <a:blip r:embed="rId2"/>
+          <a:srcRect/>
+          <a:stretch>
+            <a:fillRect/>
+          </a:stretch>
+        </p:blipFill>
+        <p:spPr bwMode="auto">
+          <a:xfrm>
+            <a:off x="1219200" y="1600200"/>
+            <a:ext cx="3052646" cy="4572000"/>
+          </a:xfrm>
+          <a:prstGeom prst="rect">
+            <a:avLst/>
+          </a:prstGeom>
+          <a:noFill/>
+          <a:ln w="9525">
+            <a:noFill/>
+            <a:miter lim="800000"/>
+            <a:headEnd/>
+            <a:tailEnd/>
+          </a:ln>
+          <a:effectLst/>
+        </p:spPr>
+      </p:pic>
+    </p:spTree>
+  </p:cSld>
+  <p:clrMapOvr>
+    <a:masterClrMapping/>
+  </p:clrMapOvr>
+</p:sld>
+</file>
+
+<file path=ppt/slides/slide43.xml><?xml version="1.0" encoding="utf-8"?>
+<p:sld xmlns:a="http://schemas.openxmlformats.org/drawingml/2006/main" xmlns:r="http://schemas.openxmlformats.org/officeDocument/2006/relationships" xmlns:p="http://schemas.openxmlformats.org/presentationml/2006/main">
+  <p:cSld>
+    <p:spTree>
+      <p:nvGrpSpPr>
+        <p:cNvPr id="1" name=""/>
+        <p:cNvGrpSpPr/>
+        <p:nvPr/>
+      </p:nvGrpSpPr>
+      <p:grpSpPr>
+        <a:xfrm>
+          <a:off x="0" y="0"/>
+          <a:ext cx="0" cy="0"/>
+          <a:chOff x="0" y="0"/>
+          <a:chExt cx="0" cy="0"/>
+        </a:xfrm>
+      </p:grpSpPr>
+      <p:sp>
+        <p:nvSpPr>
+          <p:cNvPr id="2" name="Title 1"/>
+          <p:cNvSpPr>
+            <a:spLocks noGrp="1"/>
+          </p:cNvSpPr>
+          <p:nvPr>
+            <p:ph type="title"/>
+          </p:nvPr>
+        </p:nvSpPr>
+        <p:spPr/>
+        <p:txBody>
+          <a:bodyPr/>
+          <a:lstStyle/>
+          <a:p>
+            <a:r>
+              <a:rPr lang="en-US" dirty="0" smtClean="0"/>
+              <a:t>How to use Texture Atlas</a:t>
+            </a:r>
+            <a:endParaRPr lang="en-US" dirty="0"/>
+          </a:p>
+        </p:txBody>
+      </p:sp>
+      <p:sp>
+        <p:nvSpPr>
+          <p:cNvPr id="3" name="Content Placeholder 2"/>
+          <p:cNvSpPr>
+            <a:spLocks noGrp="1"/>
+          </p:cNvSpPr>
+          <p:nvPr>
+            <p:ph idx="1"/>
+          </p:nvPr>
+        </p:nvSpPr>
+        <p:spPr>
+          <a:xfrm>
+            <a:off x="457200" y="1600200"/>
+            <a:ext cx="8458200" cy="4525963"/>
+          </a:xfrm>
+        </p:spPr>
+        <p:txBody>
+          <a:bodyPr>
+            <a:normAutofit lnSpcReduction="10000"/>
+          </a:bodyPr>
+          <a:lstStyle/>
+          <a:p>
+            <a:r>
+              <a:rPr lang="en-US" dirty="0" smtClean="0"/>
+              <a:t>TextureAtlas atlas;</a:t>
+            </a:r>
+            <a:br>
+              <a:rPr lang="en-US" dirty="0" smtClean="0"/>
+            </a:br>
+            <a:r>
+              <a:rPr lang="en-US" dirty="0" smtClean="0"/>
+              <a:t>atlas = new TextureAtlas(Gdx.files.internal</a:t>
+            </a:r>
+            <a:r>
+              <a:rPr lang="en-US" dirty="0" smtClean="0"/>
+              <a:t>(“data/pack"));</a:t>
+            </a:r>
+          </a:p>
+          <a:p>
+            <a:r>
+              <a:rPr lang="en-US" smtClean="0"/>
+              <a:t>Create TextureRegion:s</a:t>
+            </a:r>
+            <a:r>
+              <a:rPr lang="en-US" dirty="0" smtClean="0"/>
+              <a:t/>
+            </a:r>
+            <a:br>
+              <a:rPr lang="en-US" dirty="0" smtClean="0"/>
+            </a:br>
+            <a:r>
+              <a:rPr lang="en-US" dirty="0" smtClean="0"/>
+              <a:t>AtlasRegion region = atlas.findRegion</a:t>
+            </a:r>
+            <a:r>
+              <a:rPr lang="en-US" dirty="0" smtClean="0"/>
+              <a:t>(“name");</a:t>
+            </a:r>
+          </a:p>
+          <a:p>
+            <a:r>
+              <a:rPr lang="en-US" dirty="0" smtClean="0"/>
+              <a:t>Create Sprite:</a:t>
+            </a:r>
+            <a:r>
+              <a:rPr lang="en-US" dirty="0" smtClean="0"/>
+              <a:t/>
+            </a:r>
+            <a:br>
+              <a:rPr lang="en-US" dirty="0" smtClean="0"/>
+            </a:br>
+            <a:r>
+              <a:rPr lang="en-US" dirty="0" smtClean="0"/>
+              <a:t>Sprite sprite = atlas.createSprite</a:t>
+            </a:r>
+            <a:r>
+              <a:rPr lang="en-US" dirty="0" smtClean="0"/>
+              <a:t>(“name2");</a:t>
+            </a:r>
+          </a:p>
+          <a:p>
+            <a:r>
+              <a:rPr lang="en-US" dirty="0" smtClean="0"/>
+              <a:t>Create 9Patch:</a:t>
+            </a:r>
+            <a:r>
+              <a:rPr lang="en-US" dirty="0" smtClean="0"/>
+              <a:t/>
+            </a:r>
+            <a:br>
+              <a:rPr lang="en-US" dirty="0" smtClean="0"/>
+            </a:br>
+            <a:r>
+              <a:rPr lang="en-US" dirty="0" smtClean="0"/>
+              <a:t>NinePatch patch = atlas.createPatch</a:t>
+            </a:r>
+            <a:r>
+              <a:rPr lang="en-US" dirty="0" smtClean="0"/>
+              <a:t>(“name3");</a:t>
+            </a:r>
+            <a:endParaRPr lang="en-US" dirty="0"/>
+          </a:p>
+        </p:txBody>
+      </p:sp>
+    </p:spTree>
+  </p:cSld>
+  <p:clrMapOvr>
+    <a:masterClrMapping/>
+  </p:clrMapOvr>
+</p:sld>
+</file>
+
+<file path=ppt/slides/slide44.xml><?xml version="1.0" encoding="utf-8"?>
+<p:sld xmlns:a="http://schemas.openxmlformats.org/drawingml/2006/main" xmlns:r="http://schemas.openxmlformats.org/officeDocument/2006/relationships" xmlns:p="http://schemas.openxmlformats.org/presentationml/2006/main">
+  <p:cSld>
+    <p:spTree>
+      <p:nvGrpSpPr>
+        <p:cNvPr id="1" name=""/>
+        <p:cNvGrpSpPr/>
+        <p:nvPr/>
+      </p:nvGrpSpPr>
+      <p:grpSpPr>
+        <a:xfrm>
+          <a:off x="0" y="0"/>
+          <a:ext cx="0" cy="0"/>
+          <a:chOff x="0" y="0"/>
+          <a:chExt cx="0" cy="0"/>
+        </a:xfrm>
+      </p:grpSpPr>
+      <p:sp>
+        <p:nvSpPr>
+          <p:cNvPr id="2" name="Title 1"/>
+          <p:cNvSpPr>
+            <a:spLocks noGrp="1"/>
+          </p:cNvSpPr>
+          <p:nvPr>
+            <p:ph type="title"/>
+          </p:nvPr>
+        </p:nvSpPr>
+        <p:spPr/>
+        <p:txBody>
+          <a:bodyPr/>
+          <a:lstStyle/>
+          <a:p>
+            <a:endParaRPr lang="en-US"/>
+          </a:p>
+        </p:txBody>
+      </p:sp>
+      <p:sp>
+        <p:nvSpPr>
+          <p:cNvPr id="3" name="Content Placeholder 2"/>
+          <p:cNvSpPr>
+            <a:spLocks noGrp="1"/>
+          </p:cNvSpPr>
+          <p:nvPr>
+            <p:ph idx="1"/>
+          </p:nvPr>
+        </p:nvSpPr>
+        <p:spPr/>
+        <p:txBody>
+          <a:bodyPr/>
+          <a:lstStyle/>
+          <a:p>
+            <a:endParaRPr lang="en-US"/>
+          </a:p>
+        </p:txBody>
+      </p:sp>
+    </p:spTree>
+  </p:cSld>
+  <p:clrMapOvr>
+    <a:masterClrMapping/>
+  </p:clrMapOvr>
+</p:sld>
+</file>
+
+<file path=ppt/slides/slide45.xml><?xml version="1.0" encoding="utf-8"?>
+<p:sld xmlns:a="http://schemas.openxmlformats.org/drawingml/2006/main" xmlns:r="http://schemas.openxmlformats.org/officeDocument/2006/relationships" xmlns:p="http://schemas.openxmlformats.org/presentationml/2006/main">
+  <p:cSld>
+    <p:spTree>
+      <p:nvGrpSpPr>
+        <p:cNvPr id="1" name=""/>
+        <p:cNvGrpSpPr/>
+        <p:nvPr/>
+      </p:nvGrpSpPr>
+      <p:grpSpPr>
+        <a:xfrm>
+          <a:off x="0" y="0"/>
+          <a:ext cx="0" cy="0"/>
+          <a:chOff x="0" y="0"/>
+          <a:chExt cx="0" cy="0"/>
+        </a:xfrm>
+      </p:grpSpPr>
+      <p:sp>
+        <p:nvSpPr>
+          <p:cNvPr id="2" name="Title 1"/>
+          <p:cNvSpPr>
+            <a:spLocks noGrp="1"/>
+          </p:cNvSpPr>
+          <p:nvPr>
+            <p:ph type="title"/>
+          </p:nvPr>
+        </p:nvSpPr>
+        <p:spPr/>
+        <p:txBody>
+          <a:bodyPr/>
+          <a:lstStyle/>
+          <a:p>
+            <a:endParaRPr lang="en-US"/>
+          </a:p>
+        </p:txBody>
+      </p:sp>
+      <p:sp>
+        <p:nvSpPr>
+          <p:cNvPr id="3" name="Content Placeholder 2"/>
+          <p:cNvSpPr>
+            <a:spLocks noGrp="1"/>
+          </p:cNvSpPr>
+          <p:nvPr>
+            <p:ph idx="1"/>
+          </p:nvPr>
+        </p:nvSpPr>
+        <p:spPr/>
+        <p:txBody>
+          <a:bodyPr/>
+          <a:lstStyle/>
+          <a:p>
+            <a:endParaRPr lang="en-US"/>
+          </a:p>
+        </p:txBody>
+      </p:sp>
+    </p:spTree>
+  </p:cSld>
+  <p:clrMapOvr>
+    <a:masterClrMapping/>
+  </p:clrMapOvr>
+</p:sld>
+</file>
+
+<file path=ppt/slides/slide46.xml><?xml version="1.0" encoding="utf-8"?>
+<p:sld xmlns:a="http://schemas.openxmlformats.org/drawingml/2006/main" xmlns:r="http://schemas.openxmlformats.org/officeDocument/2006/relationships" xmlns:p="http://schemas.openxmlformats.org/presentationml/2006/main">
+  <p:cSld>
+    <p:spTree>
+      <p:nvGrpSpPr>
+        <p:cNvPr id="1" name=""/>
+        <p:cNvGrpSpPr/>
+        <p:nvPr/>
+      </p:nvGrpSpPr>
+      <p:grpSpPr>
+        <a:xfrm>
+          <a:off x="0" y="0"/>
+          <a:ext cx="0" cy="0"/>
+          <a:chOff x="0" y="0"/>
+          <a:chExt cx="0" cy="0"/>
+        </a:xfrm>
+      </p:grpSpPr>
+      <p:sp>
+        <p:nvSpPr>
+          <p:cNvPr id="2" name="Title 1"/>
+          <p:cNvSpPr>
+            <a:spLocks noGrp="1"/>
+          </p:cNvSpPr>
+          <p:nvPr>
+            <p:ph type="title"/>
+          </p:nvPr>
+        </p:nvSpPr>
+        <p:spPr/>
+        <p:txBody>
+          <a:bodyPr/>
+          <a:lstStyle/>
+          <a:p>
+            <a:endParaRPr lang="en-US"/>
+          </a:p>
+        </p:txBody>
+      </p:sp>
+      <p:sp>
+        <p:nvSpPr>
+          <p:cNvPr id="3" name="Content Placeholder 2"/>
+          <p:cNvSpPr>
+            <a:spLocks noGrp="1"/>
+          </p:cNvSpPr>
+          <p:nvPr>
+            <p:ph idx="1"/>
+          </p:nvPr>
+        </p:nvSpPr>
+        <p:spPr/>
+        <p:txBody>
+          <a:bodyPr/>
+          <a:lstStyle/>
+          <a:p>
+            <a:endParaRPr lang="en-US"/>
+          </a:p>
+        </p:txBody>
+      </p:sp>
+    </p:spTree>
+  </p:cSld>
+  <p:clrMapOvr>
+    <a:masterClrMapping/>
+  </p:clrMapOvr>
+</p:sld>
+</file>
+
+<file path=ppt/slides/slide47.xml><?xml version="1.0" encoding="utf-8"?>
+<p:sld xmlns:a="http://schemas.openxmlformats.org/drawingml/2006/main" xmlns:r="http://schemas.openxmlformats.org/officeDocument/2006/relationships" xmlns:p="http://schemas.openxmlformats.org/presentationml/2006/main">
+  <p:cSld>
+    <p:spTree>
+      <p:nvGrpSpPr>
+        <p:cNvPr id="1" name=""/>
+        <p:cNvGrpSpPr/>
+        <p:nvPr/>
+      </p:nvGrpSpPr>
+      <p:grpSpPr>
+        <a:xfrm>
+          <a:off x="0" y="0"/>
+          <a:ext cx="0" cy="0"/>
+          <a:chOff x="0" y="0"/>
+          <a:chExt cx="0" cy="0"/>
+        </a:xfrm>
+      </p:grpSpPr>
+      <p:sp>
+        <p:nvSpPr>
+          <p:cNvPr id="2" name="Title 1"/>
+          <p:cNvSpPr>
+            <a:spLocks noGrp="1"/>
+          </p:cNvSpPr>
+          <p:nvPr>
+            <p:ph type="title"/>
+          </p:nvPr>
+        </p:nvSpPr>
+        <p:spPr/>
+        <p:txBody>
+          <a:bodyPr/>
+          <a:lstStyle/>
+          <a:p>
+            <a:endParaRPr lang="en-US"/>
+          </a:p>
+        </p:txBody>
+      </p:sp>
+      <p:sp>
+        <p:nvSpPr>
+          <p:cNvPr id="3" name="Content Placeholder 2"/>
+          <p:cNvSpPr>
+            <a:spLocks noGrp="1"/>
+          </p:cNvSpPr>
+          <p:nvPr>
+            <p:ph idx="1"/>
+          </p:nvPr>
+        </p:nvSpPr>
+        <p:spPr/>
+        <p:txBody>
+          <a:bodyPr/>
+          <a:lstStyle/>
+          <a:p>
+            <a:endParaRPr lang="en-US"/>
+          </a:p>
+        </p:txBody>
+      </p:sp>
+    </p:spTree>
+  </p:cSld>
+  <p:clrMapOvr>
+    <a:masterClrMapping/>
+  </p:clrMapOvr>
+</p:sld>
+</file>
+
+<file path=ppt/slides/slide48.xml><?xml version="1.0" encoding="utf-8"?>
+<p:sld xmlns:a="http://schemas.openxmlformats.org/drawingml/2006/main" xmlns:r="http://schemas.openxmlformats.org/officeDocument/2006/relationships" xmlns:p="http://schemas.openxmlformats.org/presentationml/2006/main">
+  <p:cSld>
+    <p:spTree>
+      <p:nvGrpSpPr>
+        <p:cNvPr id="1" name=""/>
+        <p:cNvGrpSpPr/>
+        <p:nvPr/>
+      </p:nvGrpSpPr>
+      <p:grpSpPr>
+        <a:xfrm>
+          <a:off x="0" y="0"/>
+          <a:ext cx="0" cy="0"/>
+          <a:chOff x="0" y="0"/>
+          <a:chExt cx="0" cy="0"/>
+        </a:xfrm>
+      </p:grpSpPr>
+      <p:sp>
+        <p:nvSpPr>
+          <p:cNvPr id="2" name="Title 1"/>
+          <p:cNvSpPr>
+            <a:spLocks noGrp="1"/>
+          </p:cNvSpPr>
+          <p:nvPr>
+            <p:ph type="title"/>
+          </p:nvPr>
+        </p:nvSpPr>
+        <p:spPr/>
+        <p:txBody>
+          <a:bodyPr/>
+          <a:lstStyle/>
+          <a:p>
+            <a:endParaRPr lang="en-US"/>
+          </a:p>
+        </p:txBody>
+      </p:sp>
+      <p:sp>
+        <p:nvSpPr>
+          <p:cNvPr id="3" name="Content Placeholder 2"/>
+          <p:cNvSpPr>
+            <a:spLocks noGrp="1"/>
+          </p:cNvSpPr>
+          <p:nvPr>
+            <p:ph idx="1"/>
+          </p:nvPr>
+        </p:nvSpPr>
+        <p:spPr/>
+        <p:txBody>
+          <a:bodyPr/>
+          <a:lstStyle/>
+          <a:p>
+            <a:endParaRPr lang="en-US"/>
+          </a:p>
+        </p:txBody>
+      </p:sp>
+    </p:spTree>
+  </p:cSld>
+  <p:clrMapOvr>
+    <a:masterClrMapping/>
+  </p:clrMapOvr>
+</p:sld>
+</file>
+
+<file path=ppt/slides/slide49.xml><?xml version="1.0" encoding="utf-8"?>
+<p:sld xmlns:a="http://schemas.openxmlformats.org/drawingml/2006/main" xmlns:r="http://schemas.openxmlformats.org/officeDocument/2006/relationships" xmlns:p="http://schemas.openxmlformats.org/presentationml/2006/main">
+  <p:cSld>
+    <p:spTree>
+      <p:nvGrpSpPr>
+        <p:cNvPr id="1" name=""/>
+        <p:cNvGrpSpPr/>
+        <p:nvPr/>
+      </p:nvGrpSpPr>
+      <p:grpSpPr>
+        <a:xfrm>
+          <a:off x="0" y="0"/>
+          <a:ext cx="0" cy="0"/>
+          <a:chOff x="0" y="0"/>
+          <a:chExt cx="0" cy="0"/>
+        </a:xfrm>
+      </p:grpSpPr>
+      <p:sp>
+        <p:nvSpPr>
+          <p:cNvPr id="2" name="Title 1"/>
+          <p:cNvSpPr>
+            <a:spLocks noGrp="1"/>
+          </p:cNvSpPr>
+          <p:nvPr>
+            <p:ph type="title"/>
+          </p:nvPr>
+        </p:nvSpPr>
+        <p:spPr/>
+        <p:txBody>
+          <a:bodyPr/>
+          <a:lstStyle/>
+          <a:p>
+            <a:endParaRPr lang="en-US"/>
+          </a:p>
+        </p:txBody>
+      </p:sp>
+      <p:sp>
+        <p:nvSpPr>
+          <p:cNvPr id="3" name="Content Placeholder 2"/>
+          <p:cNvSpPr>
+            <a:spLocks noGrp="1"/>
+          </p:cNvSpPr>
+          <p:nvPr>
+            <p:ph idx="1"/>
+          </p:nvPr>
+        </p:nvSpPr>
+        <p:spPr/>
+        <p:txBody>
+          <a:bodyPr/>
+          <a:lstStyle/>
+          <a:p>
+            <a:endParaRPr lang="en-US"/>
+          </a:p>
+        </p:txBody>
+      </p:sp>
+    </p:spTree>
+  </p:cSld>
+  <p:clrMapOvr>
+    <a:masterClrMapping/>
+  </p:clrMapOvr>
 </p:sld>
 </file>
 
@@ -4886,6 +8099,636 @@
 </p:sld>
 </file>
 
+<file path=ppt/slides/slide50.xml><?xml version="1.0" encoding="utf-8"?>
+<p:sld xmlns:a="http://schemas.openxmlformats.org/drawingml/2006/main" xmlns:r="http://schemas.openxmlformats.org/officeDocument/2006/relationships" xmlns:p="http://schemas.openxmlformats.org/presentationml/2006/main">
+  <p:cSld>
+    <p:spTree>
+      <p:nvGrpSpPr>
+        <p:cNvPr id="1" name=""/>
+        <p:cNvGrpSpPr/>
+        <p:nvPr/>
+      </p:nvGrpSpPr>
+      <p:grpSpPr>
+        <a:xfrm>
+          <a:off x="0" y="0"/>
+          <a:ext cx="0" cy="0"/>
+          <a:chOff x="0" y="0"/>
+          <a:chExt cx="0" cy="0"/>
+        </a:xfrm>
+      </p:grpSpPr>
+      <p:sp>
+        <p:nvSpPr>
+          <p:cNvPr id="2" name="Title 1"/>
+          <p:cNvSpPr>
+            <a:spLocks noGrp="1"/>
+          </p:cNvSpPr>
+          <p:nvPr>
+            <p:ph type="title"/>
+          </p:nvPr>
+        </p:nvSpPr>
+        <p:spPr/>
+        <p:txBody>
+          <a:bodyPr/>
+          <a:lstStyle/>
+          <a:p>
+            <a:endParaRPr lang="en-US"/>
+          </a:p>
+        </p:txBody>
+      </p:sp>
+      <p:sp>
+        <p:nvSpPr>
+          <p:cNvPr id="3" name="Content Placeholder 2"/>
+          <p:cNvSpPr>
+            <a:spLocks noGrp="1"/>
+          </p:cNvSpPr>
+          <p:nvPr>
+            <p:ph idx="1"/>
+          </p:nvPr>
+        </p:nvSpPr>
+        <p:spPr/>
+        <p:txBody>
+          <a:bodyPr/>
+          <a:lstStyle/>
+          <a:p>
+            <a:endParaRPr lang="en-US"/>
+          </a:p>
+        </p:txBody>
+      </p:sp>
+    </p:spTree>
+  </p:cSld>
+  <p:clrMapOvr>
+    <a:masterClrMapping/>
+  </p:clrMapOvr>
+</p:sld>
+</file>
+
+<file path=ppt/slides/slide51.xml><?xml version="1.0" encoding="utf-8"?>
+<p:sld xmlns:a="http://schemas.openxmlformats.org/drawingml/2006/main" xmlns:r="http://schemas.openxmlformats.org/officeDocument/2006/relationships" xmlns:p="http://schemas.openxmlformats.org/presentationml/2006/main">
+  <p:cSld>
+    <p:spTree>
+      <p:nvGrpSpPr>
+        <p:cNvPr id="1" name=""/>
+        <p:cNvGrpSpPr/>
+        <p:nvPr/>
+      </p:nvGrpSpPr>
+      <p:grpSpPr>
+        <a:xfrm>
+          <a:off x="0" y="0"/>
+          <a:ext cx="0" cy="0"/>
+          <a:chOff x="0" y="0"/>
+          <a:chExt cx="0" cy="0"/>
+        </a:xfrm>
+      </p:grpSpPr>
+      <p:sp>
+        <p:nvSpPr>
+          <p:cNvPr id="2" name="Title 1"/>
+          <p:cNvSpPr>
+            <a:spLocks noGrp="1"/>
+          </p:cNvSpPr>
+          <p:nvPr>
+            <p:ph type="title"/>
+          </p:nvPr>
+        </p:nvSpPr>
+        <p:spPr/>
+        <p:txBody>
+          <a:bodyPr/>
+          <a:lstStyle/>
+          <a:p>
+            <a:endParaRPr lang="en-US"/>
+          </a:p>
+        </p:txBody>
+      </p:sp>
+      <p:sp>
+        <p:nvSpPr>
+          <p:cNvPr id="3" name="Content Placeholder 2"/>
+          <p:cNvSpPr>
+            <a:spLocks noGrp="1"/>
+          </p:cNvSpPr>
+          <p:nvPr>
+            <p:ph idx="1"/>
+          </p:nvPr>
+        </p:nvSpPr>
+        <p:spPr/>
+        <p:txBody>
+          <a:bodyPr/>
+          <a:lstStyle/>
+          <a:p>
+            <a:endParaRPr lang="en-US"/>
+          </a:p>
+        </p:txBody>
+      </p:sp>
+    </p:spTree>
+  </p:cSld>
+  <p:clrMapOvr>
+    <a:masterClrMapping/>
+  </p:clrMapOvr>
+</p:sld>
+</file>
+
+<file path=ppt/slides/slide52.xml><?xml version="1.0" encoding="utf-8"?>
+<p:sld xmlns:a="http://schemas.openxmlformats.org/drawingml/2006/main" xmlns:r="http://schemas.openxmlformats.org/officeDocument/2006/relationships" xmlns:p="http://schemas.openxmlformats.org/presentationml/2006/main">
+  <p:cSld>
+    <p:spTree>
+      <p:nvGrpSpPr>
+        <p:cNvPr id="1" name=""/>
+        <p:cNvGrpSpPr/>
+        <p:nvPr/>
+      </p:nvGrpSpPr>
+      <p:grpSpPr>
+        <a:xfrm>
+          <a:off x="0" y="0"/>
+          <a:ext cx="0" cy="0"/>
+          <a:chOff x="0" y="0"/>
+          <a:chExt cx="0" cy="0"/>
+        </a:xfrm>
+      </p:grpSpPr>
+      <p:sp>
+        <p:nvSpPr>
+          <p:cNvPr id="2" name="Title 1"/>
+          <p:cNvSpPr>
+            <a:spLocks noGrp="1"/>
+          </p:cNvSpPr>
+          <p:nvPr>
+            <p:ph type="title"/>
+          </p:nvPr>
+        </p:nvSpPr>
+        <p:spPr/>
+        <p:txBody>
+          <a:bodyPr/>
+          <a:lstStyle/>
+          <a:p>
+            <a:endParaRPr lang="en-US"/>
+          </a:p>
+        </p:txBody>
+      </p:sp>
+      <p:sp>
+        <p:nvSpPr>
+          <p:cNvPr id="3" name="Content Placeholder 2"/>
+          <p:cNvSpPr>
+            <a:spLocks noGrp="1"/>
+          </p:cNvSpPr>
+          <p:nvPr>
+            <p:ph idx="1"/>
+          </p:nvPr>
+        </p:nvSpPr>
+        <p:spPr/>
+        <p:txBody>
+          <a:bodyPr/>
+          <a:lstStyle/>
+          <a:p>
+            <a:endParaRPr lang="en-US"/>
+          </a:p>
+        </p:txBody>
+      </p:sp>
+    </p:spTree>
+  </p:cSld>
+  <p:clrMapOvr>
+    <a:masterClrMapping/>
+  </p:clrMapOvr>
+</p:sld>
+</file>
+
+<file path=ppt/slides/slide53.xml><?xml version="1.0" encoding="utf-8"?>
+<p:sld xmlns:a="http://schemas.openxmlformats.org/drawingml/2006/main" xmlns:r="http://schemas.openxmlformats.org/officeDocument/2006/relationships" xmlns:p="http://schemas.openxmlformats.org/presentationml/2006/main">
+  <p:cSld>
+    <p:spTree>
+      <p:nvGrpSpPr>
+        <p:cNvPr id="1" name=""/>
+        <p:cNvGrpSpPr/>
+        <p:nvPr/>
+      </p:nvGrpSpPr>
+      <p:grpSpPr>
+        <a:xfrm>
+          <a:off x="0" y="0"/>
+          <a:ext cx="0" cy="0"/>
+          <a:chOff x="0" y="0"/>
+          <a:chExt cx="0" cy="0"/>
+        </a:xfrm>
+      </p:grpSpPr>
+      <p:sp>
+        <p:nvSpPr>
+          <p:cNvPr id="2" name="Title 1"/>
+          <p:cNvSpPr>
+            <a:spLocks noGrp="1"/>
+          </p:cNvSpPr>
+          <p:nvPr>
+            <p:ph type="title"/>
+          </p:nvPr>
+        </p:nvSpPr>
+        <p:spPr/>
+        <p:txBody>
+          <a:bodyPr/>
+          <a:lstStyle/>
+          <a:p>
+            <a:endParaRPr lang="en-US"/>
+          </a:p>
+        </p:txBody>
+      </p:sp>
+      <p:sp>
+        <p:nvSpPr>
+          <p:cNvPr id="3" name="Content Placeholder 2"/>
+          <p:cNvSpPr>
+            <a:spLocks noGrp="1"/>
+          </p:cNvSpPr>
+          <p:nvPr>
+            <p:ph idx="1"/>
+          </p:nvPr>
+        </p:nvSpPr>
+        <p:spPr/>
+        <p:txBody>
+          <a:bodyPr/>
+          <a:lstStyle/>
+          <a:p>
+            <a:endParaRPr lang="en-US"/>
+          </a:p>
+        </p:txBody>
+      </p:sp>
+    </p:spTree>
+  </p:cSld>
+  <p:clrMapOvr>
+    <a:masterClrMapping/>
+  </p:clrMapOvr>
+</p:sld>
+</file>
+
+<file path=ppt/slides/slide54.xml><?xml version="1.0" encoding="utf-8"?>
+<p:sld xmlns:a="http://schemas.openxmlformats.org/drawingml/2006/main" xmlns:r="http://schemas.openxmlformats.org/officeDocument/2006/relationships" xmlns:p="http://schemas.openxmlformats.org/presentationml/2006/main">
+  <p:cSld>
+    <p:spTree>
+      <p:nvGrpSpPr>
+        <p:cNvPr id="1" name=""/>
+        <p:cNvGrpSpPr/>
+        <p:nvPr/>
+      </p:nvGrpSpPr>
+      <p:grpSpPr>
+        <a:xfrm>
+          <a:off x="0" y="0"/>
+          <a:ext cx="0" cy="0"/>
+          <a:chOff x="0" y="0"/>
+          <a:chExt cx="0" cy="0"/>
+        </a:xfrm>
+      </p:grpSpPr>
+      <p:sp>
+        <p:nvSpPr>
+          <p:cNvPr id="2" name="Title 1"/>
+          <p:cNvSpPr>
+            <a:spLocks noGrp="1"/>
+          </p:cNvSpPr>
+          <p:nvPr>
+            <p:ph type="title"/>
+          </p:nvPr>
+        </p:nvSpPr>
+        <p:spPr/>
+        <p:txBody>
+          <a:bodyPr/>
+          <a:lstStyle/>
+          <a:p>
+            <a:endParaRPr lang="en-US"/>
+          </a:p>
+        </p:txBody>
+      </p:sp>
+      <p:sp>
+        <p:nvSpPr>
+          <p:cNvPr id="3" name="Content Placeholder 2"/>
+          <p:cNvSpPr>
+            <a:spLocks noGrp="1"/>
+          </p:cNvSpPr>
+          <p:nvPr>
+            <p:ph idx="1"/>
+          </p:nvPr>
+        </p:nvSpPr>
+        <p:spPr/>
+        <p:txBody>
+          <a:bodyPr/>
+          <a:lstStyle/>
+          <a:p>
+            <a:endParaRPr lang="en-US"/>
+          </a:p>
+        </p:txBody>
+      </p:sp>
+    </p:spTree>
+  </p:cSld>
+  <p:clrMapOvr>
+    <a:masterClrMapping/>
+  </p:clrMapOvr>
+</p:sld>
+</file>
+
+<file path=ppt/slides/slide55.xml><?xml version="1.0" encoding="utf-8"?>
+<p:sld xmlns:a="http://schemas.openxmlformats.org/drawingml/2006/main" xmlns:r="http://schemas.openxmlformats.org/officeDocument/2006/relationships" xmlns:p="http://schemas.openxmlformats.org/presentationml/2006/main">
+  <p:cSld>
+    <p:spTree>
+      <p:nvGrpSpPr>
+        <p:cNvPr id="1" name=""/>
+        <p:cNvGrpSpPr/>
+        <p:nvPr/>
+      </p:nvGrpSpPr>
+      <p:grpSpPr>
+        <a:xfrm>
+          <a:off x="0" y="0"/>
+          <a:ext cx="0" cy="0"/>
+          <a:chOff x="0" y="0"/>
+          <a:chExt cx="0" cy="0"/>
+        </a:xfrm>
+      </p:grpSpPr>
+      <p:sp>
+        <p:nvSpPr>
+          <p:cNvPr id="2" name="Title 1"/>
+          <p:cNvSpPr>
+            <a:spLocks noGrp="1"/>
+          </p:cNvSpPr>
+          <p:nvPr>
+            <p:ph type="title"/>
+          </p:nvPr>
+        </p:nvSpPr>
+        <p:spPr/>
+        <p:txBody>
+          <a:bodyPr/>
+          <a:lstStyle/>
+          <a:p>
+            <a:endParaRPr lang="en-US"/>
+          </a:p>
+        </p:txBody>
+      </p:sp>
+      <p:sp>
+        <p:nvSpPr>
+          <p:cNvPr id="3" name="Content Placeholder 2"/>
+          <p:cNvSpPr>
+            <a:spLocks noGrp="1"/>
+          </p:cNvSpPr>
+          <p:nvPr>
+            <p:ph idx="1"/>
+          </p:nvPr>
+        </p:nvSpPr>
+        <p:spPr/>
+        <p:txBody>
+          <a:bodyPr/>
+          <a:lstStyle/>
+          <a:p>
+            <a:endParaRPr lang="en-US"/>
+          </a:p>
+        </p:txBody>
+      </p:sp>
+    </p:spTree>
+  </p:cSld>
+  <p:clrMapOvr>
+    <a:masterClrMapping/>
+  </p:clrMapOvr>
+</p:sld>
+</file>
+
+<file path=ppt/slides/slide56.xml><?xml version="1.0" encoding="utf-8"?>
+<p:sld xmlns:a="http://schemas.openxmlformats.org/drawingml/2006/main" xmlns:r="http://schemas.openxmlformats.org/officeDocument/2006/relationships" xmlns:p="http://schemas.openxmlformats.org/presentationml/2006/main">
+  <p:cSld>
+    <p:spTree>
+      <p:nvGrpSpPr>
+        <p:cNvPr id="1" name=""/>
+        <p:cNvGrpSpPr/>
+        <p:nvPr/>
+      </p:nvGrpSpPr>
+      <p:grpSpPr>
+        <a:xfrm>
+          <a:off x="0" y="0"/>
+          <a:ext cx="0" cy="0"/>
+          <a:chOff x="0" y="0"/>
+          <a:chExt cx="0" cy="0"/>
+        </a:xfrm>
+      </p:grpSpPr>
+      <p:sp>
+        <p:nvSpPr>
+          <p:cNvPr id="2" name="Title 1"/>
+          <p:cNvSpPr>
+            <a:spLocks noGrp="1"/>
+          </p:cNvSpPr>
+          <p:nvPr>
+            <p:ph type="title"/>
+          </p:nvPr>
+        </p:nvSpPr>
+        <p:spPr/>
+        <p:txBody>
+          <a:bodyPr/>
+          <a:lstStyle/>
+          <a:p>
+            <a:endParaRPr lang="en-US"/>
+          </a:p>
+        </p:txBody>
+      </p:sp>
+      <p:sp>
+        <p:nvSpPr>
+          <p:cNvPr id="3" name="Content Placeholder 2"/>
+          <p:cNvSpPr>
+            <a:spLocks noGrp="1"/>
+          </p:cNvSpPr>
+          <p:nvPr>
+            <p:ph idx="1"/>
+          </p:nvPr>
+        </p:nvSpPr>
+        <p:spPr/>
+        <p:txBody>
+          <a:bodyPr/>
+          <a:lstStyle/>
+          <a:p>
+            <a:endParaRPr lang="en-US"/>
+          </a:p>
+        </p:txBody>
+      </p:sp>
+    </p:spTree>
+  </p:cSld>
+  <p:clrMapOvr>
+    <a:masterClrMapping/>
+  </p:clrMapOvr>
+</p:sld>
+</file>
+
+<file path=ppt/slides/slide57.xml><?xml version="1.0" encoding="utf-8"?>
+<p:sld xmlns:a="http://schemas.openxmlformats.org/drawingml/2006/main" xmlns:r="http://schemas.openxmlformats.org/officeDocument/2006/relationships" xmlns:p="http://schemas.openxmlformats.org/presentationml/2006/main">
+  <p:cSld>
+    <p:spTree>
+      <p:nvGrpSpPr>
+        <p:cNvPr id="1" name=""/>
+        <p:cNvGrpSpPr/>
+        <p:nvPr/>
+      </p:nvGrpSpPr>
+      <p:grpSpPr>
+        <a:xfrm>
+          <a:off x="0" y="0"/>
+          <a:ext cx="0" cy="0"/>
+          <a:chOff x="0" y="0"/>
+          <a:chExt cx="0" cy="0"/>
+        </a:xfrm>
+      </p:grpSpPr>
+      <p:sp>
+        <p:nvSpPr>
+          <p:cNvPr id="2" name="Title 1"/>
+          <p:cNvSpPr>
+            <a:spLocks noGrp="1"/>
+          </p:cNvSpPr>
+          <p:nvPr>
+            <p:ph type="title"/>
+          </p:nvPr>
+        </p:nvSpPr>
+        <p:spPr/>
+        <p:txBody>
+          <a:bodyPr/>
+          <a:lstStyle/>
+          <a:p>
+            <a:endParaRPr lang="en-US"/>
+          </a:p>
+        </p:txBody>
+      </p:sp>
+      <p:sp>
+        <p:nvSpPr>
+          <p:cNvPr id="3" name="Content Placeholder 2"/>
+          <p:cNvSpPr>
+            <a:spLocks noGrp="1"/>
+          </p:cNvSpPr>
+          <p:nvPr>
+            <p:ph idx="1"/>
+          </p:nvPr>
+        </p:nvSpPr>
+        <p:spPr/>
+        <p:txBody>
+          <a:bodyPr/>
+          <a:lstStyle/>
+          <a:p>
+            <a:endParaRPr lang="en-US"/>
+          </a:p>
+        </p:txBody>
+      </p:sp>
+    </p:spTree>
+  </p:cSld>
+  <p:clrMapOvr>
+    <a:masterClrMapping/>
+  </p:clrMapOvr>
+</p:sld>
+</file>
+
+<file path=ppt/slides/slide58.xml><?xml version="1.0" encoding="utf-8"?>
+<p:sld xmlns:a="http://schemas.openxmlformats.org/drawingml/2006/main" xmlns:r="http://schemas.openxmlformats.org/officeDocument/2006/relationships" xmlns:p="http://schemas.openxmlformats.org/presentationml/2006/main">
+  <p:cSld>
+    <p:spTree>
+      <p:nvGrpSpPr>
+        <p:cNvPr id="1" name=""/>
+        <p:cNvGrpSpPr/>
+        <p:nvPr/>
+      </p:nvGrpSpPr>
+      <p:grpSpPr>
+        <a:xfrm>
+          <a:off x="0" y="0"/>
+          <a:ext cx="0" cy="0"/>
+          <a:chOff x="0" y="0"/>
+          <a:chExt cx="0" cy="0"/>
+        </a:xfrm>
+      </p:grpSpPr>
+      <p:sp>
+        <p:nvSpPr>
+          <p:cNvPr id="2" name="Title 1"/>
+          <p:cNvSpPr>
+            <a:spLocks noGrp="1"/>
+          </p:cNvSpPr>
+          <p:nvPr>
+            <p:ph type="title"/>
+          </p:nvPr>
+        </p:nvSpPr>
+        <p:spPr/>
+        <p:txBody>
+          <a:bodyPr/>
+          <a:lstStyle/>
+          <a:p>
+            <a:endParaRPr lang="en-US"/>
+          </a:p>
+        </p:txBody>
+      </p:sp>
+      <p:sp>
+        <p:nvSpPr>
+          <p:cNvPr id="3" name="Content Placeholder 2"/>
+          <p:cNvSpPr>
+            <a:spLocks noGrp="1"/>
+          </p:cNvSpPr>
+          <p:nvPr>
+            <p:ph idx="1"/>
+          </p:nvPr>
+        </p:nvSpPr>
+        <p:spPr/>
+        <p:txBody>
+          <a:bodyPr/>
+          <a:lstStyle/>
+          <a:p>
+            <a:endParaRPr lang="en-US"/>
+          </a:p>
+        </p:txBody>
+      </p:sp>
+    </p:spTree>
+  </p:cSld>
+  <p:clrMapOvr>
+    <a:masterClrMapping/>
+  </p:clrMapOvr>
+</p:sld>
+</file>
+
+<file path=ppt/slides/slide59.xml><?xml version="1.0" encoding="utf-8"?>
+<p:sld xmlns:a="http://schemas.openxmlformats.org/drawingml/2006/main" xmlns:r="http://schemas.openxmlformats.org/officeDocument/2006/relationships" xmlns:p="http://schemas.openxmlformats.org/presentationml/2006/main">
+  <p:cSld>
+    <p:spTree>
+      <p:nvGrpSpPr>
+        <p:cNvPr id="1" name=""/>
+        <p:cNvGrpSpPr/>
+        <p:nvPr/>
+      </p:nvGrpSpPr>
+      <p:grpSpPr>
+        <a:xfrm>
+          <a:off x="0" y="0"/>
+          <a:ext cx="0" cy="0"/>
+          <a:chOff x="0" y="0"/>
+          <a:chExt cx="0" cy="0"/>
+        </a:xfrm>
+      </p:grpSpPr>
+      <p:sp>
+        <p:nvSpPr>
+          <p:cNvPr id="2" name="Title 1"/>
+          <p:cNvSpPr>
+            <a:spLocks noGrp="1"/>
+          </p:cNvSpPr>
+          <p:nvPr>
+            <p:ph type="title"/>
+          </p:nvPr>
+        </p:nvSpPr>
+        <p:spPr/>
+        <p:txBody>
+          <a:bodyPr/>
+          <a:lstStyle/>
+          <a:p>
+            <a:endParaRPr lang="en-US"/>
+          </a:p>
+        </p:txBody>
+      </p:sp>
+      <p:sp>
+        <p:nvSpPr>
+          <p:cNvPr id="3" name="Content Placeholder 2"/>
+          <p:cNvSpPr>
+            <a:spLocks noGrp="1"/>
+          </p:cNvSpPr>
+          <p:nvPr>
+            <p:ph idx="1"/>
+          </p:nvPr>
+        </p:nvSpPr>
+        <p:spPr/>
+        <p:txBody>
+          <a:bodyPr/>
+          <a:lstStyle/>
+          <a:p>
+            <a:endParaRPr lang="en-US"/>
+          </a:p>
+        </p:txBody>
+      </p:sp>
+    </p:spTree>
+  </p:cSld>
+  <p:clrMapOvr>
+    <a:masterClrMapping/>
+  </p:clrMapOvr>
+</p:sld>
+</file>
+
 <file path=ppt/slides/slide6.xml><?xml version="1.0" encoding="utf-8"?>
 <p:sld xmlns:a="http://schemas.openxmlformats.org/drawingml/2006/main" xmlns:r="http://schemas.openxmlformats.org/officeDocument/2006/relationships" xmlns:p="http://schemas.openxmlformats.org/presentationml/2006/main">
   <p:cSld>
@@ -4923,6 +8766,636 @@
               <a:t>Other Engines</a:t>
             </a:r>
             <a:endParaRPr lang="en-US" dirty="0"/>
+          </a:p>
+        </p:txBody>
+      </p:sp>
+      <p:sp>
+        <p:nvSpPr>
+          <p:cNvPr id="3" name="Content Placeholder 2"/>
+          <p:cNvSpPr>
+            <a:spLocks noGrp="1"/>
+          </p:cNvSpPr>
+          <p:nvPr>
+            <p:ph idx="1"/>
+          </p:nvPr>
+        </p:nvSpPr>
+        <p:spPr/>
+        <p:txBody>
+          <a:bodyPr/>
+          <a:lstStyle/>
+          <a:p>
+            <a:endParaRPr lang="en-US"/>
+          </a:p>
+        </p:txBody>
+      </p:sp>
+    </p:spTree>
+  </p:cSld>
+  <p:clrMapOvr>
+    <a:masterClrMapping/>
+  </p:clrMapOvr>
+</p:sld>
+</file>
+
+<file path=ppt/slides/slide60.xml><?xml version="1.0" encoding="utf-8"?>
+<p:sld xmlns:a="http://schemas.openxmlformats.org/drawingml/2006/main" xmlns:r="http://schemas.openxmlformats.org/officeDocument/2006/relationships" xmlns:p="http://schemas.openxmlformats.org/presentationml/2006/main">
+  <p:cSld>
+    <p:spTree>
+      <p:nvGrpSpPr>
+        <p:cNvPr id="1" name=""/>
+        <p:cNvGrpSpPr/>
+        <p:nvPr/>
+      </p:nvGrpSpPr>
+      <p:grpSpPr>
+        <a:xfrm>
+          <a:off x="0" y="0"/>
+          <a:ext cx="0" cy="0"/>
+          <a:chOff x="0" y="0"/>
+          <a:chExt cx="0" cy="0"/>
+        </a:xfrm>
+      </p:grpSpPr>
+      <p:sp>
+        <p:nvSpPr>
+          <p:cNvPr id="2" name="Title 1"/>
+          <p:cNvSpPr>
+            <a:spLocks noGrp="1"/>
+          </p:cNvSpPr>
+          <p:nvPr>
+            <p:ph type="title"/>
+          </p:nvPr>
+        </p:nvSpPr>
+        <p:spPr/>
+        <p:txBody>
+          <a:bodyPr/>
+          <a:lstStyle/>
+          <a:p>
+            <a:endParaRPr lang="en-US"/>
+          </a:p>
+        </p:txBody>
+      </p:sp>
+      <p:sp>
+        <p:nvSpPr>
+          <p:cNvPr id="3" name="Content Placeholder 2"/>
+          <p:cNvSpPr>
+            <a:spLocks noGrp="1"/>
+          </p:cNvSpPr>
+          <p:nvPr>
+            <p:ph idx="1"/>
+          </p:nvPr>
+        </p:nvSpPr>
+        <p:spPr/>
+        <p:txBody>
+          <a:bodyPr/>
+          <a:lstStyle/>
+          <a:p>
+            <a:endParaRPr lang="en-US"/>
+          </a:p>
+        </p:txBody>
+      </p:sp>
+    </p:spTree>
+  </p:cSld>
+  <p:clrMapOvr>
+    <a:masterClrMapping/>
+  </p:clrMapOvr>
+</p:sld>
+</file>
+
+<file path=ppt/slides/slide61.xml><?xml version="1.0" encoding="utf-8"?>
+<p:sld xmlns:a="http://schemas.openxmlformats.org/drawingml/2006/main" xmlns:r="http://schemas.openxmlformats.org/officeDocument/2006/relationships" xmlns:p="http://schemas.openxmlformats.org/presentationml/2006/main">
+  <p:cSld>
+    <p:spTree>
+      <p:nvGrpSpPr>
+        <p:cNvPr id="1" name=""/>
+        <p:cNvGrpSpPr/>
+        <p:nvPr/>
+      </p:nvGrpSpPr>
+      <p:grpSpPr>
+        <a:xfrm>
+          <a:off x="0" y="0"/>
+          <a:ext cx="0" cy="0"/>
+          <a:chOff x="0" y="0"/>
+          <a:chExt cx="0" cy="0"/>
+        </a:xfrm>
+      </p:grpSpPr>
+      <p:sp>
+        <p:nvSpPr>
+          <p:cNvPr id="2" name="Title 1"/>
+          <p:cNvSpPr>
+            <a:spLocks noGrp="1"/>
+          </p:cNvSpPr>
+          <p:nvPr>
+            <p:ph type="title"/>
+          </p:nvPr>
+        </p:nvSpPr>
+        <p:spPr/>
+        <p:txBody>
+          <a:bodyPr/>
+          <a:lstStyle/>
+          <a:p>
+            <a:endParaRPr lang="en-US"/>
+          </a:p>
+        </p:txBody>
+      </p:sp>
+      <p:sp>
+        <p:nvSpPr>
+          <p:cNvPr id="3" name="Content Placeholder 2"/>
+          <p:cNvSpPr>
+            <a:spLocks noGrp="1"/>
+          </p:cNvSpPr>
+          <p:nvPr>
+            <p:ph idx="1"/>
+          </p:nvPr>
+        </p:nvSpPr>
+        <p:spPr/>
+        <p:txBody>
+          <a:bodyPr/>
+          <a:lstStyle/>
+          <a:p>
+            <a:endParaRPr lang="en-US"/>
+          </a:p>
+        </p:txBody>
+      </p:sp>
+    </p:spTree>
+  </p:cSld>
+  <p:clrMapOvr>
+    <a:masterClrMapping/>
+  </p:clrMapOvr>
+</p:sld>
+</file>
+
+<file path=ppt/slides/slide62.xml><?xml version="1.0" encoding="utf-8"?>
+<p:sld xmlns:a="http://schemas.openxmlformats.org/drawingml/2006/main" xmlns:r="http://schemas.openxmlformats.org/officeDocument/2006/relationships" xmlns:p="http://schemas.openxmlformats.org/presentationml/2006/main">
+  <p:cSld>
+    <p:spTree>
+      <p:nvGrpSpPr>
+        <p:cNvPr id="1" name=""/>
+        <p:cNvGrpSpPr/>
+        <p:nvPr/>
+      </p:nvGrpSpPr>
+      <p:grpSpPr>
+        <a:xfrm>
+          <a:off x="0" y="0"/>
+          <a:ext cx="0" cy="0"/>
+          <a:chOff x="0" y="0"/>
+          <a:chExt cx="0" cy="0"/>
+        </a:xfrm>
+      </p:grpSpPr>
+      <p:sp>
+        <p:nvSpPr>
+          <p:cNvPr id="2" name="Title 1"/>
+          <p:cNvSpPr>
+            <a:spLocks noGrp="1"/>
+          </p:cNvSpPr>
+          <p:nvPr>
+            <p:ph type="title"/>
+          </p:nvPr>
+        </p:nvSpPr>
+        <p:spPr/>
+        <p:txBody>
+          <a:bodyPr/>
+          <a:lstStyle/>
+          <a:p>
+            <a:endParaRPr lang="en-US"/>
+          </a:p>
+        </p:txBody>
+      </p:sp>
+      <p:sp>
+        <p:nvSpPr>
+          <p:cNvPr id="3" name="Content Placeholder 2"/>
+          <p:cNvSpPr>
+            <a:spLocks noGrp="1"/>
+          </p:cNvSpPr>
+          <p:nvPr>
+            <p:ph idx="1"/>
+          </p:nvPr>
+        </p:nvSpPr>
+        <p:spPr/>
+        <p:txBody>
+          <a:bodyPr/>
+          <a:lstStyle/>
+          <a:p>
+            <a:endParaRPr lang="en-US"/>
+          </a:p>
+        </p:txBody>
+      </p:sp>
+    </p:spTree>
+  </p:cSld>
+  <p:clrMapOvr>
+    <a:masterClrMapping/>
+  </p:clrMapOvr>
+</p:sld>
+</file>
+
+<file path=ppt/slides/slide63.xml><?xml version="1.0" encoding="utf-8"?>
+<p:sld xmlns:a="http://schemas.openxmlformats.org/drawingml/2006/main" xmlns:r="http://schemas.openxmlformats.org/officeDocument/2006/relationships" xmlns:p="http://schemas.openxmlformats.org/presentationml/2006/main">
+  <p:cSld>
+    <p:spTree>
+      <p:nvGrpSpPr>
+        <p:cNvPr id="1" name=""/>
+        <p:cNvGrpSpPr/>
+        <p:nvPr/>
+      </p:nvGrpSpPr>
+      <p:grpSpPr>
+        <a:xfrm>
+          <a:off x="0" y="0"/>
+          <a:ext cx="0" cy="0"/>
+          <a:chOff x="0" y="0"/>
+          <a:chExt cx="0" cy="0"/>
+        </a:xfrm>
+      </p:grpSpPr>
+      <p:sp>
+        <p:nvSpPr>
+          <p:cNvPr id="2" name="Title 1"/>
+          <p:cNvSpPr>
+            <a:spLocks noGrp="1"/>
+          </p:cNvSpPr>
+          <p:nvPr>
+            <p:ph type="title"/>
+          </p:nvPr>
+        </p:nvSpPr>
+        <p:spPr/>
+        <p:txBody>
+          <a:bodyPr/>
+          <a:lstStyle/>
+          <a:p>
+            <a:endParaRPr lang="en-US"/>
+          </a:p>
+        </p:txBody>
+      </p:sp>
+      <p:sp>
+        <p:nvSpPr>
+          <p:cNvPr id="3" name="Content Placeholder 2"/>
+          <p:cNvSpPr>
+            <a:spLocks noGrp="1"/>
+          </p:cNvSpPr>
+          <p:nvPr>
+            <p:ph idx="1"/>
+          </p:nvPr>
+        </p:nvSpPr>
+        <p:spPr/>
+        <p:txBody>
+          <a:bodyPr/>
+          <a:lstStyle/>
+          <a:p>
+            <a:endParaRPr lang="en-US"/>
+          </a:p>
+        </p:txBody>
+      </p:sp>
+    </p:spTree>
+  </p:cSld>
+  <p:clrMapOvr>
+    <a:masterClrMapping/>
+  </p:clrMapOvr>
+</p:sld>
+</file>
+
+<file path=ppt/slides/slide64.xml><?xml version="1.0" encoding="utf-8"?>
+<p:sld xmlns:a="http://schemas.openxmlformats.org/drawingml/2006/main" xmlns:r="http://schemas.openxmlformats.org/officeDocument/2006/relationships" xmlns:p="http://schemas.openxmlformats.org/presentationml/2006/main">
+  <p:cSld>
+    <p:spTree>
+      <p:nvGrpSpPr>
+        <p:cNvPr id="1" name=""/>
+        <p:cNvGrpSpPr/>
+        <p:nvPr/>
+      </p:nvGrpSpPr>
+      <p:grpSpPr>
+        <a:xfrm>
+          <a:off x="0" y="0"/>
+          <a:ext cx="0" cy="0"/>
+          <a:chOff x="0" y="0"/>
+          <a:chExt cx="0" cy="0"/>
+        </a:xfrm>
+      </p:grpSpPr>
+      <p:sp>
+        <p:nvSpPr>
+          <p:cNvPr id="2" name="Title 1"/>
+          <p:cNvSpPr>
+            <a:spLocks noGrp="1"/>
+          </p:cNvSpPr>
+          <p:nvPr>
+            <p:ph type="title"/>
+          </p:nvPr>
+        </p:nvSpPr>
+        <p:spPr/>
+        <p:txBody>
+          <a:bodyPr/>
+          <a:lstStyle/>
+          <a:p>
+            <a:endParaRPr lang="en-US"/>
+          </a:p>
+        </p:txBody>
+      </p:sp>
+      <p:sp>
+        <p:nvSpPr>
+          <p:cNvPr id="3" name="Content Placeholder 2"/>
+          <p:cNvSpPr>
+            <a:spLocks noGrp="1"/>
+          </p:cNvSpPr>
+          <p:nvPr>
+            <p:ph idx="1"/>
+          </p:nvPr>
+        </p:nvSpPr>
+        <p:spPr/>
+        <p:txBody>
+          <a:bodyPr/>
+          <a:lstStyle/>
+          <a:p>
+            <a:endParaRPr lang="en-US"/>
+          </a:p>
+        </p:txBody>
+      </p:sp>
+    </p:spTree>
+  </p:cSld>
+  <p:clrMapOvr>
+    <a:masterClrMapping/>
+  </p:clrMapOvr>
+</p:sld>
+</file>
+
+<file path=ppt/slides/slide65.xml><?xml version="1.0" encoding="utf-8"?>
+<p:sld xmlns:a="http://schemas.openxmlformats.org/drawingml/2006/main" xmlns:r="http://schemas.openxmlformats.org/officeDocument/2006/relationships" xmlns:p="http://schemas.openxmlformats.org/presentationml/2006/main">
+  <p:cSld>
+    <p:spTree>
+      <p:nvGrpSpPr>
+        <p:cNvPr id="1" name=""/>
+        <p:cNvGrpSpPr/>
+        <p:nvPr/>
+      </p:nvGrpSpPr>
+      <p:grpSpPr>
+        <a:xfrm>
+          <a:off x="0" y="0"/>
+          <a:ext cx="0" cy="0"/>
+          <a:chOff x="0" y="0"/>
+          <a:chExt cx="0" cy="0"/>
+        </a:xfrm>
+      </p:grpSpPr>
+      <p:sp>
+        <p:nvSpPr>
+          <p:cNvPr id="2" name="Title 1"/>
+          <p:cNvSpPr>
+            <a:spLocks noGrp="1"/>
+          </p:cNvSpPr>
+          <p:nvPr>
+            <p:ph type="title"/>
+          </p:nvPr>
+        </p:nvSpPr>
+        <p:spPr/>
+        <p:txBody>
+          <a:bodyPr/>
+          <a:lstStyle/>
+          <a:p>
+            <a:endParaRPr lang="en-US"/>
+          </a:p>
+        </p:txBody>
+      </p:sp>
+      <p:sp>
+        <p:nvSpPr>
+          <p:cNvPr id="3" name="Content Placeholder 2"/>
+          <p:cNvSpPr>
+            <a:spLocks noGrp="1"/>
+          </p:cNvSpPr>
+          <p:nvPr>
+            <p:ph idx="1"/>
+          </p:nvPr>
+        </p:nvSpPr>
+        <p:spPr/>
+        <p:txBody>
+          <a:bodyPr/>
+          <a:lstStyle/>
+          <a:p>
+            <a:endParaRPr lang="en-US"/>
+          </a:p>
+        </p:txBody>
+      </p:sp>
+    </p:spTree>
+  </p:cSld>
+  <p:clrMapOvr>
+    <a:masterClrMapping/>
+  </p:clrMapOvr>
+</p:sld>
+</file>
+
+<file path=ppt/slides/slide66.xml><?xml version="1.0" encoding="utf-8"?>
+<p:sld xmlns:a="http://schemas.openxmlformats.org/drawingml/2006/main" xmlns:r="http://schemas.openxmlformats.org/officeDocument/2006/relationships" xmlns:p="http://schemas.openxmlformats.org/presentationml/2006/main">
+  <p:cSld>
+    <p:spTree>
+      <p:nvGrpSpPr>
+        <p:cNvPr id="1" name=""/>
+        <p:cNvGrpSpPr/>
+        <p:nvPr/>
+      </p:nvGrpSpPr>
+      <p:grpSpPr>
+        <a:xfrm>
+          <a:off x="0" y="0"/>
+          <a:ext cx="0" cy="0"/>
+          <a:chOff x="0" y="0"/>
+          <a:chExt cx="0" cy="0"/>
+        </a:xfrm>
+      </p:grpSpPr>
+      <p:sp>
+        <p:nvSpPr>
+          <p:cNvPr id="2" name="Title 1"/>
+          <p:cNvSpPr>
+            <a:spLocks noGrp="1"/>
+          </p:cNvSpPr>
+          <p:nvPr>
+            <p:ph type="title"/>
+          </p:nvPr>
+        </p:nvSpPr>
+        <p:spPr/>
+        <p:txBody>
+          <a:bodyPr/>
+          <a:lstStyle/>
+          <a:p>
+            <a:endParaRPr lang="en-US"/>
+          </a:p>
+        </p:txBody>
+      </p:sp>
+      <p:sp>
+        <p:nvSpPr>
+          <p:cNvPr id="3" name="Content Placeholder 2"/>
+          <p:cNvSpPr>
+            <a:spLocks noGrp="1"/>
+          </p:cNvSpPr>
+          <p:nvPr>
+            <p:ph idx="1"/>
+          </p:nvPr>
+        </p:nvSpPr>
+        <p:spPr/>
+        <p:txBody>
+          <a:bodyPr/>
+          <a:lstStyle/>
+          <a:p>
+            <a:endParaRPr lang="en-US"/>
+          </a:p>
+        </p:txBody>
+      </p:sp>
+    </p:spTree>
+  </p:cSld>
+  <p:clrMapOvr>
+    <a:masterClrMapping/>
+  </p:clrMapOvr>
+</p:sld>
+</file>
+
+<file path=ppt/slides/slide67.xml><?xml version="1.0" encoding="utf-8"?>
+<p:sld xmlns:a="http://schemas.openxmlformats.org/drawingml/2006/main" xmlns:r="http://schemas.openxmlformats.org/officeDocument/2006/relationships" xmlns:p="http://schemas.openxmlformats.org/presentationml/2006/main">
+  <p:cSld>
+    <p:spTree>
+      <p:nvGrpSpPr>
+        <p:cNvPr id="1" name=""/>
+        <p:cNvGrpSpPr/>
+        <p:nvPr/>
+      </p:nvGrpSpPr>
+      <p:grpSpPr>
+        <a:xfrm>
+          <a:off x="0" y="0"/>
+          <a:ext cx="0" cy="0"/>
+          <a:chOff x="0" y="0"/>
+          <a:chExt cx="0" cy="0"/>
+        </a:xfrm>
+      </p:grpSpPr>
+      <p:sp>
+        <p:nvSpPr>
+          <p:cNvPr id="2" name="Title 1"/>
+          <p:cNvSpPr>
+            <a:spLocks noGrp="1"/>
+          </p:cNvSpPr>
+          <p:nvPr>
+            <p:ph type="title"/>
+          </p:nvPr>
+        </p:nvSpPr>
+        <p:spPr/>
+        <p:txBody>
+          <a:bodyPr/>
+          <a:lstStyle/>
+          <a:p>
+            <a:endParaRPr lang="en-US"/>
+          </a:p>
+        </p:txBody>
+      </p:sp>
+      <p:sp>
+        <p:nvSpPr>
+          <p:cNvPr id="3" name="Content Placeholder 2"/>
+          <p:cNvSpPr>
+            <a:spLocks noGrp="1"/>
+          </p:cNvSpPr>
+          <p:nvPr>
+            <p:ph idx="1"/>
+          </p:nvPr>
+        </p:nvSpPr>
+        <p:spPr/>
+        <p:txBody>
+          <a:bodyPr/>
+          <a:lstStyle/>
+          <a:p>
+            <a:endParaRPr lang="en-US"/>
+          </a:p>
+        </p:txBody>
+      </p:sp>
+    </p:spTree>
+  </p:cSld>
+  <p:clrMapOvr>
+    <a:masterClrMapping/>
+  </p:clrMapOvr>
+</p:sld>
+</file>
+
+<file path=ppt/slides/slide68.xml><?xml version="1.0" encoding="utf-8"?>
+<p:sld xmlns:a="http://schemas.openxmlformats.org/drawingml/2006/main" xmlns:r="http://schemas.openxmlformats.org/officeDocument/2006/relationships" xmlns:p="http://schemas.openxmlformats.org/presentationml/2006/main">
+  <p:cSld>
+    <p:spTree>
+      <p:nvGrpSpPr>
+        <p:cNvPr id="1" name=""/>
+        <p:cNvGrpSpPr/>
+        <p:nvPr/>
+      </p:nvGrpSpPr>
+      <p:grpSpPr>
+        <a:xfrm>
+          <a:off x="0" y="0"/>
+          <a:ext cx="0" cy="0"/>
+          <a:chOff x="0" y="0"/>
+          <a:chExt cx="0" cy="0"/>
+        </a:xfrm>
+      </p:grpSpPr>
+      <p:sp>
+        <p:nvSpPr>
+          <p:cNvPr id="2" name="Title 1"/>
+          <p:cNvSpPr>
+            <a:spLocks noGrp="1"/>
+          </p:cNvSpPr>
+          <p:nvPr>
+            <p:ph type="title"/>
+          </p:nvPr>
+        </p:nvSpPr>
+        <p:spPr/>
+        <p:txBody>
+          <a:bodyPr/>
+          <a:lstStyle/>
+          <a:p>
+            <a:endParaRPr lang="en-US"/>
+          </a:p>
+        </p:txBody>
+      </p:sp>
+      <p:sp>
+        <p:nvSpPr>
+          <p:cNvPr id="3" name="Content Placeholder 2"/>
+          <p:cNvSpPr>
+            <a:spLocks noGrp="1"/>
+          </p:cNvSpPr>
+          <p:nvPr>
+            <p:ph idx="1"/>
+          </p:nvPr>
+        </p:nvSpPr>
+        <p:spPr/>
+        <p:txBody>
+          <a:bodyPr/>
+          <a:lstStyle/>
+          <a:p>
+            <a:endParaRPr lang="en-US"/>
+          </a:p>
+        </p:txBody>
+      </p:sp>
+    </p:spTree>
+  </p:cSld>
+  <p:clrMapOvr>
+    <a:masterClrMapping/>
+  </p:clrMapOvr>
+</p:sld>
+</file>
+
+<file path=ppt/slides/slide69.xml><?xml version="1.0" encoding="utf-8"?>
+<p:sld xmlns:a="http://schemas.openxmlformats.org/drawingml/2006/main" xmlns:r="http://schemas.openxmlformats.org/officeDocument/2006/relationships" xmlns:p="http://schemas.openxmlformats.org/presentationml/2006/main">
+  <p:cSld>
+    <p:spTree>
+      <p:nvGrpSpPr>
+        <p:cNvPr id="1" name=""/>
+        <p:cNvGrpSpPr/>
+        <p:nvPr/>
+      </p:nvGrpSpPr>
+      <p:grpSpPr>
+        <a:xfrm>
+          <a:off x="0" y="0"/>
+          <a:ext cx="0" cy="0"/>
+          <a:chOff x="0" y="0"/>
+          <a:chExt cx="0" cy="0"/>
+        </a:xfrm>
+      </p:grpSpPr>
+      <p:sp>
+        <p:nvSpPr>
+          <p:cNvPr id="2" name="Title 1"/>
+          <p:cNvSpPr>
+            <a:spLocks noGrp="1"/>
+          </p:cNvSpPr>
+          <p:nvPr>
+            <p:ph type="title"/>
+          </p:nvPr>
+        </p:nvSpPr>
+        <p:spPr/>
+        <p:txBody>
+          <a:bodyPr/>
+          <a:lstStyle/>
+          <a:p>
+            <a:endParaRPr lang="en-US"/>
           </a:p>
         </p:txBody>
       </p:sp>
@@ -5016,6 +9489,636 @@
 </p:sld>
 </file>
 
+<file path=ppt/slides/slide70.xml><?xml version="1.0" encoding="utf-8"?>
+<p:sld xmlns:a="http://schemas.openxmlformats.org/drawingml/2006/main" xmlns:r="http://schemas.openxmlformats.org/officeDocument/2006/relationships" xmlns:p="http://schemas.openxmlformats.org/presentationml/2006/main">
+  <p:cSld>
+    <p:spTree>
+      <p:nvGrpSpPr>
+        <p:cNvPr id="1" name=""/>
+        <p:cNvGrpSpPr/>
+        <p:nvPr/>
+      </p:nvGrpSpPr>
+      <p:grpSpPr>
+        <a:xfrm>
+          <a:off x="0" y="0"/>
+          <a:ext cx="0" cy="0"/>
+          <a:chOff x="0" y="0"/>
+          <a:chExt cx="0" cy="0"/>
+        </a:xfrm>
+      </p:grpSpPr>
+      <p:sp>
+        <p:nvSpPr>
+          <p:cNvPr id="2" name="Title 1"/>
+          <p:cNvSpPr>
+            <a:spLocks noGrp="1"/>
+          </p:cNvSpPr>
+          <p:nvPr>
+            <p:ph type="title"/>
+          </p:nvPr>
+        </p:nvSpPr>
+        <p:spPr/>
+        <p:txBody>
+          <a:bodyPr/>
+          <a:lstStyle/>
+          <a:p>
+            <a:endParaRPr lang="en-US"/>
+          </a:p>
+        </p:txBody>
+      </p:sp>
+      <p:sp>
+        <p:nvSpPr>
+          <p:cNvPr id="3" name="Content Placeholder 2"/>
+          <p:cNvSpPr>
+            <a:spLocks noGrp="1"/>
+          </p:cNvSpPr>
+          <p:nvPr>
+            <p:ph idx="1"/>
+          </p:nvPr>
+        </p:nvSpPr>
+        <p:spPr/>
+        <p:txBody>
+          <a:bodyPr/>
+          <a:lstStyle/>
+          <a:p>
+            <a:endParaRPr lang="en-US"/>
+          </a:p>
+        </p:txBody>
+      </p:sp>
+    </p:spTree>
+  </p:cSld>
+  <p:clrMapOvr>
+    <a:masterClrMapping/>
+  </p:clrMapOvr>
+</p:sld>
+</file>
+
+<file path=ppt/slides/slide71.xml><?xml version="1.0" encoding="utf-8"?>
+<p:sld xmlns:a="http://schemas.openxmlformats.org/drawingml/2006/main" xmlns:r="http://schemas.openxmlformats.org/officeDocument/2006/relationships" xmlns:p="http://schemas.openxmlformats.org/presentationml/2006/main">
+  <p:cSld>
+    <p:spTree>
+      <p:nvGrpSpPr>
+        <p:cNvPr id="1" name=""/>
+        <p:cNvGrpSpPr/>
+        <p:nvPr/>
+      </p:nvGrpSpPr>
+      <p:grpSpPr>
+        <a:xfrm>
+          <a:off x="0" y="0"/>
+          <a:ext cx="0" cy="0"/>
+          <a:chOff x="0" y="0"/>
+          <a:chExt cx="0" cy="0"/>
+        </a:xfrm>
+      </p:grpSpPr>
+      <p:sp>
+        <p:nvSpPr>
+          <p:cNvPr id="2" name="Title 1"/>
+          <p:cNvSpPr>
+            <a:spLocks noGrp="1"/>
+          </p:cNvSpPr>
+          <p:nvPr>
+            <p:ph type="title"/>
+          </p:nvPr>
+        </p:nvSpPr>
+        <p:spPr/>
+        <p:txBody>
+          <a:bodyPr/>
+          <a:lstStyle/>
+          <a:p>
+            <a:endParaRPr lang="en-US"/>
+          </a:p>
+        </p:txBody>
+      </p:sp>
+      <p:sp>
+        <p:nvSpPr>
+          <p:cNvPr id="3" name="Content Placeholder 2"/>
+          <p:cNvSpPr>
+            <a:spLocks noGrp="1"/>
+          </p:cNvSpPr>
+          <p:nvPr>
+            <p:ph idx="1"/>
+          </p:nvPr>
+        </p:nvSpPr>
+        <p:spPr/>
+        <p:txBody>
+          <a:bodyPr/>
+          <a:lstStyle/>
+          <a:p>
+            <a:endParaRPr lang="en-US"/>
+          </a:p>
+        </p:txBody>
+      </p:sp>
+    </p:spTree>
+  </p:cSld>
+  <p:clrMapOvr>
+    <a:masterClrMapping/>
+  </p:clrMapOvr>
+</p:sld>
+</file>
+
+<file path=ppt/slides/slide72.xml><?xml version="1.0" encoding="utf-8"?>
+<p:sld xmlns:a="http://schemas.openxmlformats.org/drawingml/2006/main" xmlns:r="http://schemas.openxmlformats.org/officeDocument/2006/relationships" xmlns:p="http://schemas.openxmlformats.org/presentationml/2006/main">
+  <p:cSld>
+    <p:spTree>
+      <p:nvGrpSpPr>
+        <p:cNvPr id="1" name=""/>
+        <p:cNvGrpSpPr/>
+        <p:nvPr/>
+      </p:nvGrpSpPr>
+      <p:grpSpPr>
+        <a:xfrm>
+          <a:off x="0" y="0"/>
+          <a:ext cx="0" cy="0"/>
+          <a:chOff x="0" y="0"/>
+          <a:chExt cx="0" cy="0"/>
+        </a:xfrm>
+      </p:grpSpPr>
+      <p:sp>
+        <p:nvSpPr>
+          <p:cNvPr id="2" name="Title 1"/>
+          <p:cNvSpPr>
+            <a:spLocks noGrp="1"/>
+          </p:cNvSpPr>
+          <p:nvPr>
+            <p:ph type="title"/>
+          </p:nvPr>
+        </p:nvSpPr>
+        <p:spPr/>
+        <p:txBody>
+          <a:bodyPr/>
+          <a:lstStyle/>
+          <a:p>
+            <a:endParaRPr lang="en-US"/>
+          </a:p>
+        </p:txBody>
+      </p:sp>
+      <p:sp>
+        <p:nvSpPr>
+          <p:cNvPr id="3" name="Content Placeholder 2"/>
+          <p:cNvSpPr>
+            <a:spLocks noGrp="1"/>
+          </p:cNvSpPr>
+          <p:nvPr>
+            <p:ph idx="1"/>
+          </p:nvPr>
+        </p:nvSpPr>
+        <p:spPr/>
+        <p:txBody>
+          <a:bodyPr/>
+          <a:lstStyle/>
+          <a:p>
+            <a:endParaRPr lang="en-US"/>
+          </a:p>
+        </p:txBody>
+      </p:sp>
+    </p:spTree>
+  </p:cSld>
+  <p:clrMapOvr>
+    <a:masterClrMapping/>
+  </p:clrMapOvr>
+</p:sld>
+</file>
+
+<file path=ppt/slides/slide73.xml><?xml version="1.0" encoding="utf-8"?>
+<p:sld xmlns:a="http://schemas.openxmlformats.org/drawingml/2006/main" xmlns:r="http://schemas.openxmlformats.org/officeDocument/2006/relationships" xmlns:p="http://schemas.openxmlformats.org/presentationml/2006/main">
+  <p:cSld>
+    <p:spTree>
+      <p:nvGrpSpPr>
+        <p:cNvPr id="1" name=""/>
+        <p:cNvGrpSpPr/>
+        <p:nvPr/>
+      </p:nvGrpSpPr>
+      <p:grpSpPr>
+        <a:xfrm>
+          <a:off x="0" y="0"/>
+          <a:ext cx="0" cy="0"/>
+          <a:chOff x="0" y="0"/>
+          <a:chExt cx="0" cy="0"/>
+        </a:xfrm>
+      </p:grpSpPr>
+      <p:sp>
+        <p:nvSpPr>
+          <p:cNvPr id="2" name="Title 1"/>
+          <p:cNvSpPr>
+            <a:spLocks noGrp="1"/>
+          </p:cNvSpPr>
+          <p:nvPr>
+            <p:ph type="title"/>
+          </p:nvPr>
+        </p:nvSpPr>
+        <p:spPr/>
+        <p:txBody>
+          <a:bodyPr/>
+          <a:lstStyle/>
+          <a:p>
+            <a:endParaRPr lang="en-US"/>
+          </a:p>
+        </p:txBody>
+      </p:sp>
+      <p:sp>
+        <p:nvSpPr>
+          <p:cNvPr id="3" name="Content Placeholder 2"/>
+          <p:cNvSpPr>
+            <a:spLocks noGrp="1"/>
+          </p:cNvSpPr>
+          <p:nvPr>
+            <p:ph idx="1"/>
+          </p:nvPr>
+        </p:nvSpPr>
+        <p:spPr/>
+        <p:txBody>
+          <a:bodyPr/>
+          <a:lstStyle/>
+          <a:p>
+            <a:endParaRPr lang="en-US"/>
+          </a:p>
+        </p:txBody>
+      </p:sp>
+    </p:spTree>
+  </p:cSld>
+  <p:clrMapOvr>
+    <a:masterClrMapping/>
+  </p:clrMapOvr>
+</p:sld>
+</file>
+
+<file path=ppt/slides/slide74.xml><?xml version="1.0" encoding="utf-8"?>
+<p:sld xmlns:a="http://schemas.openxmlformats.org/drawingml/2006/main" xmlns:r="http://schemas.openxmlformats.org/officeDocument/2006/relationships" xmlns:p="http://schemas.openxmlformats.org/presentationml/2006/main">
+  <p:cSld>
+    <p:spTree>
+      <p:nvGrpSpPr>
+        <p:cNvPr id="1" name=""/>
+        <p:cNvGrpSpPr/>
+        <p:nvPr/>
+      </p:nvGrpSpPr>
+      <p:grpSpPr>
+        <a:xfrm>
+          <a:off x="0" y="0"/>
+          <a:ext cx="0" cy="0"/>
+          <a:chOff x="0" y="0"/>
+          <a:chExt cx="0" cy="0"/>
+        </a:xfrm>
+      </p:grpSpPr>
+      <p:sp>
+        <p:nvSpPr>
+          <p:cNvPr id="2" name="Title 1"/>
+          <p:cNvSpPr>
+            <a:spLocks noGrp="1"/>
+          </p:cNvSpPr>
+          <p:nvPr>
+            <p:ph type="title"/>
+          </p:nvPr>
+        </p:nvSpPr>
+        <p:spPr/>
+        <p:txBody>
+          <a:bodyPr/>
+          <a:lstStyle/>
+          <a:p>
+            <a:endParaRPr lang="en-US"/>
+          </a:p>
+        </p:txBody>
+      </p:sp>
+      <p:sp>
+        <p:nvSpPr>
+          <p:cNvPr id="3" name="Content Placeholder 2"/>
+          <p:cNvSpPr>
+            <a:spLocks noGrp="1"/>
+          </p:cNvSpPr>
+          <p:nvPr>
+            <p:ph idx="1"/>
+          </p:nvPr>
+        </p:nvSpPr>
+        <p:spPr/>
+        <p:txBody>
+          <a:bodyPr/>
+          <a:lstStyle/>
+          <a:p>
+            <a:endParaRPr lang="en-US"/>
+          </a:p>
+        </p:txBody>
+      </p:sp>
+    </p:spTree>
+  </p:cSld>
+  <p:clrMapOvr>
+    <a:masterClrMapping/>
+  </p:clrMapOvr>
+</p:sld>
+</file>
+
+<file path=ppt/slides/slide75.xml><?xml version="1.0" encoding="utf-8"?>
+<p:sld xmlns:a="http://schemas.openxmlformats.org/drawingml/2006/main" xmlns:r="http://schemas.openxmlformats.org/officeDocument/2006/relationships" xmlns:p="http://schemas.openxmlformats.org/presentationml/2006/main">
+  <p:cSld>
+    <p:spTree>
+      <p:nvGrpSpPr>
+        <p:cNvPr id="1" name=""/>
+        <p:cNvGrpSpPr/>
+        <p:nvPr/>
+      </p:nvGrpSpPr>
+      <p:grpSpPr>
+        <a:xfrm>
+          <a:off x="0" y="0"/>
+          <a:ext cx="0" cy="0"/>
+          <a:chOff x="0" y="0"/>
+          <a:chExt cx="0" cy="0"/>
+        </a:xfrm>
+      </p:grpSpPr>
+      <p:sp>
+        <p:nvSpPr>
+          <p:cNvPr id="2" name="Title 1"/>
+          <p:cNvSpPr>
+            <a:spLocks noGrp="1"/>
+          </p:cNvSpPr>
+          <p:nvPr>
+            <p:ph type="title"/>
+          </p:nvPr>
+        </p:nvSpPr>
+        <p:spPr/>
+        <p:txBody>
+          <a:bodyPr/>
+          <a:lstStyle/>
+          <a:p>
+            <a:endParaRPr lang="en-US"/>
+          </a:p>
+        </p:txBody>
+      </p:sp>
+      <p:sp>
+        <p:nvSpPr>
+          <p:cNvPr id="3" name="Content Placeholder 2"/>
+          <p:cNvSpPr>
+            <a:spLocks noGrp="1"/>
+          </p:cNvSpPr>
+          <p:nvPr>
+            <p:ph idx="1"/>
+          </p:nvPr>
+        </p:nvSpPr>
+        <p:spPr/>
+        <p:txBody>
+          <a:bodyPr/>
+          <a:lstStyle/>
+          <a:p>
+            <a:endParaRPr lang="en-US"/>
+          </a:p>
+        </p:txBody>
+      </p:sp>
+    </p:spTree>
+  </p:cSld>
+  <p:clrMapOvr>
+    <a:masterClrMapping/>
+  </p:clrMapOvr>
+</p:sld>
+</file>
+
+<file path=ppt/slides/slide76.xml><?xml version="1.0" encoding="utf-8"?>
+<p:sld xmlns:a="http://schemas.openxmlformats.org/drawingml/2006/main" xmlns:r="http://schemas.openxmlformats.org/officeDocument/2006/relationships" xmlns:p="http://schemas.openxmlformats.org/presentationml/2006/main">
+  <p:cSld>
+    <p:spTree>
+      <p:nvGrpSpPr>
+        <p:cNvPr id="1" name=""/>
+        <p:cNvGrpSpPr/>
+        <p:nvPr/>
+      </p:nvGrpSpPr>
+      <p:grpSpPr>
+        <a:xfrm>
+          <a:off x="0" y="0"/>
+          <a:ext cx="0" cy="0"/>
+          <a:chOff x="0" y="0"/>
+          <a:chExt cx="0" cy="0"/>
+        </a:xfrm>
+      </p:grpSpPr>
+      <p:sp>
+        <p:nvSpPr>
+          <p:cNvPr id="2" name="Title 1"/>
+          <p:cNvSpPr>
+            <a:spLocks noGrp="1"/>
+          </p:cNvSpPr>
+          <p:nvPr>
+            <p:ph type="title"/>
+          </p:nvPr>
+        </p:nvSpPr>
+        <p:spPr/>
+        <p:txBody>
+          <a:bodyPr/>
+          <a:lstStyle/>
+          <a:p>
+            <a:endParaRPr lang="en-US"/>
+          </a:p>
+        </p:txBody>
+      </p:sp>
+      <p:sp>
+        <p:nvSpPr>
+          <p:cNvPr id="3" name="Content Placeholder 2"/>
+          <p:cNvSpPr>
+            <a:spLocks noGrp="1"/>
+          </p:cNvSpPr>
+          <p:nvPr>
+            <p:ph idx="1"/>
+          </p:nvPr>
+        </p:nvSpPr>
+        <p:spPr/>
+        <p:txBody>
+          <a:bodyPr/>
+          <a:lstStyle/>
+          <a:p>
+            <a:endParaRPr lang="en-US"/>
+          </a:p>
+        </p:txBody>
+      </p:sp>
+    </p:spTree>
+  </p:cSld>
+  <p:clrMapOvr>
+    <a:masterClrMapping/>
+  </p:clrMapOvr>
+</p:sld>
+</file>
+
+<file path=ppt/slides/slide77.xml><?xml version="1.0" encoding="utf-8"?>
+<p:sld xmlns:a="http://schemas.openxmlformats.org/drawingml/2006/main" xmlns:r="http://schemas.openxmlformats.org/officeDocument/2006/relationships" xmlns:p="http://schemas.openxmlformats.org/presentationml/2006/main">
+  <p:cSld>
+    <p:spTree>
+      <p:nvGrpSpPr>
+        <p:cNvPr id="1" name=""/>
+        <p:cNvGrpSpPr/>
+        <p:nvPr/>
+      </p:nvGrpSpPr>
+      <p:grpSpPr>
+        <a:xfrm>
+          <a:off x="0" y="0"/>
+          <a:ext cx="0" cy="0"/>
+          <a:chOff x="0" y="0"/>
+          <a:chExt cx="0" cy="0"/>
+        </a:xfrm>
+      </p:grpSpPr>
+      <p:sp>
+        <p:nvSpPr>
+          <p:cNvPr id="2" name="Title 1"/>
+          <p:cNvSpPr>
+            <a:spLocks noGrp="1"/>
+          </p:cNvSpPr>
+          <p:nvPr>
+            <p:ph type="title"/>
+          </p:nvPr>
+        </p:nvSpPr>
+        <p:spPr/>
+        <p:txBody>
+          <a:bodyPr/>
+          <a:lstStyle/>
+          <a:p>
+            <a:endParaRPr lang="en-US"/>
+          </a:p>
+        </p:txBody>
+      </p:sp>
+      <p:sp>
+        <p:nvSpPr>
+          <p:cNvPr id="3" name="Content Placeholder 2"/>
+          <p:cNvSpPr>
+            <a:spLocks noGrp="1"/>
+          </p:cNvSpPr>
+          <p:nvPr>
+            <p:ph idx="1"/>
+          </p:nvPr>
+        </p:nvSpPr>
+        <p:spPr/>
+        <p:txBody>
+          <a:bodyPr/>
+          <a:lstStyle/>
+          <a:p>
+            <a:endParaRPr lang="en-US"/>
+          </a:p>
+        </p:txBody>
+      </p:sp>
+    </p:spTree>
+  </p:cSld>
+  <p:clrMapOvr>
+    <a:masterClrMapping/>
+  </p:clrMapOvr>
+</p:sld>
+</file>
+
+<file path=ppt/slides/slide78.xml><?xml version="1.0" encoding="utf-8"?>
+<p:sld xmlns:a="http://schemas.openxmlformats.org/drawingml/2006/main" xmlns:r="http://schemas.openxmlformats.org/officeDocument/2006/relationships" xmlns:p="http://schemas.openxmlformats.org/presentationml/2006/main">
+  <p:cSld>
+    <p:spTree>
+      <p:nvGrpSpPr>
+        <p:cNvPr id="1" name=""/>
+        <p:cNvGrpSpPr/>
+        <p:nvPr/>
+      </p:nvGrpSpPr>
+      <p:grpSpPr>
+        <a:xfrm>
+          <a:off x="0" y="0"/>
+          <a:ext cx="0" cy="0"/>
+          <a:chOff x="0" y="0"/>
+          <a:chExt cx="0" cy="0"/>
+        </a:xfrm>
+      </p:grpSpPr>
+      <p:sp>
+        <p:nvSpPr>
+          <p:cNvPr id="2" name="Title 1"/>
+          <p:cNvSpPr>
+            <a:spLocks noGrp="1"/>
+          </p:cNvSpPr>
+          <p:nvPr>
+            <p:ph type="title"/>
+          </p:nvPr>
+        </p:nvSpPr>
+        <p:spPr/>
+        <p:txBody>
+          <a:bodyPr/>
+          <a:lstStyle/>
+          <a:p>
+            <a:endParaRPr lang="en-US"/>
+          </a:p>
+        </p:txBody>
+      </p:sp>
+      <p:sp>
+        <p:nvSpPr>
+          <p:cNvPr id="3" name="Content Placeholder 2"/>
+          <p:cNvSpPr>
+            <a:spLocks noGrp="1"/>
+          </p:cNvSpPr>
+          <p:nvPr>
+            <p:ph idx="1"/>
+          </p:nvPr>
+        </p:nvSpPr>
+        <p:spPr/>
+        <p:txBody>
+          <a:bodyPr/>
+          <a:lstStyle/>
+          <a:p>
+            <a:endParaRPr lang="en-US"/>
+          </a:p>
+        </p:txBody>
+      </p:sp>
+    </p:spTree>
+  </p:cSld>
+  <p:clrMapOvr>
+    <a:masterClrMapping/>
+  </p:clrMapOvr>
+</p:sld>
+</file>
+
+<file path=ppt/slides/slide79.xml><?xml version="1.0" encoding="utf-8"?>
+<p:sld xmlns:a="http://schemas.openxmlformats.org/drawingml/2006/main" xmlns:r="http://schemas.openxmlformats.org/officeDocument/2006/relationships" xmlns:p="http://schemas.openxmlformats.org/presentationml/2006/main">
+  <p:cSld>
+    <p:spTree>
+      <p:nvGrpSpPr>
+        <p:cNvPr id="1" name=""/>
+        <p:cNvGrpSpPr/>
+        <p:nvPr/>
+      </p:nvGrpSpPr>
+      <p:grpSpPr>
+        <a:xfrm>
+          <a:off x="0" y="0"/>
+          <a:ext cx="0" cy="0"/>
+          <a:chOff x="0" y="0"/>
+          <a:chExt cx="0" cy="0"/>
+        </a:xfrm>
+      </p:grpSpPr>
+      <p:sp>
+        <p:nvSpPr>
+          <p:cNvPr id="2" name="Title 1"/>
+          <p:cNvSpPr>
+            <a:spLocks noGrp="1"/>
+          </p:cNvSpPr>
+          <p:nvPr>
+            <p:ph type="title"/>
+          </p:nvPr>
+        </p:nvSpPr>
+        <p:spPr/>
+        <p:txBody>
+          <a:bodyPr/>
+          <a:lstStyle/>
+          <a:p>
+            <a:endParaRPr lang="en-US"/>
+          </a:p>
+        </p:txBody>
+      </p:sp>
+      <p:sp>
+        <p:nvSpPr>
+          <p:cNvPr id="3" name="Content Placeholder 2"/>
+          <p:cNvSpPr>
+            <a:spLocks noGrp="1"/>
+          </p:cNvSpPr>
+          <p:nvPr>
+            <p:ph idx="1"/>
+          </p:nvPr>
+        </p:nvSpPr>
+        <p:spPr/>
+        <p:txBody>
+          <a:bodyPr/>
+          <a:lstStyle/>
+          <a:p>
+            <a:endParaRPr lang="en-US"/>
+          </a:p>
+        </p:txBody>
+      </p:sp>
+    </p:spTree>
+  </p:cSld>
+  <p:clrMapOvr>
+    <a:masterClrMapping/>
+  </p:clrMapOvr>
+</p:sld>
+</file>
+
 <file path=ppt/slides/slide8.xml><?xml version="1.0" encoding="utf-8"?>
 <p:sld xmlns:a="http://schemas.openxmlformats.org/drawingml/2006/main" xmlns:r="http://schemas.openxmlformats.org/officeDocument/2006/relationships" xmlns:p="http://schemas.openxmlformats.org/presentationml/2006/main">
   <p:cSld>
@@ -5101,6 +10204,636 @@
           </a:p>
           <a:p>
             <a:endParaRPr lang="en-US" dirty="0"/>
+          </a:p>
+        </p:txBody>
+      </p:sp>
+    </p:spTree>
+  </p:cSld>
+  <p:clrMapOvr>
+    <a:masterClrMapping/>
+  </p:clrMapOvr>
+</p:sld>
+</file>
+
+<file path=ppt/slides/slide80.xml><?xml version="1.0" encoding="utf-8"?>
+<p:sld xmlns:a="http://schemas.openxmlformats.org/drawingml/2006/main" xmlns:r="http://schemas.openxmlformats.org/officeDocument/2006/relationships" xmlns:p="http://schemas.openxmlformats.org/presentationml/2006/main">
+  <p:cSld>
+    <p:spTree>
+      <p:nvGrpSpPr>
+        <p:cNvPr id="1" name=""/>
+        <p:cNvGrpSpPr/>
+        <p:nvPr/>
+      </p:nvGrpSpPr>
+      <p:grpSpPr>
+        <a:xfrm>
+          <a:off x="0" y="0"/>
+          <a:ext cx="0" cy="0"/>
+          <a:chOff x="0" y="0"/>
+          <a:chExt cx="0" cy="0"/>
+        </a:xfrm>
+      </p:grpSpPr>
+      <p:sp>
+        <p:nvSpPr>
+          <p:cNvPr id="2" name="Title 1"/>
+          <p:cNvSpPr>
+            <a:spLocks noGrp="1"/>
+          </p:cNvSpPr>
+          <p:nvPr>
+            <p:ph type="title"/>
+          </p:nvPr>
+        </p:nvSpPr>
+        <p:spPr/>
+        <p:txBody>
+          <a:bodyPr/>
+          <a:lstStyle/>
+          <a:p>
+            <a:endParaRPr lang="en-US"/>
+          </a:p>
+        </p:txBody>
+      </p:sp>
+      <p:sp>
+        <p:nvSpPr>
+          <p:cNvPr id="3" name="Content Placeholder 2"/>
+          <p:cNvSpPr>
+            <a:spLocks noGrp="1"/>
+          </p:cNvSpPr>
+          <p:nvPr>
+            <p:ph idx="1"/>
+          </p:nvPr>
+        </p:nvSpPr>
+        <p:spPr/>
+        <p:txBody>
+          <a:bodyPr/>
+          <a:lstStyle/>
+          <a:p>
+            <a:endParaRPr lang="en-US"/>
+          </a:p>
+        </p:txBody>
+      </p:sp>
+    </p:spTree>
+  </p:cSld>
+  <p:clrMapOvr>
+    <a:masterClrMapping/>
+  </p:clrMapOvr>
+</p:sld>
+</file>
+
+<file path=ppt/slides/slide81.xml><?xml version="1.0" encoding="utf-8"?>
+<p:sld xmlns:a="http://schemas.openxmlformats.org/drawingml/2006/main" xmlns:r="http://schemas.openxmlformats.org/officeDocument/2006/relationships" xmlns:p="http://schemas.openxmlformats.org/presentationml/2006/main">
+  <p:cSld>
+    <p:spTree>
+      <p:nvGrpSpPr>
+        <p:cNvPr id="1" name=""/>
+        <p:cNvGrpSpPr/>
+        <p:nvPr/>
+      </p:nvGrpSpPr>
+      <p:grpSpPr>
+        <a:xfrm>
+          <a:off x="0" y="0"/>
+          <a:ext cx="0" cy="0"/>
+          <a:chOff x="0" y="0"/>
+          <a:chExt cx="0" cy="0"/>
+        </a:xfrm>
+      </p:grpSpPr>
+      <p:sp>
+        <p:nvSpPr>
+          <p:cNvPr id="2" name="Title 1"/>
+          <p:cNvSpPr>
+            <a:spLocks noGrp="1"/>
+          </p:cNvSpPr>
+          <p:nvPr>
+            <p:ph type="title"/>
+          </p:nvPr>
+        </p:nvSpPr>
+        <p:spPr/>
+        <p:txBody>
+          <a:bodyPr/>
+          <a:lstStyle/>
+          <a:p>
+            <a:endParaRPr lang="en-US"/>
+          </a:p>
+        </p:txBody>
+      </p:sp>
+      <p:sp>
+        <p:nvSpPr>
+          <p:cNvPr id="3" name="Content Placeholder 2"/>
+          <p:cNvSpPr>
+            <a:spLocks noGrp="1"/>
+          </p:cNvSpPr>
+          <p:nvPr>
+            <p:ph idx="1"/>
+          </p:nvPr>
+        </p:nvSpPr>
+        <p:spPr/>
+        <p:txBody>
+          <a:bodyPr/>
+          <a:lstStyle/>
+          <a:p>
+            <a:endParaRPr lang="en-US"/>
+          </a:p>
+        </p:txBody>
+      </p:sp>
+    </p:spTree>
+  </p:cSld>
+  <p:clrMapOvr>
+    <a:masterClrMapping/>
+  </p:clrMapOvr>
+</p:sld>
+</file>
+
+<file path=ppt/slides/slide82.xml><?xml version="1.0" encoding="utf-8"?>
+<p:sld xmlns:a="http://schemas.openxmlformats.org/drawingml/2006/main" xmlns:r="http://schemas.openxmlformats.org/officeDocument/2006/relationships" xmlns:p="http://schemas.openxmlformats.org/presentationml/2006/main">
+  <p:cSld>
+    <p:spTree>
+      <p:nvGrpSpPr>
+        <p:cNvPr id="1" name=""/>
+        <p:cNvGrpSpPr/>
+        <p:nvPr/>
+      </p:nvGrpSpPr>
+      <p:grpSpPr>
+        <a:xfrm>
+          <a:off x="0" y="0"/>
+          <a:ext cx="0" cy="0"/>
+          <a:chOff x="0" y="0"/>
+          <a:chExt cx="0" cy="0"/>
+        </a:xfrm>
+      </p:grpSpPr>
+      <p:sp>
+        <p:nvSpPr>
+          <p:cNvPr id="2" name="Title 1"/>
+          <p:cNvSpPr>
+            <a:spLocks noGrp="1"/>
+          </p:cNvSpPr>
+          <p:nvPr>
+            <p:ph type="title"/>
+          </p:nvPr>
+        </p:nvSpPr>
+        <p:spPr/>
+        <p:txBody>
+          <a:bodyPr/>
+          <a:lstStyle/>
+          <a:p>
+            <a:endParaRPr lang="en-US"/>
+          </a:p>
+        </p:txBody>
+      </p:sp>
+      <p:sp>
+        <p:nvSpPr>
+          <p:cNvPr id="3" name="Content Placeholder 2"/>
+          <p:cNvSpPr>
+            <a:spLocks noGrp="1"/>
+          </p:cNvSpPr>
+          <p:nvPr>
+            <p:ph idx="1"/>
+          </p:nvPr>
+        </p:nvSpPr>
+        <p:spPr/>
+        <p:txBody>
+          <a:bodyPr/>
+          <a:lstStyle/>
+          <a:p>
+            <a:endParaRPr lang="en-US"/>
+          </a:p>
+        </p:txBody>
+      </p:sp>
+    </p:spTree>
+  </p:cSld>
+  <p:clrMapOvr>
+    <a:masterClrMapping/>
+  </p:clrMapOvr>
+</p:sld>
+</file>
+
+<file path=ppt/slides/slide83.xml><?xml version="1.0" encoding="utf-8"?>
+<p:sld xmlns:a="http://schemas.openxmlformats.org/drawingml/2006/main" xmlns:r="http://schemas.openxmlformats.org/officeDocument/2006/relationships" xmlns:p="http://schemas.openxmlformats.org/presentationml/2006/main">
+  <p:cSld>
+    <p:spTree>
+      <p:nvGrpSpPr>
+        <p:cNvPr id="1" name=""/>
+        <p:cNvGrpSpPr/>
+        <p:nvPr/>
+      </p:nvGrpSpPr>
+      <p:grpSpPr>
+        <a:xfrm>
+          <a:off x="0" y="0"/>
+          <a:ext cx="0" cy="0"/>
+          <a:chOff x="0" y="0"/>
+          <a:chExt cx="0" cy="0"/>
+        </a:xfrm>
+      </p:grpSpPr>
+      <p:sp>
+        <p:nvSpPr>
+          <p:cNvPr id="2" name="Title 1"/>
+          <p:cNvSpPr>
+            <a:spLocks noGrp="1"/>
+          </p:cNvSpPr>
+          <p:nvPr>
+            <p:ph type="title"/>
+          </p:nvPr>
+        </p:nvSpPr>
+        <p:spPr/>
+        <p:txBody>
+          <a:bodyPr/>
+          <a:lstStyle/>
+          <a:p>
+            <a:endParaRPr lang="en-US"/>
+          </a:p>
+        </p:txBody>
+      </p:sp>
+      <p:sp>
+        <p:nvSpPr>
+          <p:cNvPr id="3" name="Content Placeholder 2"/>
+          <p:cNvSpPr>
+            <a:spLocks noGrp="1"/>
+          </p:cNvSpPr>
+          <p:nvPr>
+            <p:ph idx="1"/>
+          </p:nvPr>
+        </p:nvSpPr>
+        <p:spPr/>
+        <p:txBody>
+          <a:bodyPr/>
+          <a:lstStyle/>
+          <a:p>
+            <a:endParaRPr lang="en-US"/>
+          </a:p>
+        </p:txBody>
+      </p:sp>
+    </p:spTree>
+  </p:cSld>
+  <p:clrMapOvr>
+    <a:masterClrMapping/>
+  </p:clrMapOvr>
+</p:sld>
+</file>
+
+<file path=ppt/slides/slide84.xml><?xml version="1.0" encoding="utf-8"?>
+<p:sld xmlns:a="http://schemas.openxmlformats.org/drawingml/2006/main" xmlns:r="http://schemas.openxmlformats.org/officeDocument/2006/relationships" xmlns:p="http://schemas.openxmlformats.org/presentationml/2006/main">
+  <p:cSld>
+    <p:spTree>
+      <p:nvGrpSpPr>
+        <p:cNvPr id="1" name=""/>
+        <p:cNvGrpSpPr/>
+        <p:nvPr/>
+      </p:nvGrpSpPr>
+      <p:grpSpPr>
+        <a:xfrm>
+          <a:off x="0" y="0"/>
+          <a:ext cx="0" cy="0"/>
+          <a:chOff x="0" y="0"/>
+          <a:chExt cx="0" cy="0"/>
+        </a:xfrm>
+      </p:grpSpPr>
+      <p:sp>
+        <p:nvSpPr>
+          <p:cNvPr id="2" name="Title 1"/>
+          <p:cNvSpPr>
+            <a:spLocks noGrp="1"/>
+          </p:cNvSpPr>
+          <p:nvPr>
+            <p:ph type="title"/>
+          </p:nvPr>
+        </p:nvSpPr>
+        <p:spPr/>
+        <p:txBody>
+          <a:bodyPr/>
+          <a:lstStyle/>
+          <a:p>
+            <a:endParaRPr lang="en-US"/>
+          </a:p>
+        </p:txBody>
+      </p:sp>
+      <p:sp>
+        <p:nvSpPr>
+          <p:cNvPr id="3" name="Content Placeholder 2"/>
+          <p:cNvSpPr>
+            <a:spLocks noGrp="1"/>
+          </p:cNvSpPr>
+          <p:nvPr>
+            <p:ph idx="1"/>
+          </p:nvPr>
+        </p:nvSpPr>
+        <p:spPr/>
+        <p:txBody>
+          <a:bodyPr/>
+          <a:lstStyle/>
+          <a:p>
+            <a:endParaRPr lang="en-US"/>
+          </a:p>
+        </p:txBody>
+      </p:sp>
+    </p:spTree>
+  </p:cSld>
+  <p:clrMapOvr>
+    <a:masterClrMapping/>
+  </p:clrMapOvr>
+</p:sld>
+</file>
+
+<file path=ppt/slides/slide85.xml><?xml version="1.0" encoding="utf-8"?>
+<p:sld xmlns:a="http://schemas.openxmlformats.org/drawingml/2006/main" xmlns:r="http://schemas.openxmlformats.org/officeDocument/2006/relationships" xmlns:p="http://schemas.openxmlformats.org/presentationml/2006/main">
+  <p:cSld>
+    <p:spTree>
+      <p:nvGrpSpPr>
+        <p:cNvPr id="1" name=""/>
+        <p:cNvGrpSpPr/>
+        <p:nvPr/>
+      </p:nvGrpSpPr>
+      <p:grpSpPr>
+        <a:xfrm>
+          <a:off x="0" y="0"/>
+          <a:ext cx="0" cy="0"/>
+          <a:chOff x="0" y="0"/>
+          <a:chExt cx="0" cy="0"/>
+        </a:xfrm>
+      </p:grpSpPr>
+      <p:sp>
+        <p:nvSpPr>
+          <p:cNvPr id="2" name="Title 1"/>
+          <p:cNvSpPr>
+            <a:spLocks noGrp="1"/>
+          </p:cNvSpPr>
+          <p:nvPr>
+            <p:ph type="title"/>
+          </p:nvPr>
+        </p:nvSpPr>
+        <p:spPr/>
+        <p:txBody>
+          <a:bodyPr/>
+          <a:lstStyle/>
+          <a:p>
+            <a:endParaRPr lang="en-US"/>
+          </a:p>
+        </p:txBody>
+      </p:sp>
+      <p:sp>
+        <p:nvSpPr>
+          <p:cNvPr id="3" name="Content Placeholder 2"/>
+          <p:cNvSpPr>
+            <a:spLocks noGrp="1"/>
+          </p:cNvSpPr>
+          <p:nvPr>
+            <p:ph idx="1"/>
+          </p:nvPr>
+        </p:nvSpPr>
+        <p:spPr/>
+        <p:txBody>
+          <a:bodyPr/>
+          <a:lstStyle/>
+          <a:p>
+            <a:endParaRPr lang="en-US"/>
+          </a:p>
+        </p:txBody>
+      </p:sp>
+    </p:spTree>
+  </p:cSld>
+  <p:clrMapOvr>
+    <a:masterClrMapping/>
+  </p:clrMapOvr>
+</p:sld>
+</file>
+
+<file path=ppt/slides/slide86.xml><?xml version="1.0" encoding="utf-8"?>
+<p:sld xmlns:a="http://schemas.openxmlformats.org/drawingml/2006/main" xmlns:r="http://schemas.openxmlformats.org/officeDocument/2006/relationships" xmlns:p="http://schemas.openxmlformats.org/presentationml/2006/main">
+  <p:cSld>
+    <p:spTree>
+      <p:nvGrpSpPr>
+        <p:cNvPr id="1" name=""/>
+        <p:cNvGrpSpPr/>
+        <p:nvPr/>
+      </p:nvGrpSpPr>
+      <p:grpSpPr>
+        <a:xfrm>
+          <a:off x="0" y="0"/>
+          <a:ext cx="0" cy="0"/>
+          <a:chOff x="0" y="0"/>
+          <a:chExt cx="0" cy="0"/>
+        </a:xfrm>
+      </p:grpSpPr>
+      <p:sp>
+        <p:nvSpPr>
+          <p:cNvPr id="2" name="Title 1"/>
+          <p:cNvSpPr>
+            <a:spLocks noGrp="1"/>
+          </p:cNvSpPr>
+          <p:nvPr>
+            <p:ph type="title"/>
+          </p:nvPr>
+        </p:nvSpPr>
+        <p:spPr/>
+        <p:txBody>
+          <a:bodyPr/>
+          <a:lstStyle/>
+          <a:p>
+            <a:endParaRPr lang="en-US"/>
+          </a:p>
+        </p:txBody>
+      </p:sp>
+      <p:sp>
+        <p:nvSpPr>
+          <p:cNvPr id="3" name="Content Placeholder 2"/>
+          <p:cNvSpPr>
+            <a:spLocks noGrp="1"/>
+          </p:cNvSpPr>
+          <p:nvPr>
+            <p:ph idx="1"/>
+          </p:nvPr>
+        </p:nvSpPr>
+        <p:spPr/>
+        <p:txBody>
+          <a:bodyPr/>
+          <a:lstStyle/>
+          <a:p>
+            <a:endParaRPr lang="en-US"/>
+          </a:p>
+        </p:txBody>
+      </p:sp>
+    </p:spTree>
+  </p:cSld>
+  <p:clrMapOvr>
+    <a:masterClrMapping/>
+  </p:clrMapOvr>
+</p:sld>
+</file>
+
+<file path=ppt/slides/slide87.xml><?xml version="1.0" encoding="utf-8"?>
+<p:sld xmlns:a="http://schemas.openxmlformats.org/drawingml/2006/main" xmlns:r="http://schemas.openxmlformats.org/officeDocument/2006/relationships" xmlns:p="http://schemas.openxmlformats.org/presentationml/2006/main">
+  <p:cSld>
+    <p:spTree>
+      <p:nvGrpSpPr>
+        <p:cNvPr id="1" name=""/>
+        <p:cNvGrpSpPr/>
+        <p:nvPr/>
+      </p:nvGrpSpPr>
+      <p:grpSpPr>
+        <a:xfrm>
+          <a:off x="0" y="0"/>
+          <a:ext cx="0" cy="0"/>
+          <a:chOff x="0" y="0"/>
+          <a:chExt cx="0" cy="0"/>
+        </a:xfrm>
+      </p:grpSpPr>
+      <p:sp>
+        <p:nvSpPr>
+          <p:cNvPr id="2" name="Title 1"/>
+          <p:cNvSpPr>
+            <a:spLocks noGrp="1"/>
+          </p:cNvSpPr>
+          <p:nvPr>
+            <p:ph type="title"/>
+          </p:nvPr>
+        </p:nvSpPr>
+        <p:spPr/>
+        <p:txBody>
+          <a:bodyPr/>
+          <a:lstStyle/>
+          <a:p>
+            <a:endParaRPr lang="en-US"/>
+          </a:p>
+        </p:txBody>
+      </p:sp>
+      <p:sp>
+        <p:nvSpPr>
+          <p:cNvPr id="3" name="Content Placeholder 2"/>
+          <p:cNvSpPr>
+            <a:spLocks noGrp="1"/>
+          </p:cNvSpPr>
+          <p:nvPr>
+            <p:ph idx="1"/>
+          </p:nvPr>
+        </p:nvSpPr>
+        <p:spPr/>
+        <p:txBody>
+          <a:bodyPr/>
+          <a:lstStyle/>
+          <a:p>
+            <a:endParaRPr lang="en-US"/>
+          </a:p>
+        </p:txBody>
+      </p:sp>
+    </p:spTree>
+  </p:cSld>
+  <p:clrMapOvr>
+    <a:masterClrMapping/>
+  </p:clrMapOvr>
+</p:sld>
+</file>
+
+<file path=ppt/slides/slide88.xml><?xml version="1.0" encoding="utf-8"?>
+<p:sld xmlns:a="http://schemas.openxmlformats.org/drawingml/2006/main" xmlns:r="http://schemas.openxmlformats.org/officeDocument/2006/relationships" xmlns:p="http://schemas.openxmlformats.org/presentationml/2006/main">
+  <p:cSld>
+    <p:spTree>
+      <p:nvGrpSpPr>
+        <p:cNvPr id="1" name=""/>
+        <p:cNvGrpSpPr/>
+        <p:nvPr/>
+      </p:nvGrpSpPr>
+      <p:grpSpPr>
+        <a:xfrm>
+          <a:off x="0" y="0"/>
+          <a:ext cx="0" cy="0"/>
+          <a:chOff x="0" y="0"/>
+          <a:chExt cx="0" cy="0"/>
+        </a:xfrm>
+      </p:grpSpPr>
+      <p:sp>
+        <p:nvSpPr>
+          <p:cNvPr id="2" name="Title 1"/>
+          <p:cNvSpPr>
+            <a:spLocks noGrp="1"/>
+          </p:cNvSpPr>
+          <p:nvPr>
+            <p:ph type="title"/>
+          </p:nvPr>
+        </p:nvSpPr>
+        <p:spPr/>
+        <p:txBody>
+          <a:bodyPr/>
+          <a:lstStyle/>
+          <a:p>
+            <a:endParaRPr lang="en-US"/>
+          </a:p>
+        </p:txBody>
+      </p:sp>
+      <p:sp>
+        <p:nvSpPr>
+          <p:cNvPr id="3" name="Content Placeholder 2"/>
+          <p:cNvSpPr>
+            <a:spLocks noGrp="1"/>
+          </p:cNvSpPr>
+          <p:nvPr>
+            <p:ph idx="1"/>
+          </p:nvPr>
+        </p:nvSpPr>
+        <p:spPr/>
+        <p:txBody>
+          <a:bodyPr/>
+          <a:lstStyle/>
+          <a:p>
+            <a:endParaRPr lang="en-US"/>
+          </a:p>
+        </p:txBody>
+      </p:sp>
+    </p:spTree>
+  </p:cSld>
+  <p:clrMapOvr>
+    <a:masterClrMapping/>
+  </p:clrMapOvr>
+</p:sld>
+</file>
+
+<file path=ppt/slides/slide89.xml><?xml version="1.0" encoding="utf-8"?>
+<p:sld xmlns:a="http://schemas.openxmlformats.org/drawingml/2006/main" xmlns:r="http://schemas.openxmlformats.org/officeDocument/2006/relationships" xmlns:p="http://schemas.openxmlformats.org/presentationml/2006/main">
+  <p:cSld>
+    <p:spTree>
+      <p:nvGrpSpPr>
+        <p:cNvPr id="1" name=""/>
+        <p:cNvGrpSpPr/>
+        <p:nvPr/>
+      </p:nvGrpSpPr>
+      <p:grpSpPr>
+        <a:xfrm>
+          <a:off x="0" y="0"/>
+          <a:ext cx="0" cy="0"/>
+          <a:chOff x="0" y="0"/>
+          <a:chExt cx="0" cy="0"/>
+        </a:xfrm>
+      </p:grpSpPr>
+      <p:sp>
+        <p:nvSpPr>
+          <p:cNvPr id="2" name="Title 1"/>
+          <p:cNvSpPr>
+            <a:spLocks noGrp="1"/>
+          </p:cNvSpPr>
+          <p:nvPr>
+            <p:ph type="title"/>
+          </p:nvPr>
+        </p:nvSpPr>
+        <p:spPr/>
+        <p:txBody>
+          <a:bodyPr/>
+          <a:lstStyle/>
+          <a:p>
+            <a:endParaRPr lang="en-US"/>
+          </a:p>
+        </p:txBody>
+      </p:sp>
+      <p:sp>
+        <p:nvSpPr>
+          <p:cNvPr id="3" name="Content Placeholder 2"/>
+          <p:cNvSpPr>
+            <a:spLocks noGrp="1"/>
+          </p:cNvSpPr>
+          <p:nvPr>
+            <p:ph idx="1"/>
+          </p:nvPr>
+        </p:nvSpPr>
+        <p:spPr/>
+        <p:txBody>
+          <a:bodyPr/>
+          <a:lstStyle/>
+          <a:p>
+            <a:endParaRPr lang="en-US"/>
           </a:p>
         </p:txBody>
       </p:sp>
@@ -5175,13 +10908,7 @@
               <a:rPr lang="en-US" dirty="0" smtClean="0">
                 <a:hlinkClick r:id="rId2"/>
               </a:rPr>
-              <a:t>http://</a:t>
-            </a:r>
-            <a:r>
-              <a:rPr lang="en-US" dirty="0" smtClean="0">
-                <a:hlinkClick r:id="rId2"/>
-              </a:rPr>
-              <a:t>libgdx.badlogicgames.com/nightlies/libgdx-nightly-latest.zip</a:t>
+              <a:t>http://libgdx.badlogicgames.com/nightlies/libgdx-nightly-latest.zip</a:t>
             </a:r>
             <a:endParaRPr lang="en-US" dirty="0" smtClean="0"/>
           </a:p>
@@ -5204,7 +10931,69 @@
               <a:rPr lang="en-US" dirty="0" smtClean="0"/>
               <a:t>Manual</a:t>
             </a:r>
-            <a:endParaRPr lang="en-US" dirty="0" smtClean="0"/>
+          </a:p>
+        </p:txBody>
+      </p:sp>
+    </p:spTree>
+  </p:cSld>
+  <p:clrMapOvr>
+    <a:masterClrMapping/>
+  </p:clrMapOvr>
+</p:sld>
+</file>
+
+<file path=ppt/slides/slide90.xml><?xml version="1.0" encoding="utf-8"?>
+<p:sld xmlns:a="http://schemas.openxmlformats.org/drawingml/2006/main" xmlns:r="http://schemas.openxmlformats.org/officeDocument/2006/relationships" xmlns:p="http://schemas.openxmlformats.org/presentationml/2006/main">
+  <p:cSld>
+    <p:spTree>
+      <p:nvGrpSpPr>
+        <p:cNvPr id="1" name=""/>
+        <p:cNvGrpSpPr/>
+        <p:nvPr/>
+      </p:nvGrpSpPr>
+      <p:grpSpPr>
+        <a:xfrm>
+          <a:off x="0" y="0"/>
+          <a:ext cx="0" cy="0"/>
+          <a:chOff x="0" y="0"/>
+          <a:chExt cx="0" cy="0"/>
+        </a:xfrm>
+      </p:grpSpPr>
+      <p:sp>
+        <p:nvSpPr>
+          <p:cNvPr id="2" name="Title 1"/>
+          <p:cNvSpPr>
+            <a:spLocks noGrp="1"/>
+          </p:cNvSpPr>
+          <p:nvPr>
+            <p:ph type="title"/>
+          </p:nvPr>
+        </p:nvSpPr>
+        <p:spPr/>
+        <p:txBody>
+          <a:bodyPr/>
+          <a:lstStyle/>
+          <a:p>
+            <a:endParaRPr lang="en-US"/>
+          </a:p>
+        </p:txBody>
+      </p:sp>
+      <p:sp>
+        <p:nvSpPr>
+          <p:cNvPr id="3" name="Content Placeholder 2"/>
+          <p:cNvSpPr>
+            <a:spLocks noGrp="1"/>
+          </p:cNvSpPr>
+          <p:nvPr>
+            <p:ph idx="1"/>
+          </p:nvPr>
+        </p:nvSpPr>
+        <p:spPr/>
+        <p:txBody>
+          <a:bodyPr/>
+          <a:lstStyle/>
+          <a:p>
+            <a:endParaRPr lang="en-US"/>
           </a:p>
         </p:txBody>
       </p:sp>
